--- a/preview/在线考试系统答辩PPT.pptx
+++ b/preview/在线考试系统答辩PPT.pptx
@@ -1,37 +1,37 @@
 
 <file path=ppt/presentation.xml><?xml version="1.0" encoding="utf-8"?>
-<p:presentation xmlns:a="http://schemas.openxmlformats.org/drawingml/2006/main" xmlns:r="http://schemas.openxmlformats.org/officeDocument/2006/relationships" xmlns:p="http://schemas.openxmlformats.org/presentationml/2006/main" removePersonalInfoOnSave="1" saveSubsetFonts="1">
+<p:presentation xmlns:a="http://schemas.openxmlformats.org/drawingml/2006/main" xmlns:r="http://schemas.openxmlformats.org/officeDocument/2006/relationships" xmlns:p="http://schemas.openxmlformats.org/presentationml/2006/main" removePersonalInfoOnSave="1">
   <p:sldMasterIdLst>
-    <p:sldMasterId id="2147483648" r:id="rId4"/>
+    <p:sldMasterId id="2147483648" r:id="rId1"/>
   </p:sldMasterIdLst>
   <p:notesMasterIdLst>
-    <p:notesMasterId r:id="rId20"/>
+    <p:notesMasterId r:id="rId4"/>
   </p:notesMasterIdLst>
   <p:handoutMasterIdLst>
-    <p:handoutMasterId r:id="rId21"/>
+    <p:handoutMasterId r:id="rId19"/>
   </p:handoutMasterIdLst>
   <p:sldIdLst>
-    <p:sldId id="256" r:id="rId5"/>
-    <p:sldId id="257" r:id="rId6"/>
-    <p:sldId id="258" r:id="rId7"/>
-    <p:sldId id="269" r:id="rId8"/>
-    <p:sldId id="270" r:id="rId9"/>
-    <p:sldId id="271" r:id="rId10"/>
-    <p:sldId id="272" r:id="rId11"/>
-    <p:sldId id="259" r:id="rId12"/>
-    <p:sldId id="273" r:id="rId13"/>
-    <p:sldId id="274" r:id="rId14"/>
-    <p:sldId id="275" r:id="rId15"/>
-    <p:sldId id="276" r:id="rId16"/>
-    <p:sldId id="277" r:id="rId17"/>
-    <p:sldId id="278" r:id="rId18"/>
-    <p:sldId id="268" r:id="rId19"/>
+    <p:sldId id="256" r:id="rId3"/>
+    <p:sldId id="257" r:id="rId5"/>
+    <p:sldId id="258" r:id="rId6"/>
+    <p:sldId id="269" r:id="rId7"/>
+    <p:sldId id="270" r:id="rId8"/>
+    <p:sldId id="271" r:id="rId9"/>
+    <p:sldId id="272" r:id="rId10"/>
+    <p:sldId id="259" r:id="rId11"/>
+    <p:sldId id="273" r:id="rId12"/>
+    <p:sldId id="274" r:id="rId13"/>
+    <p:sldId id="275" r:id="rId14"/>
+    <p:sldId id="276" r:id="rId15"/>
+    <p:sldId id="277" r:id="rId16"/>
+    <p:sldId id="278" r:id="rId17"/>
+    <p:sldId id="268" r:id="rId18"/>
   </p:sldIdLst>
   <p:sldSz cx="12192000" cy="6858000"/>
   <p:notesSz cx="6858000" cy="9144000"/>
   <p:defaultTextStyle>
     <a:defPPr rtl="0">
-      <a:defRPr lang="zh-cn"/>
+      <a:defRPr lang="en-US"/>
     </a:defPPr>
     <a:lvl1pPr marL="0" algn="l" defTabSz="914400" rtl="0" eaLnBrk="1" latinLnBrk="0" hangingPunct="1">
       <a:defRPr sz="1800" kern="1200">
@@ -124,25 +124,6 @@
       </a:defRPr>
     </a:lvl9pPr>
   </p:defaultTextStyle>
-  <p:extLst>
-    <p:ext uri="{EFAFB233-063F-42B5-8137-9DF3F51BA10A}">
-      <p15:sldGuideLst xmlns:p15="http://schemas.microsoft.com/office/powerpoint/2012/main">
-        <p15:guide id="1" orient="horz" pos="2160" userDrawn="1">
-          <p15:clr>
-            <a:srgbClr val="A4A3A4"/>
-          </p15:clr>
-        </p15:guide>
-        <p15:guide id="2" pos="3840" userDrawn="1">
-          <p15:clr>
-            <a:srgbClr val="A4A3A4"/>
-          </p15:clr>
-        </p15:guide>
-      </p15:sldGuideLst>
-    </p:ext>
-    <p:ext uri="{2D200454-40CA-4A62-9FC3-DE9A4176ACB9}">
-      <p15:notesGuideLst xmlns:p15="http://schemas.microsoft.com/office/powerpoint/2012/main"/>
-    </p:ext>
-  </p:extLst>
 </p:presentation>
 </file>
 
@@ -236,8 +217,6 @@
                 <a:latin typeface="微软雅黑" panose="020B0503020204020204" pitchFamily="34" charset="-122"/>
                 <a:ea typeface="微软雅黑" panose="020B0503020204020204" pitchFamily="34" charset="-122"/>
               </a:rPr>
-              <a:pPr algn="r" rtl="0"/>
-              <a:t>2018/4/17</a:t>
             </a:fld>
             <a:endParaRPr lang="zh-CN" altLang="en-US" dirty="0">
               <a:latin typeface="微软雅黑" panose="020B0503020204020204" pitchFamily="34" charset="-122"/>
@@ -314,8 +293,6 @@
                 <a:latin typeface="微软雅黑" panose="020B0503020204020204" pitchFamily="34" charset="-122"/>
                 <a:ea typeface="微软雅黑" panose="020B0503020204020204" pitchFamily="34" charset="-122"/>
               </a:rPr>
-              <a:pPr algn="r" rtl="0"/>
-              <a:t>‹#›</a:t>
             </a:fld>
             <a:endParaRPr lang="en-US" altLang="zh-CN" dirty="0">
               <a:latin typeface="微软雅黑" panose="020B0503020204020204" pitchFamily="34" charset="-122"/>
@@ -325,11 +302,6 @@
         </p:txBody>
       </p:sp>
     </p:spTree>
-    <p:extLst>
-      <p:ext uri="{BB962C8B-B14F-4D97-AF65-F5344CB8AC3E}">
-        <p14:creationId xmlns:p14="http://schemas.microsoft.com/office/powerpoint/2010/main" val="2469016529"/>
-      </p:ext>
-    </p:extLst>
   </p:cSld>
   <p:clrMap bg1="lt1" tx1="dk1" bg2="lt2" tx2="dk2" accent1="accent1" accent2="accent2" accent3="accent3" accent4="accent4" accent5="accent5" accent6="accent6" hlink="hlink" folHlink="folHlink"/>
 </p:handoutMaster>
@@ -423,8 +395,6 @@
           <a:p>
             <a:fld id="{229B22C3-6CB1-491B-AD00-E0837F23A3F3}" type="datetime1">
               <a:rPr lang="zh-CN" altLang="en-US" smtClean="0"/>
-              <a:pPr/>
-              <a:t>2018/4/17</a:t>
             </a:fld>
             <a:endParaRPr lang="zh-CN" altLang="en-US" dirty="0"/>
           </a:p>
@@ -492,6 +462,7 @@
               <a:rPr lang="zh-CN" altLang="en-US" noProof="0" dirty="0"/>
               <a:t>单击此处编辑母版文本样式</a:t>
             </a:r>
+            <a:endParaRPr lang="zh-CN" altLang="en-US" noProof="0" dirty="0"/>
           </a:p>
           <a:p>
             <a:pPr lvl="1" rtl="0"/>
@@ -499,6 +470,7 @@
               <a:rPr lang="zh-CN" altLang="en-US" noProof="0" dirty="0"/>
               <a:t>第二级</a:t>
             </a:r>
+            <a:endParaRPr lang="zh-CN" altLang="en-US" noProof="0" dirty="0"/>
           </a:p>
           <a:p>
             <a:pPr lvl="2" rtl="0"/>
@@ -506,6 +478,7 @@
               <a:rPr lang="zh-CN" altLang="en-US" noProof="0" dirty="0"/>
               <a:t>第三级</a:t>
             </a:r>
+            <a:endParaRPr lang="zh-CN" altLang="en-US" noProof="0" dirty="0"/>
           </a:p>
           <a:p>
             <a:pPr lvl="3" rtl="0"/>
@@ -513,6 +486,7 @@
               <a:rPr lang="zh-CN" altLang="en-US" noProof="0" dirty="0"/>
               <a:t>第四级</a:t>
             </a:r>
+            <a:endParaRPr lang="zh-CN" altLang="en-US" noProof="0" dirty="0"/>
           </a:p>
           <a:p>
             <a:pPr lvl="4" rtl="0"/>
@@ -520,6 +494,7 @@
               <a:rPr lang="zh-CN" altLang="en-US" noProof="0" dirty="0"/>
               <a:t>第五级</a:t>
             </a:r>
+            <a:endParaRPr lang="zh-CN" altLang="en-US" noProof="0" dirty="0"/>
           </a:p>
         </p:txBody>
       </p:sp>
@@ -589,19 +564,12 @@
           <a:p>
             <a:fld id="{0A3C37BE-C303-496D-B5CD-85F2937540FC}" type="slidenum">
               <a:rPr lang="en-US" altLang="zh-CN" smtClean="0"/>
-              <a:pPr/>
-              <a:t>‹#›</a:t>
             </a:fld>
             <a:endParaRPr lang="en-US" altLang="zh-CN" dirty="0"/>
           </a:p>
         </p:txBody>
       </p:sp>
     </p:spTree>
-    <p:extLst>
-      <p:ext uri="{BB962C8B-B14F-4D97-AF65-F5344CB8AC3E}">
-        <p14:creationId xmlns:p14="http://schemas.microsoft.com/office/powerpoint/2010/main" val="3350842207"/>
-      </p:ext>
-    </p:extLst>
   </p:cSld>
   <p:clrMap bg1="lt1" tx1="dk1" bg2="lt2" tx2="dk2" accent1="accent1" accent2="accent2" accent3="accent3" accent4="accent4" accent5="accent5" accent6="accent6" hlink="hlink" folHlink="folHlink"/>
   <p:notesStyle>
@@ -764,19 +732,12 @@
           <a:p>
             <a:fld id="{0A3C37BE-C303-496D-B5CD-85F2937540FC}" type="slidenum">
               <a:rPr lang="en-US" altLang="zh-CN" smtClean="0"/>
-              <a:pPr/>
-              <a:t>1</a:t>
             </a:fld>
             <a:endParaRPr lang="en-US" altLang="zh-CN" dirty="0"/>
           </a:p>
         </p:txBody>
       </p:sp>
     </p:spTree>
-    <p:extLst>
-      <p:ext uri="{BB962C8B-B14F-4D97-AF65-F5344CB8AC3E}">
-        <p14:creationId xmlns:p14="http://schemas.microsoft.com/office/powerpoint/2010/main" val="849057192"/>
-      </p:ext>
-    </p:extLst>
   </p:cSld>
   <p:clrMapOvr>
     <a:masterClrMapping/>
@@ -785,7 +746,7 @@
 </file>
 
 <file path=ppt/slideLayouts/slideLayout1.xml><?xml version="1.0" encoding="utf-8"?>
-<p:sldLayout xmlns:a="http://schemas.openxmlformats.org/drawingml/2006/main" xmlns:r="http://schemas.openxmlformats.org/officeDocument/2006/relationships" xmlns:p="http://schemas.openxmlformats.org/presentationml/2006/main" showMasterSp="0" type="title" preserve="1">
+<p:sldLayout xmlns:a="http://schemas.openxmlformats.org/drawingml/2006/main" xmlns:r="http://schemas.openxmlformats.org/officeDocument/2006/relationships" xmlns:p="http://schemas.openxmlformats.org/presentationml/2006/main" type="title" preserve="1" showMasterSp="0">
   <p:cSld name="标题幻灯片">
     <p:spTree>
       <p:nvGrpSpPr>
@@ -1014,8 +975,6 @@
           <a:p>
             <a:fld id="{A7392AAC-879E-4B39-8824-AF6B730A809E}" type="datetime1">
               <a:rPr lang="zh-CN" altLang="en-US" smtClean="0"/>
-              <a:pPr/>
-              <a:t>2018/4/17</a:t>
             </a:fld>
             <a:endParaRPr lang="zh-CN" altLang="en-US" dirty="0"/>
           </a:p>
@@ -1062,8 +1021,6 @@
           <a:p>
             <a:fld id="{0FF54DE5-C571-48E8-A5BC-B369434E2F44}" type="slidenum">
               <a:rPr lang="en-US" altLang="zh-CN" smtClean="0"/>
-              <a:pPr/>
-              <a:t>‹#›</a:t>
             </a:fld>
             <a:endParaRPr lang="en-US" altLang="zh-CN" dirty="0"/>
           </a:p>
@@ -1102,7 +1059,9 @@
             </a:extLst>
           </a:blip>
           <a:srcRect/>
-          <a:stretch/>
+          <a:stretch>
+            <a:fillRect/>
+          </a:stretch>
         </p:blipFill>
         <p:spPr>
           <a:xfrm>
@@ -1115,22 +1074,17 @@
         </p:spPr>
       </p:pic>
     </p:spTree>
-    <p:extLst>
-      <p:ext uri="{BB962C8B-B14F-4D97-AF65-F5344CB8AC3E}">
-        <p14:creationId xmlns:p14="http://schemas.microsoft.com/office/powerpoint/2010/main" val="1659756515"/>
-      </p:ext>
-    </p:extLst>
   </p:cSld>
   <p:clrMapOvr>
     <a:masterClrMapping/>
   </p:clrMapOvr>
-  <mc:AlternateContent xmlns:mc="http://schemas.openxmlformats.org/markup-compatibility/2006" xmlns:p14="http://schemas.microsoft.com/office/powerpoint/2010/main">
-    <mc:Choice Requires="p14">
+  <mc:AlternateContent xmlns:mc="http://schemas.openxmlformats.org/markup-compatibility/2006">
+    <mc:Choice xmlns:p14="http://schemas.microsoft.com/office/powerpoint/2010/main" Requires="p14">
       <p:transition spd="med" p14:dur="700">
         <p:fade/>
       </p:transition>
     </mc:Choice>
-    <mc:Fallback xmlns="">
+    <mc:Fallback>
       <p:transition spd="med">
         <p:fade/>
       </p:transition>
@@ -1265,7 +1219,7 @@
             <a:spLocks noGrp="1"/>
           </p:cNvSpPr>
           <p:nvPr>
-            <p:ph type="body" sz="half" idx="2"/>
+            <p:ph type="body" sz="half" idx="2" hasCustomPrompt="1"/>
           </p:nvPr>
         </p:nvSpPr>
         <p:spPr>
@@ -1328,6 +1282,7 @@
               <a:rPr lang="zh-CN" altLang="en-US" noProof="0"/>
               <a:t>编辑母版文本样式</a:t>
             </a:r>
+            <a:endParaRPr lang="zh-CN" altLang="en-US" noProof="0"/>
           </a:p>
         </p:txBody>
       </p:sp>
@@ -1355,13 +1310,12 @@
           <a:p>
             <a:fld id="{7118C275-B304-48F5-8C4F-015CBCF4E7C1}" type="datetime1">
               <a:rPr lang="zh-CN" altLang="en-US" smtClean="0"/>
-              <a:pPr/>
-              <a:t>2018/4/17</a:t>
             </a:fld>
             <a:r>
               <a:rPr lang="zh-CN" altLang="en-US" dirty="0"/>
               <a:t>​</a:t>
             </a:r>
+            <a:endParaRPr lang="zh-CN" altLang="en-US" dirty="0"/>
           </a:p>
         </p:txBody>
       </p:sp>
@@ -1415,30 +1369,23 @@
           <a:p>
             <a:fld id="{0FF54DE5-C571-48E8-A5BC-B369434E2F44}" type="slidenum">
               <a:rPr lang="en-US" altLang="zh-CN" smtClean="0"/>
-              <a:pPr/>
-              <a:t>‹#›</a:t>
             </a:fld>
             <a:endParaRPr lang="zh-CN" altLang="en-US" dirty="0"/>
           </a:p>
         </p:txBody>
       </p:sp>
     </p:spTree>
-    <p:extLst>
-      <p:ext uri="{BB962C8B-B14F-4D97-AF65-F5344CB8AC3E}">
-        <p14:creationId xmlns:p14="http://schemas.microsoft.com/office/powerpoint/2010/main" val="769637093"/>
-      </p:ext>
-    </p:extLst>
   </p:cSld>
   <p:clrMapOvr>
     <a:masterClrMapping/>
   </p:clrMapOvr>
-  <mc:AlternateContent xmlns:mc="http://schemas.openxmlformats.org/markup-compatibility/2006" xmlns:p14="http://schemas.microsoft.com/office/powerpoint/2010/main">
-    <mc:Choice Requires="p14">
+  <mc:AlternateContent xmlns:mc="http://schemas.openxmlformats.org/markup-compatibility/2006">
+    <mc:Choice xmlns:p14="http://schemas.microsoft.com/office/powerpoint/2010/main" Requires="p14">
       <p:transition spd="med" p14:dur="700">
         <p:fade/>
       </p:transition>
     </mc:Choice>
-    <mc:Fallback xmlns="">
+    <mc:Fallback>
       <p:transition spd="med">
         <p:fade/>
       </p:transition>
@@ -1495,7 +1442,7 @@
             <a:spLocks noGrp="1"/>
           </p:cNvSpPr>
           <p:nvPr>
-            <p:ph type="body" orient="vert" idx="1"/>
+            <p:ph type="body" orient="vert" idx="1" hasCustomPrompt="1"/>
           </p:nvPr>
         </p:nvSpPr>
         <p:spPr/>
@@ -1508,6 +1455,7 @@
               <a:rPr lang="zh-CN" altLang="en-US" noProof="0"/>
               <a:t>编辑母版文本样式</a:t>
             </a:r>
+            <a:endParaRPr lang="zh-CN" altLang="en-US" noProof="0"/>
           </a:p>
           <a:p>
             <a:pPr lvl="1" rtl="0"/>
@@ -1515,6 +1463,7 @@
               <a:rPr lang="zh-CN" altLang="en-US" noProof="0"/>
               <a:t>第二级</a:t>
             </a:r>
+            <a:endParaRPr lang="zh-CN" altLang="en-US" noProof="0"/>
           </a:p>
           <a:p>
             <a:pPr lvl="2" rtl="0"/>
@@ -1522,6 +1471,7 @@
               <a:rPr lang="zh-CN" altLang="en-US" noProof="0"/>
               <a:t>第三级</a:t>
             </a:r>
+            <a:endParaRPr lang="zh-CN" altLang="en-US" noProof="0"/>
           </a:p>
           <a:p>
             <a:pPr lvl="3" rtl="0"/>
@@ -1529,6 +1479,7 @@
               <a:rPr lang="zh-CN" altLang="en-US" noProof="0"/>
               <a:t>第四级</a:t>
             </a:r>
+            <a:endParaRPr lang="zh-CN" altLang="en-US" noProof="0"/>
           </a:p>
           <a:p>
             <a:pPr lvl="4" rtl="0"/>
@@ -1561,8 +1512,6 @@
           <a:p>
             <a:fld id="{98791AA9-DDCB-4BA8-AD1D-963A3AA00622}" type="datetime1">
               <a:rPr lang="zh-CN" altLang="en-US" smtClean="0"/>
-              <a:pPr/>
-              <a:t>2018/4/17</a:t>
             </a:fld>
             <a:endParaRPr lang="zh-CN" altLang="en-US" dirty="0"/>
           </a:p>
@@ -1609,30 +1558,23 @@
           <a:p>
             <a:fld id="{0FF54DE5-C571-48E8-A5BC-B369434E2F44}" type="slidenum">
               <a:rPr lang="en-US" altLang="zh-CN" smtClean="0"/>
-              <a:pPr/>
-              <a:t>‹#›</a:t>
             </a:fld>
             <a:endParaRPr lang="zh-CN" altLang="en-US" dirty="0"/>
           </a:p>
         </p:txBody>
       </p:sp>
     </p:spTree>
-    <p:extLst>
-      <p:ext uri="{BB962C8B-B14F-4D97-AF65-F5344CB8AC3E}">
-        <p14:creationId xmlns:p14="http://schemas.microsoft.com/office/powerpoint/2010/main" val="2012076707"/>
-      </p:ext>
-    </p:extLst>
   </p:cSld>
   <p:clrMapOvr>
     <a:masterClrMapping/>
   </p:clrMapOvr>
-  <mc:AlternateContent xmlns:mc="http://schemas.openxmlformats.org/markup-compatibility/2006" xmlns:p14="http://schemas.microsoft.com/office/powerpoint/2010/main">
-    <mc:Choice Requires="p14">
+  <mc:AlternateContent xmlns:mc="http://schemas.openxmlformats.org/markup-compatibility/2006">
+    <mc:Choice xmlns:p14="http://schemas.microsoft.com/office/powerpoint/2010/main" Requires="p14">
       <p:transition spd="med" p14:dur="700">
         <p:fade/>
       </p:transition>
     </mc:Choice>
-    <mc:Fallback xmlns="">
+    <mc:Fallback>
       <p:transition spd="med">
         <p:fade/>
       </p:transition>
@@ -1642,7 +1584,7 @@
 </file>
 
 <file path=ppt/slideLayouts/slideLayout12.xml><?xml version="1.0" encoding="utf-8"?>
-<p:sldLayout xmlns:a="http://schemas.openxmlformats.org/drawingml/2006/main" xmlns:r="http://schemas.openxmlformats.org/officeDocument/2006/relationships" xmlns:p="http://schemas.openxmlformats.org/presentationml/2006/main" showMasterSp="0" type="vertTitleAndTx" preserve="1">
+<p:sldLayout xmlns:a="http://schemas.openxmlformats.org/drawingml/2006/main" xmlns:r="http://schemas.openxmlformats.org/officeDocument/2006/relationships" xmlns:p="http://schemas.openxmlformats.org/presentationml/2006/main" type="vertTitleAndTx" preserve="1" showMasterSp="0">
   <p:cSld name="垂直排列标题与文本">
     <p:spTree>
       <p:nvGrpSpPr>
@@ -1694,7 +1636,7 @@
             <a:spLocks noGrp="1"/>
           </p:cNvSpPr>
           <p:nvPr>
-            <p:ph type="body" orient="vert" idx="1"/>
+            <p:ph type="body" orient="vert" idx="1" hasCustomPrompt="1"/>
           </p:nvPr>
         </p:nvSpPr>
         <p:spPr>
@@ -1712,6 +1654,7 @@
               <a:rPr lang="zh-CN" altLang="en-US" noProof="0"/>
               <a:t>编辑母版文本样式</a:t>
             </a:r>
+            <a:endParaRPr lang="zh-CN" altLang="en-US" noProof="0"/>
           </a:p>
           <a:p>
             <a:pPr lvl="1" rtl="0"/>
@@ -1719,6 +1662,7 @@
               <a:rPr lang="zh-CN" altLang="en-US" noProof="0"/>
               <a:t>第二级</a:t>
             </a:r>
+            <a:endParaRPr lang="zh-CN" altLang="en-US" noProof="0"/>
           </a:p>
           <a:p>
             <a:pPr lvl="2" rtl="0"/>
@@ -1726,6 +1670,7 @@
               <a:rPr lang="zh-CN" altLang="en-US" noProof="0"/>
               <a:t>第三级</a:t>
             </a:r>
+            <a:endParaRPr lang="zh-CN" altLang="en-US" noProof="0"/>
           </a:p>
           <a:p>
             <a:pPr lvl="3" rtl="0"/>
@@ -1733,6 +1678,7 @@
               <a:rPr lang="zh-CN" altLang="en-US" noProof="0"/>
               <a:t>第四级</a:t>
             </a:r>
+            <a:endParaRPr lang="zh-CN" altLang="en-US" noProof="0"/>
           </a:p>
           <a:p>
             <a:pPr lvl="4" rtl="0"/>
@@ -1765,8 +1711,6 @@
           <a:p>
             <a:fld id="{9170426F-E661-472B-BE42-25E072CD46D9}" type="datetime1">
               <a:rPr lang="zh-CN" altLang="en-US" smtClean="0"/>
-              <a:pPr/>
-              <a:t>2018/4/17</a:t>
             </a:fld>
             <a:endParaRPr lang="zh-CN" altLang="en-US" dirty="0"/>
           </a:p>
@@ -1813,8 +1757,6 @@
           <a:p>
             <a:fld id="{0FF54DE5-C571-48E8-A5BC-B369434E2F44}" type="slidenum">
               <a:rPr lang="en-US" altLang="zh-CN" smtClean="0"/>
-              <a:pPr/>
-              <a:t>‹#›</a:t>
             </a:fld>
             <a:endParaRPr lang="en-US" altLang="zh-CN" dirty="0"/>
           </a:p>
@@ -1908,22 +1850,17 @@
         </p:cxnSp>
       </p:grpSp>
     </p:spTree>
-    <p:extLst>
-      <p:ext uri="{BB962C8B-B14F-4D97-AF65-F5344CB8AC3E}">
-        <p14:creationId xmlns:p14="http://schemas.microsoft.com/office/powerpoint/2010/main" val="445927127"/>
-      </p:ext>
-    </p:extLst>
   </p:cSld>
   <p:clrMapOvr>
     <a:masterClrMapping/>
   </p:clrMapOvr>
-  <mc:AlternateContent xmlns:mc="http://schemas.openxmlformats.org/markup-compatibility/2006" xmlns:p14="http://schemas.microsoft.com/office/powerpoint/2010/main">
-    <mc:Choice Requires="p14">
+  <mc:AlternateContent xmlns:mc="http://schemas.openxmlformats.org/markup-compatibility/2006">
+    <mc:Choice xmlns:p14="http://schemas.microsoft.com/office/powerpoint/2010/main" Requires="p14">
       <p:transition spd="med" p14:dur="700">
         <p:fade/>
       </p:transition>
     </mc:Choice>
-    <mc:Fallback xmlns="">
+    <mc:Fallback>
       <p:transition spd="med">
         <p:fade/>
       </p:transition>
@@ -1987,7 +1924,7 @@
             <a:spLocks noGrp="1"/>
           </p:cNvSpPr>
           <p:nvPr>
-            <p:ph idx="1"/>
+            <p:ph idx="1" hasCustomPrompt="1"/>
           </p:nvPr>
         </p:nvSpPr>
         <p:spPr/>
@@ -2031,6 +1968,7 @@
               <a:rPr lang="zh-CN" altLang="en-US" noProof="0"/>
               <a:t>编辑母版文本样式</a:t>
             </a:r>
+            <a:endParaRPr lang="zh-CN" altLang="en-US" noProof="0"/>
           </a:p>
           <a:p>
             <a:pPr lvl="1" rtl="0"/>
@@ -2038,6 +1976,7 @@
               <a:rPr lang="zh-CN" altLang="en-US" noProof="0"/>
               <a:t>第二级</a:t>
             </a:r>
+            <a:endParaRPr lang="zh-CN" altLang="en-US" noProof="0"/>
           </a:p>
           <a:p>
             <a:pPr lvl="2" rtl="0"/>
@@ -2045,6 +1984,7 @@
               <a:rPr lang="zh-CN" altLang="en-US" noProof="0"/>
               <a:t>第三级</a:t>
             </a:r>
+            <a:endParaRPr lang="zh-CN" altLang="en-US" noProof="0"/>
           </a:p>
           <a:p>
             <a:pPr lvl="3" rtl="0"/>
@@ -2052,6 +1992,7 @@
               <a:rPr lang="zh-CN" altLang="en-US" noProof="0"/>
               <a:t>第四级</a:t>
             </a:r>
+            <a:endParaRPr lang="zh-CN" altLang="en-US" noProof="0"/>
           </a:p>
           <a:p>
             <a:pPr lvl="4" rtl="0"/>
@@ -2087,8 +2028,6 @@
           <a:p>
             <a:fld id="{9BA78444-6099-4C0A-A3A9-C6F3C5D7F289}" type="datetime1">
               <a:rPr lang="zh-CN" altLang="en-US" smtClean="0"/>
-              <a:pPr/>
-              <a:t>2018/4/17</a:t>
             </a:fld>
             <a:endParaRPr lang="zh-CN" altLang="en-US" dirty="0"/>
           </a:p>
@@ -2144,30 +2083,23 @@
           <a:p>
             <a:fld id="{0FF54DE5-C571-48E8-A5BC-B369434E2F44}" type="slidenum">
               <a:rPr lang="en-US" altLang="zh-CN" smtClean="0"/>
-              <a:pPr/>
-              <a:t>‹#›</a:t>
             </a:fld>
             <a:endParaRPr lang="zh-CN" altLang="en-US" dirty="0"/>
           </a:p>
         </p:txBody>
       </p:sp>
     </p:spTree>
-    <p:extLst>
-      <p:ext uri="{BB962C8B-B14F-4D97-AF65-F5344CB8AC3E}">
-        <p14:creationId xmlns:p14="http://schemas.microsoft.com/office/powerpoint/2010/main" val="3786876825"/>
-      </p:ext>
-    </p:extLst>
   </p:cSld>
   <p:clrMapOvr>
     <a:masterClrMapping/>
   </p:clrMapOvr>
-  <mc:AlternateContent xmlns:mc="http://schemas.openxmlformats.org/markup-compatibility/2006" xmlns:p14="http://schemas.microsoft.com/office/powerpoint/2010/main">
-    <mc:Choice Requires="p14">
+  <mc:AlternateContent xmlns:mc="http://schemas.openxmlformats.org/markup-compatibility/2006">
+    <mc:Choice xmlns:p14="http://schemas.microsoft.com/office/powerpoint/2010/main" Requires="p14">
       <p:transition spd="med" p14:dur="700">
         <p:fade/>
       </p:transition>
     </mc:Choice>
-    <mc:Fallback xmlns="">
+    <mc:Fallback>
       <p:transition spd="med">
         <p:fade/>
       </p:transition>
@@ -2177,7 +2109,7 @@
 </file>
 
 <file path=ppt/slideLayouts/slideLayout3.xml><?xml version="1.0" encoding="utf-8"?>
-<p:sldLayout xmlns:a="http://schemas.openxmlformats.org/drawingml/2006/main" xmlns:r="http://schemas.openxmlformats.org/officeDocument/2006/relationships" xmlns:p="http://schemas.openxmlformats.org/presentationml/2006/main" showMasterSp="0" preserve="1">
+<p:sldLayout xmlns:a="http://schemas.openxmlformats.org/drawingml/2006/main" xmlns:r="http://schemas.openxmlformats.org/officeDocument/2006/relationships" xmlns:p="http://schemas.openxmlformats.org/presentationml/2006/main" preserve="1" showMasterSp="0">
   <p:cSld name="包含图片的标题幻灯片">
     <p:spTree>
       <p:nvGrpSpPr>
@@ -2604,7 +2536,9 @@
             </a:extLst>
           </a:blip>
           <a:srcRect/>
-          <a:stretch/>
+          <a:stretch>
+            <a:fillRect/>
+          </a:stretch>
         </p:blipFill>
         <p:spPr>
           <a:xfrm>
@@ -2700,9 +2634,6 @@
         </p:style>
         <p:txBody>
           <a:bodyPr rot="0" spcFirstLastPara="0" vertOverflow="overflow" horzOverflow="overflow" vert="horz" wrap="square" lIns="91440" tIns="45720" rIns="91440" bIns="45720" numCol="1" spcCol="0" rtlCol="0" fromWordArt="0" anchor="t" anchorCtr="0" forceAA="0" compatLnSpc="1">
-            <a:prstTxWarp prst="textNoShape">
-              <a:avLst/>
-            </a:prstTxWarp>
             <a:noAutofit/>
           </a:bodyPr>
           <a:lstStyle/>
@@ -2712,10 +2643,15 @@
               <a:rPr lang="zh-CN" altLang="en-US" sz="1200" b="1" i="1" noProof="0" dirty="0">
                 <a:latin typeface="微软雅黑" panose="020B0503020204020204" pitchFamily="34" charset="-122"/>
                 <a:ea typeface="微软雅黑" panose="020B0503020204020204" pitchFamily="34" charset="-122"/>
-                <a:cs typeface="Arial" pitchFamily="34" charset="0"/>
+                <a:cs typeface="Arial" panose="020B0604020202020204" pitchFamily="34" charset="0"/>
               </a:rPr>
               <a:t>注意：</a:t>
             </a:r>
+            <a:endParaRPr lang="zh-CN" altLang="en-US" sz="1200" b="1" i="1" noProof="0" dirty="0">
+              <a:latin typeface="微软雅黑" panose="020B0503020204020204" pitchFamily="34" charset="-122"/>
+              <a:ea typeface="微软雅黑" panose="020B0503020204020204" pitchFamily="34" charset="-122"/>
+              <a:cs typeface="Arial" panose="020B0604020202020204" pitchFamily="34" charset="0"/>
+            </a:endParaRPr>
           </a:p>
           <a:p>
             <a:pPr rtl="0"/>
@@ -2723,30 +2659,30 @@
               <a:rPr lang="zh-CN" altLang="en-US" sz="1200" i="1" noProof="0" dirty="0">
                 <a:latin typeface="微软雅黑" panose="020B0503020204020204" pitchFamily="34" charset="-122"/>
                 <a:ea typeface="微软雅黑" panose="020B0503020204020204" pitchFamily="34" charset="-122"/>
-                <a:cs typeface="Arial" pitchFamily="34" charset="0"/>
+                <a:cs typeface="Arial" panose="020B0604020202020204" pitchFamily="34" charset="0"/>
               </a:rPr>
               <a:t>若要更改此幻灯片上的图像，请选择该图片，并将其删除。然后单击占位符中的图片图标以插入自己的图像。</a:t>
             </a:r>
+            <a:endParaRPr lang="zh-CN" altLang="en-US" sz="1200" i="1" noProof="0" dirty="0">
+              <a:latin typeface="微软雅黑" panose="020B0503020204020204" pitchFamily="34" charset="-122"/>
+              <a:ea typeface="微软雅黑" panose="020B0503020204020204" pitchFamily="34" charset="-122"/>
+              <a:cs typeface="Arial" panose="020B0604020202020204" pitchFamily="34" charset="0"/>
+            </a:endParaRPr>
           </a:p>
         </p:txBody>
       </p:sp>
     </p:spTree>
-    <p:extLst>
-      <p:ext uri="{BB962C8B-B14F-4D97-AF65-F5344CB8AC3E}">
-        <p14:creationId xmlns:p14="http://schemas.microsoft.com/office/powerpoint/2010/main" val="2673943605"/>
-      </p:ext>
-    </p:extLst>
   </p:cSld>
   <p:clrMapOvr>
     <a:masterClrMapping/>
   </p:clrMapOvr>
-  <mc:AlternateContent xmlns:mc="http://schemas.openxmlformats.org/markup-compatibility/2006" xmlns:p14="http://schemas.microsoft.com/office/powerpoint/2010/main">
-    <mc:Choice Requires="p14">
+  <mc:AlternateContent xmlns:mc="http://schemas.openxmlformats.org/markup-compatibility/2006">
+    <mc:Choice xmlns:p14="http://schemas.microsoft.com/office/powerpoint/2010/main" Requires="p14">
       <p:transition spd="med" p14:dur="700">
         <p:fade/>
       </p:transition>
     </mc:Choice>
-    <mc:Fallback xmlns="">
+    <mc:Fallback>
       <p:transition spd="med">
         <p:fade/>
       </p:transition>
@@ -2756,7 +2692,7 @@
 </file>
 
 <file path=ppt/slideLayouts/slideLayout4.xml><?xml version="1.0" encoding="utf-8"?>
-<p:sldLayout xmlns:a="http://schemas.openxmlformats.org/drawingml/2006/main" xmlns:r="http://schemas.openxmlformats.org/officeDocument/2006/relationships" xmlns:p="http://schemas.openxmlformats.org/presentationml/2006/main" showMasterSp="0" type="secHead" preserve="1">
+<p:sldLayout xmlns:a="http://schemas.openxmlformats.org/drawingml/2006/main" xmlns:r="http://schemas.openxmlformats.org/officeDocument/2006/relationships" xmlns:p="http://schemas.openxmlformats.org/presentationml/2006/main" type="secHead" preserve="1" showMasterSp="0">
   <p:cSld name="节标题">
     <p:spTree>
       <p:nvGrpSpPr>
@@ -3058,7 +2994,7 @@
             <a:spLocks noGrp="1"/>
           </p:cNvSpPr>
           <p:nvPr>
-            <p:ph type="body" idx="1"/>
+            <p:ph type="body" idx="1" hasCustomPrompt="1"/>
           </p:nvPr>
         </p:nvSpPr>
         <p:spPr>
@@ -3172,6 +3108,7 @@
               <a:rPr lang="zh-CN" altLang="en-US" noProof="0"/>
               <a:t>编辑母版文本样式</a:t>
             </a:r>
+            <a:endParaRPr lang="zh-CN" altLang="en-US" noProof="0"/>
           </a:p>
         </p:txBody>
       </p:sp>
@@ -3199,8 +3136,6 @@
           <a:p>
             <a:fld id="{AF5F6A19-70BF-4380-9A40-68C9536408C6}" type="datetime1">
               <a:rPr lang="zh-CN" altLang="en-US" smtClean="0"/>
-              <a:pPr/>
-              <a:t>2018/4/17</a:t>
             </a:fld>
             <a:endParaRPr lang="zh-CN" altLang="en-US" dirty="0"/>
           </a:p>
@@ -3256,8 +3191,6 @@
           <a:p>
             <a:fld id="{0FF54DE5-C571-48E8-A5BC-B369434E2F44}" type="slidenum">
               <a:rPr lang="en-US" altLang="zh-CN" smtClean="0"/>
-              <a:pPr/>
-              <a:t>‹#›</a:t>
             </a:fld>
             <a:endParaRPr lang="zh-CN" altLang="en-US" dirty="0"/>
           </a:p>
@@ -3301,22 +3234,17 @@
         </p:spPr>
       </p:pic>
     </p:spTree>
-    <p:extLst>
-      <p:ext uri="{BB962C8B-B14F-4D97-AF65-F5344CB8AC3E}">
-        <p14:creationId xmlns:p14="http://schemas.microsoft.com/office/powerpoint/2010/main" val="3602678805"/>
-      </p:ext>
-    </p:extLst>
   </p:cSld>
   <p:clrMapOvr>
     <a:masterClrMapping/>
   </p:clrMapOvr>
-  <mc:AlternateContent xmlns:mc="http://schemas.openxmlformats.org/markup-compatibility/2006" xmlns:p14="http://schemas.microsoft.com/office/powerpoint/2010/main">
-    <mc:Choice Requires="p14">
+  <mc:AlternateContent xmlns:mc="http://schemas.openxmlformats.org/markup-compatibility/2006">
+    <mc:Choice xmlns:p14="http://schemas.microsoft.com/office/powerpoint/2010/main" Requires="p14">
       <p:transition spd="med" p14:dur="700">
         <p:fade/>
       </p:transition>
     </mc:Choice>
-    <mc:Fallback xmlns="">
+    <mc:Fallback>
       <p:transition spd="med">
         <p:fade/>
       </p:transition>
@@ -3380,7 +3308,7 @@
             <a:spLocks noGrp="1"/>
           </p:cNvSpPr>
           <p:nvPr>
-            <p:ph sz="half" idx="1"/>
+            <p:ph sz="half" idx="1" hasCustomPrompt="1"/>
           </p:nvPr>
         </p:nvSpPr>
         <p:spPr>
@@ -3441,6 +3369,7 @@
               <a:rPr lang="zh-CN" altLang="en-US" noProof="0"/>
               <a:t>编辑母版文本样式</a:t>
             </a:r>
+            <a:endParaRPr lang="zh-CN" altLang="en-US" noProof="0"/>
           </a:p>
           <a:p>
             <a:pPr lvl="1" rtl="0"/>
@@ -3448,6 +3377,7 @@
               <a:rPr lang="zh-CN" altLang="en-US" noProof="0"/>
               <a:t>第二级</a:t>
             </a:r>
+            <a:endParaRPr lang="zh-CN" altLang="en-US" noProof="0"/>
           </a:p>
           <a:p>
             <a:pPr lvl="2" rtl="0"/>
@@ -3455,6 +3385,7 @@
               <a:rPr lang="zh-CN" altLang="en-US" noProof="0"/>
               <a:t>第三级</a:t>
             </a:r>
+            <a:endParaRPr lang="zh-CN" altLang="en-US" noProof="0"/>
           </a:p>
           <a:p>
             <a:pPr lvl="3" rtl="0"/>
@@ -3462,6 +3393,7 @@
               <a:rPr lang="zh-CN" altLang="en-US" noProof="0"/>
               <a:t>第四级</a:t>
             </a:r>
+            <a:endParaRPr lang="zh-CN" altLang="en-US" noProof="0"/>
           </a:p>
           <a:p>
             <a:pPr lvl="4" rtl="0"/>
@@ -3480,7 +3412,7 @@
             <a:spLocks noGrp="1"/>
           </p:cNvSpPr>
           <p:nvPr>
-            <p:ph sz="half" idx="2"/>
+            <p:ph sz="half" idx="2" hasCustomPrompt="1"/>
           </p:nvPr>
         </p:nvSpPr>
         <p:spPr>
@@ -3538,6 +3470,7 @@
               <a:rPr lang="zh-CN" altLang="en-US" noProof="0"/>
               <a:t>编辑母版文本样式</a:t>
             </a:r>
+            <a:endParaRPr lang="zh-CN" altLang="en-US" noProof="0"/>
           </a:p>
           <a:p>
             <a:pPr lvl="1" rtl="0"/>
@@ -3545,6 +3478,7 @@
               <a:rPr lang="zh-CN" altLang="en-US" noProof="0"/>
               <a:t>第二级</a:t>
             </a:r>
+            <a:endParaRPr lang="zh-CN" altLang="en-US" noProof="0"/>
           </a:p>
           <a:p>
             <a:pPr lvl="2" rtl="0"/>
@@ -3552,6 +3486,7 @@
               <a:rPr lang="zh-CN" altLang="en-US" noProof="0"/>
               <a:t>第三级</a:t>
             </a:r>
+            <a:endParaRPr lang="zh-CN" altLang="en-US" noProof="0"/>
           </a:p>
           <a:p>
             <a:pPr lvl="3" rtl="0"/>
@@ -3559,6 +3494,7 @@
               <a:rPr lang="zh-CN" altLang="en-US" noProof="0"/>
               <a:t>第四级</a:t>
             </a:r>
+            <a:endParaRPr lang="zh-CN" altLang="en-US" noProof="0"/>
           </a:p>
           <a:p>
             <a:pPr lvl="4" rtl="0"/>
@@ -3597,14 +3533,13 @@
               <a:t>​</a:t>
             </a:r>
             <a:fld id="{6017EB90-196C-4C15-BD31-13E0E0436C73}" type="datetime1">
-              <a:rPr lang="zh-CN" altLang="en-US" smtClean="0"/>
-              <a:pPr/>
-              <a:t>2018/4/17</a:t>
+              <a:rPr lang="zh-CN" altLang="en-US" dirty="0" smtClean="0"/>
             </a:fld>
             <a:r>
               <a:rPr lang="zh-CN" altLang="en-US" dirty="0"/>
               <a:t>​</a:t>
             </a:r>
+            <a:endParaRPr lang="zh-CN" altLang="en-US" dirty="0"/>
           </a:p>
         </p:txBody>
       </p:sp>
@@ -3658,30 +3593,23 @@
           <a:p>
             <a:fld id="{0FF54DE5-C571-48E8-A5BC-B369434E2F44}" type="slidenum">
               <a:rPr lang="en-US" altLang="zh-CN" smtClean="0"/>
-              <a:pPr/>
-              <a:t>‹#›</a:t>
             </a:fld>
             <a:endParaRPr lang="zh-CN" altLang="en-US" dirty="0"/>
           </a:p>
         </p:txBody>
       </p:sp>
     </p:spTree>
-    <p:extLst>
-      <p:ext uri="{BB962C8B-B14F-4D97-AF65-F5344CB8AC3E}">
-        <p14:creationId xmlns:p14="http://schemas.microsoft.com/office/powerpoint/2010/main" val="3527791066"/>
-      </p:ext>
-    </p:extLst>
   </p:cSld>
   <p:clrMapOvr>
     <a:masterClrMapping/>
   </p:clrMapOvr>
-  <mc:AlternateContent xmlns:mc="http://schemas.openxmlformats.org/markup-compatibility/2006" xmlns:p14="http://schemas.microsoft.com/office/powerpoint/2010/main">
-    <mc:Choice Requires="p14">
+  <mc:AlternateContent xmlns:mc="http://schemas.openxmlformats.org/markup-compatibility/2006">
+    <mc:Choice xmlns:p14="http://schemas.microsoft.com/office/powerpoint/2010/main" Requires="p14">
       <p:transition spd="med" p14:dur="700">
         <p:fade/>
       </p:transition>
     </mc:Choice>
-    <mc:Fallback xmlns="">
+    <mc:Fallback>
       <p:transition spd="med">
         <p:fade/>
       </p:transition>
@@ -3745,7 +3673,7 @@
             <a:spLocks noGrp="1"/>
           </p:cNvSpPr>
           <p:nvPr>
-            <p:ph type="body" idx="1"/>
+            <p:ph type="body" idx="1" hasCustomPrompt="1"/>
           </p:nvPr>
         </p:nvSpPr>
         <p:spPr>
@@ -3806,6 +3734,7 @@
               <a:rPr lang="zh-CN" altLang="en-US" noProof="0"/>
               <a:t>编辑母版文本样式</a:t>
             </a:r>
+            <a:endParaRPr lang="zh-CN" altLang="en-US" noProof="0"/>
           </a:p>
         </p:txBody>
       </p:sp>
@@ -3816,7 +3745,7 @@
             <a:spLocks noGrp="1"/>
           </p:cNvSpPr>
           <p:nvPr>
-            <p:ph sz="half" idx="2"/>
+            <p:ph sz="half" idx="2" hasCustomPrompt="1"/>
           </p:nvPr>
         </p:nvSpPr>
         <p:spPr>
@@ -3865,6 +3794,7 @@
               <a:rPr lang="zh-CN" altLang="en-US" noProof="0"/>
               <a:t>编辑母版文本样式</a:t>
             </a:r>
+            <a:endParaRPr lang="zh-CN" altLang="en-US" noProof="0"/>
           </a:p>
           <a:p>
             <a:pPr lvl="1" rtl="0"/>
@@ -3872,6 +3802,7 @@
               <a:rPr lang="zh-CN" altLang="en-US" noProof="0"/>
               <a:t>第二级</a:t>
             </a:r>
+            <a:endParaRPr lang="zh-CN" altLang="en-US" noProof="0"/>
           </a:p>
           <a:p>
             <a:pPr lvl="2" rtl="0"/>
@@ -3879,6 +3810,7 @@
               <a:rPr lang="zh-CN" altLang="en-US" noProof="0"/>
               <a:t>第三级</a:t>
             </a:r>
+            <a:endParaRPr lang="zh-CN" altLang="en-US" noProof="0"/>
           </a:p>
           <a:p>
             <a:pPr lvl="3" rtl="0"/>
@@ -3886,6 +3818,7 @@
               <a:rPr lang="zh-CN" altLang="en-US" noProof="0"/>
               <a:t>第四级</a:t>
             </a:r>
+            <a:endParaRPr lang="zh-CN" altLang="en-US" noProof="0"/>
           </a:p>
           <a:p>
             <a:pPr lvl="4" rtl="0"/>
@@ -3904,7 +3837,7 @@
             <a:spLocks noGrp="1"/>
           </p:cNvSpPr>
           <p:nvPr>
-            <p:ph type="body" sz="quarter" idx="3"/>
+            <p:ph type="body" sz="quarter" idx="3" hasCustomPrompt="1"/>
           </p:nvPr>
         </p:nvSpPr>
         <p:spPr>
@@ -3965,6 +3898,7 @@
               <a:rPr lang="zh-CN" altLang="en-US" noProof="0"/>
               <a:t>编辑母版文本样式</a:t>
             </a:r>
+            <a:endParaRPr lang="zh-CN" altLang="en-US" noProof="0"/>
           </a:p>
         </p:txBody>
       </p:sp>
@@ -3975,7 +3909,7 @@
             <a:spLocks noGrp="1"/>
           </p:cNvSpPr>
           <p:nvPr>
-            <p:ph sz="quarter" idx="4"/>
+            <p:ph sz="quarter" idx="4" hasCustomPrompt="1"/>
           </p:nvPr>
         </p:nvSpPr>
         <p:spPr>
@@ -4024,6 +3958,7 @@
               <a:rPr lang="zh-CN" altLang="en-US" noProof="0"/>
               <a:t>编辑母版文本样式</a:t>
             </a:r>
+            <a:endParaRPr lang="zh-CN" altLang="en-US" noProof="0"/>
           </a:p>
           <a:p>
             <a:pPr lvl="1" rtl="0"/>
@@ -4031,6 +3966,7 @@
               <a:rPr lang="zh-CN" altLang="en-US" noProof="0"/>
               <a:t>第二级</a:t>
             </a:r>
+            <a:endParaRPr lang="zh-CN" altLang="en-US" noProof="0"/>
           </a:p>
           <a:p>
             <a:pPr lvl="2" rtl="0"/>
@@ -4038,6 +3974,7 @@
               <a:rPr lang="zh-CN" altLang="en-US" noProof="0"/>
               <a:t>第三级</a:t>
             </a:r>
+            <a:endParaRPr lang="zh-CN" altLang="en-US" noProof="0"/>
           </a:p>
           <a:p>
             <a:pPr lvl="3" rtl="0"/>
@@ -4045,6 +3982,7 @@
               <a:rPr lang="zh-CN" altLang="en-US" noProof="0"/>
               <a:t>第四级</a:t>
             </a:r>
+            <a:endParaRPr lang="zh-CN" altLang="en-US" noProof="0"/>
           </a:p>
           <a:p>
             <a:pPr lvl="4" rtl="0"/>
@@ -4080,8 +4018,6 @@
           <a:p>
             <a:fld id="{C2EC0F41-B48F-4298-A7F6-618EB9D22195}" type="datetime1">
               <a:rPr lang="zh-CN" altLang="en-US" smtClean="0"/>
-              <a:pPr/>
-              <a:t>2018/4/17</a:t>
             </a:fld>
             <a:endParaRPr lang="zh-CN" altLang="en-US" dirty="0"/>
           </a:p>
@@ -4137,30 +4073,23 @@
           <a:p>
             <a:fld id="{0FF54DE5-C571-48E8-A5BC-B369434E2F44}" type="slidenum">
               <a:rPr lang="en-US" altLang="zh-CN" smtClean="0"/>
-              <a:pPr/>
-              <a:t>‹#›</a:t>
             </a:fld>
             <a:endParaRPr lang="zh-CN" altLang="en-US" dirty="0"/>
           </a:p>
         </p:txBody>
       </p:sp>
     </p:spTree>
-    <p:extLst>
-      <p:ext uri="{BB962C8B-B14F-4D97-AF65-F5344CB8AC3E}">
-        <p14:creationId xmlns:p14="http://schemas.microsoft.com/office/powerpoint/2010/main" val="3971016106"/>
-      </p:ext>
-    </p:extLst>
   </p:cSld>
   <p:clrMapOvr>
     <a:masterClrMapping/>
   </p:clrMapOvr>
-  <mc:AlternateContent xmlns:mc="http://schemas.openxmlformats.org/markup-compatibility/2006" xmlns:p14="http://schemas.microsoft.com/office/powerpoint/2010/main">
-    <mc:Choice Requires="p14">
+  <mc:AlternateContent xmlns:mc="http://schemas.openxmlformats.org/markup-compatibility/2006">
+    <mc:Choice xmlns:p14="http://schemas.microsoft.com/office/powerpoint/2010/main" Requires="p14">
       <p:transition spd="med" p14:dur="700">
         <p:fade/>
       </p:transition>
     </mc:Choice>
-    <mc:Fallback xmlns="">
+    <mc:Fallback>
       <p:transition spd="med">
         <p:fade/>
       </p:transition>
@@ -4231,8 +4160,6 @@
           <a:p>
             <a:fld id="{7DB2D836-56E8-4B15-857C-14B1A5B3B67B}" type="datetime1">
               <a:rPr lang="zh-CN" altLang="en-US" smtClean="0"/>
-              <a:pPr/>
-              <a:t>2018/4/17</a:t>
             </a:fld>
             <a:endParaRPr lang="zh-CN" altLang="en-US" dirty="0"/>
           </a:p>
@@ -4279,30 +4206,23 @@
           <a:p>
             <a:fld id="{0FF54DE5-C571-48E8-A5BC-B369434E2F44}" type="slidenum">
               <a:rPr lang="en-US" altLang="zh-CN" smtClean="0"/>
-              <a:pPr/>
-              <a:t>‹#›</a:t>
             </a:fld>
             <a:endParaRPr lang="en-US" altLang="zh-CN" dirty="0"/>
           </a:p>
         </p:txBody>
       </p:sp>
     </p:spTree>
-    <p:extLst>
-      <p:ext uri="{BB962C8B-B14F-4D97-AF65-F5344CB8AC3E}">
-        <p14:creationId xmlns:p14="http://schemas.microsoft.com/office/powerpoint/2010/main" val="1758111529"/>
-      </p:ext>
-    </p:extLst>
   </p:cSld>
   <p:clrMapOvr>
     <a:masterClrMapping/>
   </p:clrMapOvr>
-  <mc:AlternateContent xmlns:mc="http://schemas.openxmlformats.org/markup-compatibility/2006" xmlns:p14="http://schemas.microsoft.com/office/powerpoint/2010/main">
-    <mc:Choice Requires="p14">
+  <mc:AlternateContent xmlns:mc="http://schemas.openxmlformats.org/markup-compatibility/2006">
+    <mc:Choice xmlns:p14="http://schemas.microsoft.com/office/powerpoint/2010/main" Requires="p14">
       <p:transition spd="med" p14:dur="700">
         <p:fade/>
       </p:transition>
     </mc:Choice>
-    <mc:Fallback xmlns="">
+    <mc:Fallback>
       <p:transition spd="med">
         <p:fade/>
       </p:transition>
@@ -4312,7 +4232,7 @@
 </file>
 
 <file path=ppt/slideLayouts/slideLayout8.xml><?xml version="1.0" encoding="utf-8"?>
-<p:sldLayout xmlns:a="http://schemas.openxmlformats.org/drawingml/2006/main" xmlns:r="http://schemas.openxmlformats.org/officeDocument/2006/relationships" xmlns:p="http://schemas.openxmlformats.org/presentationml/2006/main" showMasterSp="0" type="blank" preserve="1">
+<p:sldLayout xmlns:a="http://schemas.openxmlformats.org/drawingml/2006/main" xmlns:r="http://schemas.openxmlformats.org/officeDocument/2006/relationships" xmlns:p="http://schemas.openxmlformats.org/presentationml/2006/main" type="blank" preserve="1" showMasterSp="0">
   <p:cSld name="空白">
     <p:spTree>
       <p:nvGrpSpPr>
@@ -4349,8 +4269,6 @@
           <a:p>
             <a:fld id="{038D929F-7D8C-4CC3-8AC7-BB9B8FE2DEBF}" type="datetime1">
               <a:rPr lang="zh-CN" altLang="en-US" smtClean="0"/>
-              <a:pPr/>
-              <a:t>2018/4/17</a:t>
             </a:fld>
             <a:endParaRPr lang="zh-CN" altLang="en-US" dirty="0"/>
           </a:p>
@@ -4397,30 +4315,23 @@
           <a:p>
             <a:fld id="{0FF54DE5-C571-48E8-A5BC-B369434E2F44}" type="slidenum">
               <a:rPr lang="en-US" altLang="zh-CN" smtClean="0"/>
-              <a:pPr/>
-              <a:t>‹#›</a:t>
             </a:fld>
             <a:endParaRPr lang="en-US" altLang="zh-CN" dirty="0"/>
           </a:p>
         </p:txBody>
       </p:sp>
     </p:spTree>
-    <p:extLst>
-      <p:ext uri="{BB962C8B-B14F-4D97-AF65-F5344CB8AC3E}">
-        <p14:creationId xmlns:p14="http://schemas.microsoft.com/office/powerpoint/2010/main" val="302416926"/>
-      </p:ext>
-    </p:extLst>
   </p:cSld>
   <p:clrMapOvr>
     <a:masterClrMapping/>
   </p:clrMapOvr>
-  <mc:AlternateContent xmlns:mc="http://schemas.openxmlformats.org/markup-compatibility/2006" xmlns:p14="http://schemas.microsoft.com/office/powerpoint/2010/main">
-    <mc:Choice Requires="p14">
+  <mc:AlternateContent xmlns:mc="http://schemas.openxmlformats.org/markup-compatibility/2006">
+    <mc:Choice xmlns:p14="http://schemas.microsoft.com/office/powerpoint/2010/main" Requires="p14">
       <p:transition spd="med" p14:dur="700">
         <p:fade/>
       </p:transition>
     </mc:Choice>
-    <mc:Fallback xmlns="">
+    <mc:Fallback>
       <p:transition spd="med">
         <p:fade/>
       </p:transition>
@@ -4481,7 +4392,7 @@
             <a:spLocks noGrp="1"/>
           </p:cNvSpPr>
           <p:nvPr>
-            <p:ph idx="1"/>
+            <p:ph idx="1" hasCustomPrompt="1"/>
           </p:nvPr>
         </p:nvSpPr>
         <p:spPr>
@@ -4529,6 +4440,7 @@
               <a:rPr lang="zh-CN" altLang="en-US" noProof="0"/>
               <a:t>编辑母版文本样式</a:t>
             </a:r>
+            <a:endParaRPr lang="zh-CN" altLang="en-US" noProof="0"/>
           </a:p>
           <a:p>
             <a:pPr lvl="1" rtl="0"/>
@@ -4536,6 +4448,7 @@
               <a:rPr lang="zh-CN" altLang="en-US" noProof="0"/>
               <a:t>第二级</a:t>
             </a:r>
+            <a:endParaRPr lang="zh-CN" altLang="en-US" noProof="0"/>
           </a:p>
           <a:p>
             <a:pPr lvl="2" rtl="0"/>
@@ -4543,6 +4456,7 @@
               <a:rPr lang="zh-CN" altLang="en-US" noProof="0"/>
               <a:t>第三级</a:t>
             </a:r>
+            <a:endParaRPr lang="zh-CN" altLang="en-US" noProof="0"/>
           </a:p>
           <a:p>
             <a:pPr lvl="3" rtl="0"/>
@@ -4550,6 +4464,7 @@
               <a:rPr lang="zh-CN" altLang="en-US" noProof="0"/>
               <a:t>第四级</a:t>
             </a:r>
+            <a:endParaRPr lang="zh-CN" altLang="en-US" noProof="0"/>
           </a:p>
           <a:p>
             <a:pPr lvl="4" rtl="0"/>
@@ -4568,7 +4483,7 @@
             <a:spLocks noGrp="1"/>
           </p:cNvSpPr>
           <p:nvPr>
-            <p:ph type="body" sz="half" idx="2"/>
+            <p:ph type="body" sz="half" idx="2" hasCustomPrompt="1"/>
           </p:nvPr>
         </p:nvSpPr>
         <p:spPr>
@@ -4628,6 +4543,7 @@
               <a:rPr lang="zh-CN" altLang="en-US" noProof="0"/>
               <a:t>编辑母版文本样式</a:t>
             </a:r>
+            <a:endParaRPr lang="zh-CN" altLang="en-US" noProof="0"/>
           </a:p>
         </p:txBody>
       </p:sp>
@@ -4652,8 +4568,6 @@
           <a:p>
             <a:fld id="{F7892ACC-8BC8-4C9E-9D2B-0669DA5038B6}" type="datetime1">
               <a:rPr lang="zh-CN" altLang="en-US" smtClean="0"/>
-              <a:pPr/>
-              <a:t>2018/4/17</a:t>
             </a:fld>
             <a:endParaRPr lang="zh-CN" altLang="en-US" dirty="0"/>
           </a:p>
@@ -4700,30 +4614,23 @@
           <a:p>
             <a:fld id="{0FF54DE5-C571-48E8-A5BC-B369434E2F44}" type="slidenum">
               <a:rPr lang="en-US" altLang="zh-CN" smtClean="0"/>
-              <a:pPr/>
-              <a:t>‹#›</a:t>
             </a:fld>
             <a:endParaRPr lang="en-US" altLang="zh-CN" dirty="0"/>
           </a:p>
         </p:txBody>
       </p:sp>
     </p:spTree>
-    <p:extLst>
-      <p:ext uri="{BB962C8B-B14F-4D97-AF65-F5344CB8AC3E}">
-        <p14:creationId xmlns:p14="http://schemas.microsoft.com/office/powerpoint/2010/main" val="3769764688"/>
-      </p:ext>
-    </p:extLst>
   </p:cSld>
   <p:clrMapOvr>
     <a:masterClrMapping/>
   </p:clrMapOvr>
-  <mc:AlternateContent xmlns:mc="http://schemas.openxmlformats.org/markup-compatibility/2006" xmlns:p14="http://schemas.microsoft.com/office/powerpoint/2010/main">
-    <mc:Choice Requires="p14">
+  <mc:AlternateContent xmlns:mc="http://schemas.openxmlformats.org/markup-compatibility/2006">
+    <mc:Choice xmlns:p14="http://schemas.microsoft.com/office/powerpoint/2010/main" Requires="p14">
       <p:transition spd="med" p14:dur="700">
         <p:fade/>
       </p:transition>
     </mc:Choice>
-    <mc:Fallback xmlns="">
+    <mc:Fallback>
       <p:transition spd="med">
         <p:fade/>
       </p:transition>
@@ -4784,6 +4691,7 @@
               <a:rPr lang="zh-CN" altLang="en-US" noProof="0" dirty="0"/>
               <a:t>单击此处编辑母版标题样式</a:t>
             </a:r>
+            <a:endParaRPr lang="zh-CN" altLang="en-US" noProof="0" dirty="0"/>
           </a:p>
         </p:txBody>
       </p:sp>
@@ -4817,6 +4725,7 @@
               <a:rPr lang="zh-CN" altLang="en-US" noProof="0" dirty="0"/>
               <a:t>单击此处编辑母版文本样式</a:t>
             </a:r>
+            <a:endParaRPr lang="zh-CN" altLang="en-US" noProof="0" dirty="0"/>
           </a:p>
           <a:p>
             <a:pPr lvl="1" rtl="0"/>
@@ -4824,6 +4733,7 @@
               <a:rPr lang="zh-CN" altLang="en-US" noProof="0" dirty="0"/>
               <a:t>第二级</a:t>
             </a:r>
+            <a:endParaRPr lang="zh-CN" altLang="en-US" noProof="0" dirty="0"/>
           </a:p>
           <a:p>
             <a:pPr lvl="2" rtl="0"/>
@@ -4831,6 +4741,7 @@
               <a:rPr lang="zh-CN" altLang="en-US" noProof="0" dirty="0"/>
               <a:t>第三级</a:t>
             </a:r>
+            <a:endParaRPr lang="zh-CN" altLang="en-US" noProof="0" dirty="0"/>
           </a:p>
           <a:p>
             <a:pPr lvl="3" rtl="0"/>
@@ -4838,6 +4749,7 @@
               <a:rPr lang="zh-CN" altLang="en-US" noProof="0" dirty="0"/>
               <a:t>第四级</a:t>
             </a:r>
+            <a:endParaRPr lang="zh-CN" altLang="en-US" noProof="0" dirty="0"/>
           </a:p>
           <a:p>
             <a:pPr lvl="4" rtl="0"/>
@@ -4845,6 +4757,7 @@
               <a:rPr lang="zh-CN" altLang="en-US" noProof="0" dirty="0"/>
               <a:t>第五级</a:t>
             </a:r>
+            <a:endParaRPr lang="zh-CN" altLang="en-US" noProof="0" dirty="0"/>
           </a:p>
           <a:p>
             <a:pPr lvl="5" rtl="0"/>
@@ -4852,6 +4765,7 @@
               <a:rPr lang="zh-CN" altLang="en-US" noProof="0" dirty="0"/>
               <a:t>第六级</a:t>
             </a:r>
+            <a:endParaRPr lang="zh-CN" altLang="en-US" noProof="0" dirty="0"/>
           </a:p>
           <a:p>
             <a:pPr lvl="6" rtl="0"/>
@@ -4859,6 +4773,7 @@
               <a:rPr lang="zh-CN" altLang="en-US" noProof="0" dirty="0"/>
               <a:t>第七级</a:t>
             </a:r>
+            <a:endParaRPr lang="zh-CN" altLang="en-US" noProof="0" dirty="0"/>
           </a:p>
           <a:p>
             <a:pPr lvl="7" rtl="0"/>
@@ -4866,6 +4781,7 @@
               <a:rPr lang="zh-CN" altLang="en-US" noProof="0" dirty="0"/>
               <a:t>第八级</a:t>
             </a:r>
+            <a:endParaRPr lang="zh-CN" altLang="en-US" noProof="0" dirty="0"/>
           </a:p>
           <a:p>
             <a:pPr lvl="8" rtl="0"/>
@@ -4873,6 +4789,7 @@
               <a:rPr lang="zh-CN" altLang="en-US" noProof="0" dirty="0"/>
               <a:t>第九级</a:t>
             </a:r>
+            <a:endParaRPr lang="zh-CN" altLang="en-US" noProof="0" dirty="0"/>
           </a:p>
         </p:txBody>
       </p:sp>
@@ -4917,14 +4834,13 @@
               <a:t>​</a:t>
             </a:r>
             <a:fld id="{660B6A15-7713-4A08-BBFD-F297CCC2B976}" type="datetime1">
-              <a:rPr lang="zh-CN" altLang="en-US" smtClean="0"/>
-              <a:pPr/>
-              <a:t>2018/4/17</a:t>
+              <a:rPr lang="zh-CN" altLang="en-US" dirty="0" smtClean="0"/>
             </a:fld>
             <a:r>
               <a:rPr lang="zh-CN" altLang="en-US" dirty="0"/>
               <a:t>​</a:t>
             </a:r>
+            <a:endParaRPr lang="zh-CN" altLang="en-US" dirty="0"/>
           </a:p>
         </p:txBody>
       </p:sp>
@@ -5007,8 +4923,6 @@
             <a:pPr algn="r"/>
             <a:fld id="{0FF54DE5-C571-48E8-A5BC-B369434E2F44}" type="slidenum">
               <a:rPr lang="en-US" altLang="zh-CN" noProof="0" smtClean="0"/>
-              <a:pPr algn="r"/>
-              <a:t>‹#›</a:t>
             </a:fld>
             <a:endParaRPr lang="zh-CN" altLang="en-US" noProof="0" dirty="0"/>
           </a:p>
@@ -5102,34 +5016,29 @@
         </p:cxnSp>
       </p:grpSp>
     </p:spTree>
-    <p:extLst>
-      <p:ext uri="{BB962C8B-B14F-4D97-AF65-F5344CB8AC3E}">
-        <p14:creationId xmlns:p14="http://schemas.microsoft.com/office/powerpoint/2010/main" val="2346251051"/>
-      </p:ext>
-    </p:extLst>
   </p:cSld>
   <p:clrMap bg1="lt1" tx1="dk1" bg2="lt2" tx2="dk2" accent1="accent1" accent2="accent2" accent3="accent3" accent4="accent4" accent5="accent5" accent6="accent6" hlink="hlink" folHlink="folHlink"/>
   <p:sldLayoutIdLst>
     <p:sldLayoutId id="2147483649" r:id="rId1"/>
     <p:sldLayoutId id="2147483650" r:id="rId2"/>
-    <p:sldLayoutId id="2147483660" r:id="rId3"/>
-    <p:sldLayoutId id="2147483651" r:id="rId4"/>
-    <p:sldLayoutId id="2147483652" r:id="rId5"/>
-    <p:sldLayoutId id="2147483653" r:id="rId6"/>
-    <p:sldLayoutId id="2147483654" r:id="rId7"/>
-    <p:sldLayoutId id="2147483655" r:id="rId8"/>
-    <p:sldLayoutId id="2147483656" r:id="rId9"/>
-    <p:sldLayoutId id="2147483657" r:id="rId10"/>
-    <p:sldLayoutId id="2147483658" r:id="rId11"/>
-    <p:sldLayoutId id="2147483659" r:id="rId12"/>
+    <p:sldLayoutId id="2147483651" r:id="rId3"/>
+    <p:sldLayoutId id="2147483652" r:id="rId4"/>
+    <p:sldLayoutId id="2147483653" r:id="rId5"/>
+    <p:sldLayoutId id="2147483654" r:id="rId6"/>
+    <p:sldLayoutId id="2147483655" r:id="rId7"/>
+    <p:sldLayoutId id="2147483656" r:id="rId8"/>
+    <p:sldLayoutId id="2147483657" r:id="rId9"/>
+    <p:sldLayoutId id="2147483658" r:id="rId10"/>
+    <p:sldLayoutId id="2147483659" r:id="rId11"/>
+    <p:sldLayoutId id="2147483660" r:id="rId12"/>
   </p:sldLayoutIdLst>
-  <mc:AlternateContent xmlns:mc="http://schemas.openxmlformats.org/markup-compatibility/2006" xmlns:p14="http://schemas.microsoft.com/office/powerpoint/2010/main">
-    <mc:Choice Requires="p14">
+  <mc:AlternateContent xmlns:mc="http://schemas.openxmlformats.org/markup-compatibility/2006">
+    <mc:Choice xmlns:p14="http://schemas.microsoft.com/office/powerpoint/2010/main" Requires="p14">
       <p:transition spd="med" p14:dur="700">
         <p:fade/>
       </p:transition>
     </mc:Choice>
-    <mc:Fallback xmlns="">
+    <mc:Fallback>
       <p:transition spd="med">
         <p:fade/>
       </p:transition>
@@ -5415,32 +5324,6 @@
       </a:lvl9pPr>
     </p:otherStyle>
   </p:txStyles>
-  <p:extLst mod="1">
-    <p:ext uri="{27BBF7A9-308A-43DC-89C8-2F10F3537804}">
-      <p15:sldGuideLst xmlns:p15="http://schemas.microsoft.com/office/powerpoint/2012/main">
-        <p15:guide id="1" pos="696">
-          <p15:clr>
-            <a:srgbClr val="F26B43"/>
-          </p15:clr>
-        </p15:guide>
-        <p15:guide id="2" pos="6984">
-          <p15:clr>
-            <a:srgbClr val="F26B43"/>
-          </p15:clr>
-        </p15:guide>
-        <p15:guide id="3" orient="horz" pos="1008">
-          <p15:clr>
-            <a:srgbClr val="F26B43"/>
-          </p15:clr>
-        </p15:guide>
-        <p15:guide id="4" orient="horz" pos="3888">
-          <p15:clr>
-            <a:srgbClr val="F26B43"/>
-          </p15:clr>
-        </p15:guide>
-      </p15:sldGuideLst>
-    </p:ext>
-  </p:extLst>
 </p:sldMaster>
 </file>
 
@@ -5565,6 +5448,7 @@
               <a:rPr lang="en-US" altLang="zh-CN" sz="2300" dirty="0"/>
               <a:t>14251104208</a:t>
             </a:r>
+            <a:endParaRPr lang="en-US" altLang="zh-CN" sz="2300" dirty="0"/>
           </a:p>
           <a:p>
             <a:pPr rtl="0">
@@ -5604,7 +5488,7 @@
           </p:nvPr>
         </p:nvPicPr>
         <p:blipFill>
-          <a:blip r:embed="rId3" cstate="print">
+          <a:blip r:embed="rId1" cstate="print">
             <a:extLst>
               <a:ext uri="{28A0092B-C50C-407E-A947-70E740481C1C}">
                 <a14:useLocalDpi xmlns:a14="http://schemas.microsoft.com/office/drawing/2010/main" val="0"/>
@@ -5619,22 +5503,17 @@
         <p:spPr/>
       </p:pic>
     </p:spTree>
-    <p:extLst>
-      <p:ext uri="{BB962C8B-B14F-4D97-AF65-F5344CB8AC3E}">
-        <p14:creationId xmlns:p14="http://schemas.microsoft.com/office/powerpoint/2010/main" val="1652133998"/>
-      </p:ext>
-    </p:extLst>
   </p:cSld>
   <p:clrMapOvr>
     <a:masterClrMapping/>
   </p:clrMapOvr>
-  <mc:AlternateContent xmlns:mc="http://schemas.openxmlformats.org/markup-compatibility/2006" xmlns:p14="http://schemas.microsoft.com/office/powerpoint/2010/main">
-    <mc:Choice Requires="p14">
+  <mc:AlternateContent xmlns:mc="http://schemas.openxmlformats.org/markup-compatibility/2006">
+    <mc:Choice xmlns:p14="http://schemas.microsoft.com/office/powerpoint/2010/main" Requires="p14">
       <p:transition spd="med" p14:dur="700">
         <p:fade/>
       </p:transition>
     </mc:Choice>
-    <mc:Fallback xmlns="">
+    <mc:Fallback>
       <p:transition spd="med">
         <p:fade/>
       </p:transition>
@@ -5718,6 +5597,7 @@
               <a:rPr lang="en-US" altLang="zh-CN" dirty="0"/>
               <a:t>Windows 10</a:t>
             </a:r>
+            <a:endParaRPr lang="en-US" altLang="zh-CN" dirty="0"/>
           </a:p>
           <a:p>
             <a:r>
@@ -5728,6 +5608,7 @@
               <a:rPr lang="en-US" altLang="zh-CN" dirty="0"/>
               <a:t>: Java 8</a:t>
             </a:r>
+            <a:endParaRPr lang="en-US" altLang="zh-CN" dirty="0"/>
           </a:p>
           <a:p>
             <a:r>
@@ -5754,6 +5635,7 @@
               <a:rPr lang="en-US" altLang="zh-CN" dirty="0"/>
               <a:t>Git</a:t>
             </a:r>
+            <a:endParaRPr lang="en-US" altLang="zh-CN" dirty="0"/>
           </a:p>
           <a:p>
             <a:r>
@@ -5764,6 +5646,7 @@
               <a:rPr lang="en-US" altLang="zh-CN" dirty="0"/>
               <a:t>: Maven 3.3.9</a:t>
             </a:r>
+            <a:endParaRPr lang="en-US" altLang="zh-CN" dirty="0"/>
           </a:p>
           <a:p>
             <a:r>
@@ -5774,6 +5657,7 @@
               <a:rPr lang="en-US" altLang="zh-CN" dirty="0"/>
               <a:t>Tomcat 8.5</a:t>
             </a:r>
+            <a:endParaRPr lang="en-US" altLang="zh-CN" dirty="0"/>
           </a:p>
           <a:p>
             <a:r>
@@ -5805,7 +5689,7 @@
             </a:r>
             <a:r>
               <a:rPr lang="zh-CN" altLang="en-US">
-                <a:hlinkClick r:id="rId2"/>
+                <a:hlinkClick r:id="rId1"/>
               </a:rPr>
               <a:t>项目入口</a:t>
             </a:r>
@@ -5814,22 +5698,17 @@
         </p:txBody>
       </p:sp>
     </p:spTree>
-    <p:extLst>
-      <p:ext uri="{BB962C8B-B14F-4D97-AF65-F5344CB8AC3E}">
-        <p14:creationId xmlns:p14="http://schemas.microsoft.com/office/powerpoint/2010/main" val="1203342599"/>
-      </p:ext>
-    </p:extLst>
   </p:cSld>
   <p:clrMapOvr>
     <a:masterClrMapping/>
   </p:clrMapOvr>
-  <mc:AlternateContent xmlns:mc="http://schemas.openxmlformats.org/markup-compatibility/2006" xmlns:p14="http://schemas.microsoft.com/office/powerpoint/2010/main">
-    <mc:Choice Requires="p14">
+  <mc:AlternateContent xmlns:mc="http://schemas.openxmlformats.org/markup-compatibility/2006">
+    <mc:Choice xmlns:p14="http://schemas.microsoft.com/office/powerpoint/2010/main" Requires="p14">
       <p:transition spd="med" p14:dur="700">
         <p:fade/>
       </p:transition>
     </mc:Choice>
-    <mc:Fallback xmlns="">
+    <mc:Fallback>
       <p:transition spd="med">
         <p:fade/>
       </p:transition>
@@ -5913,6 +5792,7 @@
               <a:rPr lang="en-US" altLang="zh-CN" dirty="0"/>
               <a:t>: CentOS 7.4</a:t>
             </a:r>
+            <a:endParaRPr lang="en-US" altLang="zh-CN" dirty="0"/>
           </a:p>
           <a:p>
             <a:r>
@@ -5923,6 +5803,7 @@
               <a:rPr lang="en-US" altLang="zh-CN" dirty="0"/>
               <a:t>: Java 8</a:t>
             </a:r>
+            <a:endParaRPr lang="en-US" altLang="zh-CN" dirty="0"/>
           </a:p>
           <a:p>
             <a:r>
@@ -5941,6 +5822,7 @@
               <a:rPr lang="en-US" altLang="zh-CN" dirty="0"/>
               <a:t>Nginx 1.12.2</a:t>
             </a:r>
+            <a:endParaRPr lang="en-US" altLang="zh-CN" dirty="0"/>
           </a:p>
           <a:p>
             <a:r>
@@ -5964,22 +5846,17 @@
         </p:txBody>
       </p:sp>
     </p:spTree>
-    <p:extLst>
-      <p:ext uri="{BB962C8B-B14F-4D97-AF65-F5344CB8AC3E}">
-        <p14:creationId xmlns:p14="http://schemas.microsoft.com/office/powerpoint/2010/main" val="352217739"/>
-      </p:ext>
-    </p:extLst>
   </p:cSld>
   <p:clrMapOvr>
     <a:masterClrMapping/>
   </p:clrMapOvr>
-  <mc:AlternateContent xmlns:mc="http://schemas.openxmlformats.org/markup-compatibility/2006" xmlns:p14="http://schemas.microsoft.com/office/powerpoint/2010/main">
-    <mc:Choice Requires="p14">
+  <mc:AlternateContent xmlns:mc="http://schemas.openxmlformats.org/markup-compatibility/2006">
+    <mc:Choice xmlns:p14="http://schemas.microsoft.com/office/powerpoint/2010/main" Requires="p14">
       <p:transition spd="med" p14:dur="700">
         <p:fade/>
       </p:transition>
     </mc:Choice>
-    <mc:Fallback xmlns="">
+    <mc:Fallback>
       <p:transition spd="med">
         <p:fade/>
       </p:transition>
@@ -6056,18 +5933,21 @@
               <a:rPr lang="zh-CN" altLang="en-US" b="1" dirty="0"/>
               <a:t>为什么要做这样的一个在线考试系统？</a:t>
             </a:r>
+            <a:endParaRPr lang="zh-CN" altLang="en-US" b="1" dirty="0"/>
           </a:p>
           <a:p>
             <a:r>
               <a:rPr lang="zh-CN" altLang="en-US" b="1" dirty="0"/>
               <a:t>一个在线考试系统需要哪些功能？</a:t>
             </a:r>
+            <a:endParaRPr lang="zh-CN" altLang="en-US" b="1" dirty="0"/>
           </a:p>
           <a:p>
             <a:r>
               <a:rPr lang="zh-CN" altLang="en-US" b="1" dirty="0"/>
               <a:t>开发这个在线考试系统需要用到哪些技术？</a:t>
             </a:r>
+            <a:endParaRPr lang="zh-CN" altLang="en-US" b="1" dirty="0"/>
           </a:p>
           <a:p>
             <a:r>
@@ -6082,6 +5962,7 @@
               <a:rPr lang="zh-CN" altLang="en-US" b="1" dirty="0"/>
               <a:t>做了什么工作？</a:t>
             </a:r>
+            <a:endParaRPr lang="zh-CN" altLang="en-US" b="1" dirty="0"/>
           </a:p>
           <a:p>
             <a:r>
@@ -6096,32 +5977,29 @@
               <a:rPr lang="zh-CN" altLang="en-US" b="1" dirty="0"/>
               <a:t>遇到过的困难有哪些？</a:t>
             </a:r>
+            <a:endParaRPr lang="zh-CN" altLang="en-US" b="1" dirty="0"/>
           </a:p>
           <a:p>
             <a:r>
               <a:rPr lang="zh-CN" altLang="en-US" b="1" dirty="0"/>
               <a:t>整个开发过程中学到了什么？</a:t>
             </a:r>
+            <a:endParaRPr lang="zh-CN" altLang="en-US" b="1" dirty="0"/>
           </a:p>
         </p:txBody>
       </p:sp>
     </p:spTree>
-    <p:extLst>
-      <p:ext uri="{BB962C8B-B14F-4D97-AF65-F5344CB8AC3E}">
-        <p14:creationId xmlns:p14="http://schemas.microsoft.com/office/powerpoint/2010/main" val="1928842276"/>
-      </p:ext>
-    </p:extLst>
   </p:cSld>
   <p:clrMapOvr>
     <a:masterClrMapping/>
   </p:clrMapOvr>
-  <mc:AlternateContent xmlns:mc="http://schemas.openxmlformats.org/markup-compatibility/2006" xmlns:p14="http://schemas.microsoft.com/office/powerpoint/2010/main">
-    <mc:Choice Requires="p14">
+  <mc:AlternateContent xmlns:mc="http://schemas.openxmlformats.org/markup-compatibility/2006">
+    <mc:Choice xmlns:p14="http://schemas.microsoft.com/office/powerpoint/2010/main" Requires="p14">
       <p:transition spd="med" p14:dur="700">
         <p:fade/>
       </p:transition>
     </mc:Choice>
-    <mc:Fallback xmlns="">
+    <mc:Fallback>
       <p:transition spd="med">
         <p:fade/>
       </p:transition>
@@ -6196,7 +6074,7 @@
           <a:p>
             <a:r>
               <a:rPr lang="zh-CN" altLang="en-US" b="1" dirty="0">
-                <a:hlinkClick r:id="rId2"/>
+                <a:hlinkClick r:id="rId1"/>
               </a:rPr>
               <a:t>在线考试系统入口</a:t>
             </a:r>
@@ -6205,22 +6083,17 @@
         </p:txBody>
       </p:sp>
     </p:spTree>
-    <p:extLst>
-      <p:ext uri="{BB962C8B-B14F-4D97-AF65-F5344CB8AC3E}">
-        <p14:creationId xmlns:p14="http://schemas.microsoft.com/office/powerpoint/2010/main" val="4204679082"/>
-      </p:ext>
-    </p:extLst>
   </p:cSld>
   <p:clrMapOvr>
     <a:masterClrMapping/>
   </p:clrMapOvr>
-  <mc:AlternateContent xmlns:mc="http://schemas.openxmlformats.org/markup-compatibility/2006" xmlns:p14="http://schemas.microsoft.com/office/powerpoint/2010/main">
-    <mc:Choice Requires="p14">
+  <mc:AlternateContent xmlns:mc="http://schemas.openxmlformats.org/markup-compatibility/2006">
+    <mc:Choice xmlns:p14="http://schemas.microsoft.com/office/powerpoint/2010/main" Requires="p14">
       <p:transition spd="med" p14:dur="700">
         <p:fade/>
       </p:transition>
     </mc:Choice>
-    <mc:Fallback xmlns="">
+    <mc:Fallback>
       <p:transition spd="med">
         <p:fade/>
       </p:transition>
@@ -6265,6 +6138,7 @@
               <a:rPr lang="zh-CN" altLang="en-US" b="1" dirty="0"/>
               <a:t>不足</a:t>
             </a:r>
+            <a:endParaRPr lang="zh-CN" altLang="en-US" b="1" dirty="0"/>
           </a:p>
         </p:txBody>
       </p:sp>
@@ -6292,6 +6166,7 @@
               <a:rPr lang="zh-CN" altLang="en-US" dirty="0"/>
               <a:t>前后端没有分离</a:t>
             </a:r>
+            <a:endParaRPr lang="zh-CN" altLang="en-US" dirty="0"/>
           </a:p>
           <a:p>
             <a:r>
@@ -6322,18 +6197,21 @@
               <a:rPr lang="zh-CN" altLang="en-US" dirty="0"/>
               <a:t>系统角色定位不理想等等</a:t>
             </a:r>
+            <a:endParaRPr lang="zh-CN" altLang="en-US" dirty="0"/>
           </a:p>
           <a:p>
             <a:r>
               <a:rPr lang="zh-CN" altLang="en-US" dirty="0"/>
               <a:t>权限控制不完善</a:t>
             </a:r>
+            <a:endParaRPr lang="zh-CN" altLang="en-US" dirty="0"/>
           </a:p>
           <a:p>
             <a:r>
               <a:rPr lang="zh-CN" altLang="en-US" dirty="0"/>
               <a:t>高并发架构设计、缓存设计不完善</a:t>
             </a:r>
+            <a:endParaRPr lang="zh-CN" altLang="en-US" dirty="0"/>
           </a:p>
           <a:p>
             <a:endParaRPr lang="zh-CN" altLang="en-US" b="1" dirty="0"/>
@@ -6341,22 +6219,17 @@
         </p:txBody>
       </p:sp>
     </p:spTree>
-    <p:extLst>
-      <p:ext uri="{BB962C8B-B14F-4D97-AF65-F5344CB8AC3E}">
-        <p14:creationId xmlns:p14="http://schemas.microsoft.com/office/powerpoint/2010/main" val="2563584287"/>
-      </p:ext>
-    </p:extLst>
   </p:cSld>
   <p:clrMapOvr>
     <a:masterClrMapping/>
   </p:clrMapOvr>
-  <mc:AlternateContent xmlns:mc="http://schemas.openxmlformats.org/markup-compatibility/2006" xmlns:p14="http://schemas.microsoft.com/office/powerpoint/2010/main">
-    <mc:Choice Requires="p14">
+  <mc:AlternateContent xmlns:mc="http://schemas.openxmlformats.org/markup-compatibility/2006">
+    <mc:Choice xmlns:p14="http://schemas.microsoft.com/office/powerpoint/2010/main" Requires="p14">
       <p:transition spd="med" p14:dur="700">
         <p:fade/>
       </p:transition>
     </mc:Choice>
-    <mc:Fallback xmlns="">
+    <mc:Fallback>
       <p:transition spd="med">
         <p:fade/>
       </p:transition>
@@ -6412,22 +6285,17 @@
         </p:txBody>
       </p:sp>
     </p:spTree>
-    <p:extLst>
-      <p:ext uri="{BB962C8B-B14F-4D97-AF65-F5344CB8AC3E}">
-        <p14:creationId xmlns:p14="http://schemas.microsoft.com/office/powerpoint/2010/main" val="1315647518"/>
-      </p:ext>
-    </p:extLst>
   </p:cSld>
   <p:clrMapOvr>
     <a:masterClrMapping/>
   </p:clrMapOvr>
-  <mc:AlternateContent xmlns:mc="http://schemas.openxmlformats.org/markup-compatibility/2006" xmlns:p14="http://schemas.microsoft.com/office/powerpoint/2010/main">
-    <mc:Choice Requires="p14">
+  <mc:AlternateContent xmlns:mc="http://schemas.openxmlformats.org/markup-compatibility/2006">
+    <mc:Choice xmlns:p14="http://schemas.microsoft.com/office/powerpoint/2010/main" Requires="p14">
       <p:transition spd="med" p14:dur="700">
         <p:fade/>
       </p:transition>
     </mc:Choice>
-    <mc:Fallback xmlns="">
+    <mc:Fallback>
       <p:transition spd="med">
         <p:fade/>
       </p:transition>
@@ -6506,7 +6374,7 @@
               </a:rPr>
               <a:t>系统概要</a:t>
             </a:r>
-            <a:endParaRPr lang="zh-cn" dirty="0">
+            <a:endParaRPr lang="en-US" dirty="0">
               <a:latin typeface="微软雅黑" panose="020B0503020204020204" pitchFamily="34" charset="-122"/>
               <a:ea typeface="微软雅黑" panose="020B0503020204020204" pitchFamily="34" charset="-122"/>
             </a:endParaRPr>
@@ -6572,22 +6440,17 @@
         </p:txBody>
       </p:sp>
     </p:spTree>
-    <p:extLst>
-      <p:ext uri="{BB962C8B-B14F-4D97-AF65-F5344CB8AC3E}">
-        <p14:creationId xmlns:p14="http://schemas.microsoft.com/office/powerpoint/2010/main" val="1654255301"/>
-      </p:ext>
-    </p:extLst>
   </p:cSld>
   <p:clrMapOvr>
     <a:masterClrMapping/>
   </p:clrMapOvr>
-  <mc:AlternateContent xmlns:mc="http://schemas.openxmlformats.org/markup-compatibility/2006" xmlns:p14="http://schemas.microsoft.com/office/powerpoint/2010/main">
-    <mc:Choice Requires="p14">
+  <mc:AlternateContent xmlns:mc="http://schemas.openxmlformats.org/markup-compatibility/2006">
+    <mc:Choice xmlns:p14="http://schemas.microsoft.com/office/powerpoint/2010/main" Requires="p14">
       <p:transition spd="med" p14:dur="700">
         <p:fade/>
       </p:transition>
     </mc:Choice>
-    <mc:Fallback xmlns="">
+    <mc:Fallback>
       <p:transition spd="med">
         <p:fade/>
       </p:transition>
@@ -6656,13 +6519,7 @@
       </p:sp>
       <p:sp>
         <p:nvSpPr>
-          <p:cNvPr id="3" name="内容占位符 2">
-            <a:extLst>
-              <a:ext uri="{FF2B5EF4-FFF2-40B4-BE49-F238E27FC236}">
-                <a16:creationId xmlns:a16="http://schemas.microsoft.com/office/drawing/2014/main" id="{CDCEE665-88B4-48F3-B3AC-878C85FF7DA0}"/>
-              </a:ext>
-            </a:extLst>
-          </p:cNvPr>
+          <p:cNvPr id="3" name="内容占位符 2"/>
           <p:cNvSpPr>
             <a:spLocks noGrp="1"/>
           </p:cNvSpPr>
@@ -6704,6 +6561,7 @@
               <a:rPr lang="zh-CN" altLang="en-US" dirty="0"/>
               <a:t>考试倒计时、考试安排表 </a:t>
             </a:r>
+            <a:endParaRPr lang="zh-CN" altLang="en-US" dirty="0"/>
           </a:p>
           <a:p>
             <a:pPr marL="0" indent="0">
@@ -6732,6 +6590,7 @@
               <a:rPr lang="zh-CN" altLang="en-US" dirty="0"/>
               <a:t>答题卡、作答区</a:t>
             </a:r>
+            <a:endParaRPr lang="zh-CN" altLang="en-US" dirty="0"/>
           </a:p>
           <a:p>
             <a:pPr marL="0" indent="0">
@@ -6754,29 +6613,25 @@
               <a:rPr lang="zh-CN" altLang="en-US" dirty="0"/>
               <a:t>批改完试卷后查看成绩情况以及参考答案</a:t>
             </a:r>
-          </a:p>
-          <a:p>
             <a:endParaRPr lang="zh-CN" altLang="en-US" dirty="0"/>
           </a:p>
+          <a:p>
+            <a:endParaRPr lang="zh-CN" altLang="en-US" dirty="0"/>
+          </a:p>
         </p:txBody>
       </p:sp>
     </p:spTree>
-    <p:extLst>
-      <p:ext uri="{BB962C8B-B14F-4D97-AF65-F5344CB8AC3E}">
-        <p14:creationId xmlns:p14="http://schemas.microsoft.com/office/powerpoint/2010/main" val="4010278615"/>
-      </p:ext>
-    </p:extLst>
   </p:cSld>
   <p:clrMapOvr>
     <a:masterClrMapping/>
   </p:clrMapOvr>
-  <mc:AlternateContent xmlns:mc="http://schemas.openxmlformats.org/markup-compatibility/2006" xmlns:p14="http://schemas.microsoft.com/office/powerpoint/2010/main">
-    <mc:Choice Requires="p14">
+  <mc:AlternateContent xmlns:mc="http://schemas.openxmlformats.org/markup-compatibility/2006">
+    <mc:Choice xmlns:p14="http://schemas.microsoft.com/office/powerpoint/2010/main" Requires="p14">
       <p:transition spd="med" p14:dur="700">
         <p:fade/>
       </p:transition>
     </mc:Choice>
-    <mc:Fallback xmlns="">
+    <mc:Fallback>
       <p:transition spd="med">
         <p:fade/>
       </p:transition>
@@ -6845,13 +6700,7 @@
       </p:sp>
       <p:sp>
         <p:nvSpPr>
-          <p:cNvPr id="3" name="内容占位符 2">
-            <a:extLst>
-              <a:ext uri="{FF2B5EF4-FFF2-40B4-BE49-F238E27FC236}">
-                <a16:creationId xmlns:a16="http://schemas.microsoft.com/office/drawing/2014/main" id="{CDCEE665-88B4-48F3-B3AC-878C85FF7DA0}"/>
-              </a:ext>
-            </a:extLst>
-          </p:cNvPr>
+          <p:cNvPr id="3" name="内容占位符 2"/>
           <p:cNvSpPr>
             <a:spLocks noGrp="1"/>
           </p:cNvSpPr>
@@ -7015,22 +6864,17 @@
         </p:txBody>
       </p:sp>
     </p:spTree>
-    <p:extLst>
-      <p:ext uri="{BB962C8B-B14F-4D97-AF65-F5344CB8AC3E}">
-        <p14:creationId xmlns:p14="http://schemas.microsoft.com/office/powerpoint/2010/main" val="1311887336"/>
-      </p:ext>
-    </p:extLst>
   </p:cSld>
   <p:clrMapOvr>
     <a:masterClrMapping/>
   </p:clrMapOvr>
-  <mc:AlternateContent xmlns:mc="http://schemas.openxmlformats.org/markup-compatibility/2006" xmlns:p14="http://schemas.microsoft.com/office/powerpoint/2010/main">
-    <mc:Choice Requires="p14">
+  <mc:AlternateContent xmlns:mc="http://schemas.openxmlformats.org/markup-compatibility/2006">
+    <mc:Choice xmlns:p14="http://schemas.microsoft.com/office/powerpoint/2010/main" Requires="p14">
       <p:transition spd="med" p14:dur="700">
         <p:fade/>
       </p:transition>
     </mc:Choice>
-    <mc:Fallback xmlns="">
+    <mc:Fallback>
       <p:transition spd="med">
         <p:fade/>
       </p:transition>
@@ -7103,13 +6947,7 @@
       </p:sp>
       <p:sp>
         <p:nvSpPr>
-          <p:cNvPr id="3" name="内容占位符 2">
-            <a:extLst>
-              <a:ext uri="{FF2B5EF4-FFF2-40B4-BE49-F238E27FC236}">
-                <a16:creationId xmlns:a16="http://schemas.microsoft.com/office/drawing/2014/main" id="{CDCEE665-88B4-48F3-B3AC-878C85FF7DA0}"/>
-              </a:ext>
-            </a:extLst>
-          </p:cNvPr>
+          <p:cNvPr id="3" name="内容占位符 2"/>
           <p:cNvSpPr>
             <a:spLocks noGrp="1"/>
           </p:cNvSpPr>
@@ -7300,22 +7138,17 @@
         </p:txBody>
       </p:sp>
     </p:spTree>
-    <p:extLst>
-      <p:ext uri="{BB962C8B-B14F-4D97-AF65-F5344CB8AC3E}">
-        <p14:creationId xmlns:p14="http://schemas.microsoft.com/office/powerpoint/2010/main" val="2207424144"/>
-      </p:ext>
-    </p:extLst>
   </p:cSld>
   <p:clrMapOvr>
     <a:masterClrMapping/>
   </p:clrMapOvr>
-  <mc:AlternateContent xmlns:mc="http://schemas.openxmlformats.org/markup-compatibility/2006" xmlns:p14="http://schemas.microsoft.com/office/powerpoint/2010/main">
-    <mc:Choice Requires="p14">
+  <mc:AlternateContent xmlns:mc="http://schemas.openxmlformats.org/markup-compatibility/2006">
+    <mc:Choice xmlns:p14="http://schemas.microsoft.com/office/powerpoint/2010/main" Requires="p14">
       <p:transition spd="med" p14:dur="700">
         <p:fade/>
       </p:transition>
     </mc:Choice>
-    <mc:Fallback xmlns="">
+    <mc:Fallback>
       <p:transition spd="med">
         <p:fade/>
       </p:transition>
@@ -7388,13 +7221,7 @@
       </p:sp>
       <p:sp>
         <p:nvSpPr>
-          <p:cNvPr id="3" name="内容占位符 2">
-            <a:extLst>
-              <a:ext uri="{FF2B5EF4-FFF2-40B4-BE49-F238E27FC236}">
-                <a16:creationId xmlns:a16="http://schemas.microsoft.com/office/drawing/2014/main" id="{CDCEE665-88B4-48F3-B3AC-878C85FF7DA0}"/>
-              </a:ext>
-            </a:extLst>
-          </p:cNvPr>
+          <p:cNvPr id="3" name="内容占位符 2"/>
           <p:cNvSpPr>
             <a:spLocks noGrp="1"/>
           </p:cNvSpPr>
@@ -7529,22 +7356,17 @@
         </p:txBody>
       </p:sp>
     </p:spTree>
-    <p:extLst>
-      <p:ext uri="{BB962C8B-B14F-4D97-AF65-F5344CB8AC3E}">
-        <p14:creationId xmlns:p14="http://schemas.microsoft.com/office/powerpoint/2010/main" val="1853012510"/>
-      </p:ext>
-    </p:extLst>
   </p:cSld>
   <p:clrMapOvr>
     <a:masterClrMapping/>
   </p:clrMapOvr>
-  <mc:AlternateContent xmlns:mc="http://schemas.openxmlformats.org/markup-compatibility/2006" xmlns:p14="http://schemas.microsoft.com/office/powerpoint/2010/main">
-    <mc:Choice Requires="p14">
+  <mc:AlternateContent xmlns:mc="http://schemas.openxmlformats.org/markup-compatibility/2006">
+    <mc:Choice xmlns:p14="http://schemas.microsoft.com/office/powerpoint/2010/main" Requires="p14">
       <p:transition spd="med" p14:dur="700">
         <p:fade/>
       </p:transition>
     </mc:Choice>
-    <mc:Fallback xmlns="">
+    <mc:Fallback>
       <p:transition spd="med">
         <p:fade/>
       </p:transition>
@@ -7617,13 +7439,7 @@
       </p:sp>
       <p:sp>
         <p:nvSpPr>
-          <p:cNvPr id="3" name="内容占位符 2">
-            <a:extLst>
-              <a:ext uri="{FF2B5EF4-FFF2-40B4-BE49-F238E27FC236}">
-                <a16:creationId xmlns:a16="http://schemas.microsoft.com/office/drawing/2014/main" id="{CDCEE665-88B4-48F3-B3AC-878C85FF7DA0}"/>
-              </a:ext>
-            </a:extLst>
-          </p:cNvPr>
+          <p:cNvPr id="3" name="内容占位符 2"/>
           <p:cNvSpPr>
             <a:spLocks noGrp="1"/>
           </p:cNvSpPr>
@@ -7658,6 +7474,7 @@
               <a:rPr lang="zh-CN" altLang="en-US" dirty="0"/>
               <a:t>用户管理</a:t>
             </a:r>
+            <a:endParaRPr lang="zh-CN" altLang="en-US" dirty="0"/>
           </a:p>
           <a:p>
             <a:pPr marL="0" indent="0">
@@ -7676,6 +7493,7 @@
               <a:rPr lang="zh-CN" altLang="en-US" dirty="0"/>
               <a:t>考试管理</a:t>
             </a:r>
+            <a:endParaRPr lang="zh-CN" altLang="en-US" dirty="0"/>
           </a:p>
           <a:p>
             <a:pPr marL="0" indent="0">
@@ -7698,6 +7516,7 @@
               <a:rPr lang="zh-CN" altLang="en-US" dirty="0"/>
               <a:t>题目管理</a:t>
             </a:r>
+            <a:endParaRPr lang="zh-CN" altLang="en-US" dirty="0"/>
           </a:p>
           <a:p>
             <a:pPr marL="0" indent="0">
@@ -7716,6 +7535,7 @@
               <a:rPr lang="zh-CN" altLang="en-US" dirty="0"/>
               <a:t>课程管理</a:t>
             </a:r>
+            <a:endParaRPr lang="zh-CN" altLang="en-US" dirty="0"/>
           </a:p>
           <a:p>
             <a:pPr marL="0" indent="0">
@@ -7734,6 +7554,7 @@
               <a:rPr lang="zh-CN" altLang="en-US" dirty="0"/>
               <a:t>成绩管理</a:t>
             </a:r>
+            <a:endParaRPr lang="zh-CN" altLang="en-US" dirty="0"/>
           </a:p>
           <a:p>
             <a:pPr marL="0" indent="0">
@@ -7752,6 +7573,7 @@
               <a:rPr lang="zh-CN" altLang="en-US" dirty="0"/>
               <a:t>帖子管理</a:t>
             </a:r>
+            <a:endParaRPr lang="zh-CN" altLang="en-US" dirty="0"/>
           </a:p>
           <a:p>
             <a:pPr marL="0" indent="0">
@@ -7770,6 +7592,7 @@
               <a:rPr lang="zh-CN" altLang="en-US" dirty="0"/>
               <a:t>评论管理</a:t>
             </a:r>
+            <a:endParaRPr lang="zh-CN" altLang="en-US" dirty="0"/>
           </a:p>
           <a:p>
             <a:pPr marL="0" indent="0">
@@ -7782,22 +7605,17 @@
         </p:txBody>
       </p:sp>
     </p:spTree>
-    <p:extLst>
-      <p:ext uri="{BB962C8B-B14F-4D97-AF65-F5344CB8AC3E}">
-        <p14:creationId xmlns:p14="http://schemas.microsoft.com/office/powerpoint/2010/main" val="3298662928"/>
-      </p:ext>
-    </p:extLst>
   </p:cSld>
   <p:clrMapOvr>
     <a:masterClrMapping/>
   </p:clrMapOvr>
-  <mc:AlternateContent xmlns:mc="http://schemas.openxmlformats.org/markup-compatibility/2006" xmlns:p14="http://schemas.microsoft.com/office/powerpoint/2010/main">
-    <mc:Choice Requires="p14">
+  <mc:AlternateContent xmlns:mc="http://schemas.openxmlformats.org/markup-compatibility/2006">
+    <mc:Choice xmlns:p14="http://schemas.microsoft.com/office/powerpoint/2010/main" Requires="p14">
       <p:transition spd="med" p14:dur="700">
         <p:fade/>
       </p:transition>
     </mc:Choice>
-    <mc:Fallback xmlns="">
+    <mc:Fallback>
       <p:transition spd="med">
         <p:fade/>
       </p:transition>
@@ -7904,59 +7722,54 @@
               </a:rPr>
               <a:t>)</a:t>
             </a:r>
-            <a:endParaRPr lang="zh-cn" dirty="0">
-              <a:latin typeface="微软雅黑" panose="020B0503020204020204" pitchFamily="34" charset="-122"/>
-              <a:ea typeface="微软雅黑" panose="020B0503020204020204" pitchFamily="34" charset="-122"/>
-            </a:endParaRPr>
-          </a:p>
-          <a:p>
-            <a:pPr rtl="0"/>
-            <a:r>
-              <a:rPr lang="en-US" altLang="zh-CN" dirty="0" err="1"/>
-              <a:t>Mybatis</a:t>
-            </a:r>
-            <a:endParaRPr lang="zh-cn" dirty="0">
-              <a:latin typeface="微软雅黑" panose="020B0503020204020204" pitchFamily="34" charset="-122"/>
-              <a:ea typeface="微软雅黑" panose="020B0503020204020204" pitchFamily="34" charset="-122"/>
-            </a:endParaRPr>
-          </a:p>
-          <a:p>
-            <a:pPr rtl="0"/>
-            <a:r>
-              <a:rPr lang="en-US" altLang="zh-CN" dirty="0" err="1"/>
-              <a:t>T</a:t>
-            </a:r>
-            <a:r>
-              <a:rPr lang="en-US" altLang="zh-CN" dirty="0" err="1">
-                <a:latin typeface="微软雅黑" panose="020B0503020204020204" pitchFamily="34" charset="-122"/>
-                <a:ea typeface="微软雅黑" panose="020B0503020204020204" pitchFamily="34" charset="-122"/>
-              </a:rPr>
-              <a:t>hymeleaf</a:t>
-            </a:r>
             <a:endParaRPr lang="en-US" dirty="0">
               <a:latin typeface="微软雅黑" panose="020B0503020204020204" pitchFamily="34" charset="-122"/>
               <a:ea typeface="微软雅黑" panose="020B0503020204020204" pitchFamily="34" charset="-122"/>
             </a:endParaRPr>
           </a:p>
+          <a:p>
+            <a:pPr rtl="0"/>
+            <a:r>
+              <a:rPr lang="en-US" altLang="zh-CN" dirty="0" err="1"/>
+              <a:t>Mybatis</a:t>
+            </a:r>
+            <a:endParaRPr lang="en-US" dirty="0">
+              <a:latin typeface="微软雅黑" panose="020B0503020204020204" pitchFamily="34" charset="-122"/>
+              <a:ea typeface="微软雅黑" panose="020B0503020204020204" pitchFamily="34" charset="-122"/>
+            </a:endParaRPr>
+          </a:p>
+          <a:p>
+            <a:pPr rtl="0"/>
+            <a:r>
+              <a:rPr lang="en-US" altLang="zh-CN" dirty="0" err="1"/>
+              <a:t>T</a:t>
+            </a:r>
+            <a:r>
+              <a:rPr lang="en-US" altLang="zh-CN" dirty="0" err="1">
+                <a:latin typeface="微软雅黑" panose="020B0503020204020204" pitchFamily="34" charset="-122"/>
+                <a:ea typeface="微软雅黑" panose="020B0503020204020204" pitchFamily="34" charset="-122"/>
+              </a:rPr>
+              <a:t>hymeleaf</a:t>
+            </a:r>
+            <a:endParaRPr lang="en-US" dirty="0">
+              <a:latin typeface="微软雅黑" panose="020B0503020204020204" pitchFamily="34" charset="-122"/>
+              <a:ea typeface="微软雅黑" panose="020B0503020204020204" pitchFamily="34" charset="-122"/>
+            </a:endParaRPr>
+          </a:p>
         </p:txBody>
       </p:sp>
     </p:spTree>
-    <p:extLst>
-      <p:ext uri="{BB962C8B-B14F-4D97-AF65-F5344CB8AC3E}">
-        <p14:creationId xmlns:p14="http://schemas.microsoft.com/office/powerpoint/2010/main" val="2853788422"/>
-      </p:ext>
-    </p:extLst>
   </p:cSld>
   <p:clrMapOvr>
     <a:masterClrMapping/>
   </p:clrMapOvr>
-  <mc:AlternateContent xmlns:mc="http://schemas.openxmlformats.org/markup-compatibility/2006" xmlns:p14="http://schemas.microsoft.com/office/powerpoint/2010/main">
-    <mc:Choice Requires="p14">
+  <mc:AlternateContent xmlns:mc="http://schemas.openxmlformats.org/markup-compatibility/2006">
+    <mc:Choice xmlns:p14="http://schemas.microsoft.com/office/powerpoint/2010/main" Requires="p14">
       <p:transition spd="med" p14:dur="700">
         <p:fade/>
       </p:transition>
     </mc:Choice>
-    <mc:Fallback xmlns="">
+    <mc:Fallback>
       <p:transition spd="med">
         <p:fade/>
       </p:transition>
@@ -8039,14 +7852,7 @@
               </a:rPr>
               <a:t>emantic UI</a:t>
             </a:r>
-          </a:p>
-          <a:p>
-            <a:pPr rtl="0"/>
-            <a:r>
-              <a:rPr lang="en-US" altLang="zh-CN" dirty="0"/>
-              <a:t>Bootstrap</a:t>
-            </a:r>
-            <a:endParaRPr lang="zh-cn" dirty="0">
+            <a:endParaRPr lang="en-US" altLang="zh-CN" dirty="0">
               <a:latin typeface="微软雅黑" panose="020B0503020204020204" pitchFamily="34" charset="-122"/>
               <a:ea typeface="微软雅黑" panose="020B0503020204020204" pitchFamily="34" charset="-122"/>
             </a:endParaRPr>
@@ -8054,36 +7860,42 @@
           <a:p>
             <a:pPr rtl="0"/>
             <a:r>
-              <a:rPr lang="en-US" altLang="zh-CN" dirty="0">
-                <a:latin typeface="微软雅黑" panose="020B0503020204020204" pitchFamily="34" charset="-122"/>
-                <a:ea typeface="微软雅黑" panose="020B0503020204020204" pitchFamily="34" charset="-122"/>
-              </a:rPr>
-              <a:t>jQuery</a:t>
+              <a:rPr lang="en-US" altLang="zh-CN" dirty="0"/>
+              <a:t>Bootstrap</a:t>
             </a:r>
             <a:endParaRPr lang="en-US" dirty="0">
               <a:latin typeface="微软雅黑" panose="020B0503020204020204" pitchFamily="34" charset="-122"/>
               <a:ea typeface="微软雅黑" panose="020B0503020204020204" pitchFamily="34" charset="-122"/>
             </a:endParaRPr>
           </a:p>
+          <a:p>
+            <a:pPr rtl="0"/>
+            <a:r>
+              <a:rPr lang="en-US" altLang="zh-CN" dirty="0">
+                <a:latin typeface="微软雅黑" panose="020B0503020204020204" pitchFamily="34" charset="-122"/>
+                <a:ea typeface="微软雅黑" panose="020B0503020204020204" pitchFamily="34" charset="-122"/>
+              </a:rPr>
+              <a:t>jQuery</a:t>
+            </a:r>
+            <a:endParaRPr lang="en-US" dirty="0">
+              <a:latin typeface="微软雅黑" panose="020B0503020204020204" pitchFamily="34" charset="-122"/>
+              <a:ea typeface="微软雅黑" panose="020B0503020204020204" pitchFamily="34" charset="-122"/>
+            </a:endParaRPr>
+          </a:p>
         </p:txBody>
       </p:sp>
     </p:spTree>
-    <p:extLst>
-      <p:ext uri="{BB962C8B-B14F-4D97-AF65-F5344CB8AC3E}">
-        <p14:creationId xmlns:p14="http://schemas.microsoft.com/office/powerpoint/2010/main" val="692901090"/>
-      </p:ext>
-    </p:extLst>
   </p:cSld>
   <p:clrMapOvr>
     <a:masterClrMapping/>
   </p:clrMapOvr>
-  <mc:AlternateContent xmlns:mc="http://schemas.openxmlformats.org/markup-compatibility/2006" xmlns:p14="http://schemas.microsoft.com/office/powerpoint/2010/main">
-    <mc:Choice Requires="p14">
+  <mc:AlternateContent xmlns:mc="http://schemas.openxmlformats.org/markup-compatibility/2006">
+    <mc:Choice xmlns:p14="http://schemas.microsoft.com/office/powerpoint/2010/main" Requires="p14">
       <p:transition spd="med" p14:dur="700">
         <p:fade/>
       </p:transition>
     </mc:Choice>
-    <mc:Fallback xmlns="">
+    <mc:Fallback>
       <p:transition spd="med">
         <p:fade/>
       </p:transition>
@@ -8332,10 +8144,9 @@
       </a:style>
     </a:lnDef>
   </a:objectDefaults>
-  <a:extraClrSchemeLst/>
   <a:extLst>
     <a:ext uri="{05A4C25C-085E-4340-85A3-A5531E510DB2}">
-      <thm15:themeFamily xmlns:thm15="http://schemas.microsoft.com/office/thememl/2012/main" name="Office_9411639_TF03431380_TF03431380" id="{9AE2BD50-F2AD-48C6-8A81-F7D7390F9E40}" vid="{822244C9-F44A-41EE-AAAB-DAE7A533DA64}"/>
+      <thm15:themeFamily xmlns:thm15="http://schemas.microsoft.com/office/thememl/2012/main" name="Office Theme" id="{62F939B6-93AF-4DB8-9C6B-D6C7DFDC589F}" vid="{4A3C46E8-61CC-4603-A589-7422A47A8E4A}"/>
     </a:ext>
   </a:extLst>
 </a:theme>
@@ -8581,7 +8392,6 @@
       </a:style>
     </a:lnDef>
   </a:objectDefaults>
-  <a:extraClrSchemeLst/>
   <a:extLst>
     <a:ext uri="{05A4C25C-085E-4340-85A3-A5531E510DB2}">
       <thm15:themeFamily xmlns:thm15="http://schemas.microsoft.com/office/thememl/2012/main" name="Office Theme" id="{62F939B6-93AF-4DB8-9C6B-D6C7DFDC589F}" vid="{4A3C46E8-61CC-4603-A589-7422A47A8E4A}"/>
@@ -8830,1228 +8640,10 @@
       </a:style>
     </a:lnDef>
   </a:objectDefaults>
-  <a:extraClrSchemeLst/>
   <a:extLst>
     <a:ext uri="{05A4C25C-085E-4340-85A3-A5531E510DB2}">
       <thm15:themeFamily xmlns:thm15="http://schemas.microsoft.com/office/thememl/2012/main" name="Office Theme" id="{62F939B6-93AF-4DB8-9C6B-D6C7DFDC589F}" vid="{4A3C46E8-61CC-4603-A589-7422A47A8E4A}"/>
     </a:ext>
   </a:extLst>
 </a:theme>
-</file>
-
-<file path=customXml/item1.xml><?xml version="1.0" encoding="utf-8"?>
-<ct:contentTypeSchema xmlns:ct="http://schemas.microsoft.com/office/2006/metadata/contentType" xmlns:ma="http://schemas.microsoft.com/office/2006/metadata/properties/metaAttributes" ct:_="" ma:_="" ma:contentTypeName="TemplateFile" ma:contentTypeID="0x0101006EDDDB5EE6D98C44930B742096920B300400F5B6D36B3EF94B4E9A635CDF2A18F5B8" ma:contentTypeVersion="72" ma:contentTypeDescription="Create a new document." ma:contentTypeScope="" ma:versionID="a23e56308344d904b51738559c3d67c9">
-  <xsd:schema xmlns:xsd="http://www.w3.org/2001/XMLSchema" xmlns:xs="http://www.w3.org/2001/XMLSchema" xmlns:p="http://schemas.microsoft.com/office/2006/metadata/properties" xmlns:ns2="4873beb7-5857-4685-be1f-d57550cc96cc" targetNamespace="http://schemas.microsoft.com/office/2006/metadata/properties" ma:root="true" ma:fieldsID="cd0908cc4600e77bf5da051303e00c8d" ns2:_="">
-    <xsd:import namespace="4873beb7-5857-4685-be1f-d57550cc96cc"/>
-    <xsd:element name="properties">
-      <xsd:complexType>
-        <xsd:sequence>
-          <xsd:element name="documentManagement">
-            <xsd:complexType>
-              <xsd:all>
-                <xsd:element ref="ns2:AcquiredFrom" minOccurs="0"/>
-                <xsd:element ref="ns2:UACurrentWords" minOccurs="0"/>
-                <xsd:element ref="ns2:TPApplication" minOccurs="0"/>
-                <xsd:element ref="ns2:ApprovalLog" minOccurs="0"/>
-                <xsd:element ref="ns2:ApprovalStatus" minOccurs="0"/>
-                <xsd:element ref="ns2:AssetStart" minOccurs="0"/>
-                <xsd:element ref="ns2:AssetExpire" minOccurs="0"/>
-                <xsd:element ref="ns2:AssetId" minOccurs="0"/>
-                <xsd:element ref="ns2:IsSearchable" minOccurs="0"/>
-                <xsd:element ref="ns2:AssetType" minOccurs="0"/>
-                <xsd:element ref="ns2:APAuthor" minOccurs="0"/>
-                <xsd:element ref="ns2:AverageRating" minOccurs="0"/>
-                <xsd:element ref="ns2:BlockPublish" minOccurs="0"/>
-                <xsd:element ref="ns2:BugNumber" minOccurs="0"/>
-                <xsd:element ref="ns2:CampaignTagsTaxHTField0" minOccurs="0"/>
-                <xsd:element ref="ns2:TPClientViewer" minOccurs="0"/>
-                <xsd:element ref="ns2:ClipArtFilename" minOccurs="0"/>
-                <xsd:element ref="ns2:TPCommandLine" minOccurs="0"/>
-                <xsd:element ref="ns2:TPComponent" minOccurs="0"/>
-                <xsd:element ref="ns2:ContentItem" minOccurs="0"/>
-                <xsd:element ref="ns2:CrawlForDependencies" minOccurs="0"/>
-                <xsd:element ref="ns2:CSXHash" minOccurs="0"/>
-                <xsd:element ref="ns2:CSXSubmissionMarket" minOccurs="0"/>
-                <xsd:element ref="ns2:CSXUpdate" minOccurs="0"/>
-                <xsd:element ref="ns2:IntlLangReviewDate" minOccurs="0"/>
-                <xsd:element ref="ns2:IsDeleted" minOccurs="0"/>
-                <xsd:element ref="ns2:APDescription" minOccurs="0"/>
-                <xsd:element ref="ns2:DirectSourceMarket" minOccurs="0"/>
-                <xsd:element ref="ns2:Downloads" minOccurs="0"/>
-                <xsd:element ref="ns2:DSATActionTaken" minOccurs="0"/>
-                <xsd:element ref="ns2:APEditor" minOccurs="0"/>
-                <xsd:element ref="ns2:EditorialStatus" minOccurs="0"/>
-                <xsd:element ref="ns2:EditorialTags" minOccurs="0"/>
-                <xsd:element ref="ns2:TPExecutable" minOccurs="0"/>
-                <xsd:element ref="ns2:FeatureTagsTaxHTField0" minOccurs="0"/>
-                <xsd:element ref="ns2:TPFriendlyName" minOccurs="0"/>
-                <xsd:element ref="ns2:FriendlyTitle" minOccurs="0"/>
-                <xsd:element ref="ns2:PrimaryImageGen" minOccurs="0"/>
-                <xsd:element ref="ns2:HandoffToMSDN" minOccurs="0"/>
-                <xsd:element ref="ns2:InProjectListLookup" minOccurs="0"/>
-                <xsd:element ref="ns2:TPInstallLocation" minOccurs="0"/>
-                <xsd:element ref="ns2:InternalTagsTaxHTField0" minOccurs="0"/>
-                <xsd:element ref="ns2:IntlLangReview" minOccurs="0"/>
-                <xsd:element ref="ns2:IntlLangReviewer" minOccurs="0"/>
-                <xsd:element ref="ns2:MarketSpecific" minOccurs="0"/>
-                <xsd:element ref="ns2:LastCompleteVersionLookup" minOccurs="0"/>
-                <xsd:element ref="ns2:LastHandOff" minOccurs="0"/>
-                <xsd:element ref="ns2:LastModifiedDateTime" minOccurs="0"/>
-                <xsd:element ref="ns2:LastPreviewErrorLookup" minOccurs="0"/>
-                <xsd:element ref="ns2:LastPreviewResultLookup" minOccurs="0"/>
-                <xsd:element ref="ns2:LastPreviewAttemptDateLookup" minOccurs="0"/>
-                <xsd:element ref="ns2:LastPreviewedByLookup" minOccurs="0"/>
-                <xsd:element ref="ns2:LastPreviewTimeLookup" minOccurs="0"/>
-                <xsd:element ref="ns2:LastPreviewVersionLookup" minOccurs="0"/>
-                <xsd:element ref="ns2:LastPublishErrorLookup" minOccurs="0"/>
-                <xsd:element ref="ns2:LastPublishResultLookup" minOccurs="0"/>
-                <xsd:element ref="ns2:LastPublishAttemptDateLookup" minOccurs="0"/>
-                <xsd:element ref="ns2:LastPublishedByLookup" minOccurs="0"/>
-                <xsd:element ref="ns2:LastPublishTimeLookup" minOccurs="0"/>
-                <xsd:element ref="ns2:LastPublishVersionLookup" minOccurs="0"/>
-                <xsd:element ref="ns2:TPLaunchHelpLinkType" minOccurs="0"/>
-                <xsd:element ref="ns2:LegacyData" minOccurs="0"/>
-                <xsd:element ref="ns2:TPLaunchHelpLink" minOccurs="0"/>
-                <xsd:element ref="ns2:LocComments" minOccurs="0"/>
-                <xsd:element ref="ns2:LocLastLocAttemptVersionLookup" minOccurs="0"/>
-                <xsd:element ref="ns2:LocLastLocAttemptVersionTypeLookup" minOccurs="0"/>
-                <xsd:element ref="ns2:LocManualTestRequired" minOccurs="0"/>
-                <xsd:element ref="ns2:LocMarketGroupTiers2" minOccurs="0"/>
-                <xsd:element ref="ns2:LocNewPublishedVersionLookup" minOccurs="0"/>
-                <xsd:element ref="ns2:LocOverallHandbackStatusLookup" minOccurs="0"/>
-                <xsd:element ref="ns2:LocOverallLocStatusLookup" minOccurs="0"/>
-                <xsd:element ref="ns2:LocOverallPreviewStatusLookup" minOccurs="0"/>
-                <xsd:element ref="ns2:LocOverallPublishStatusLookup" minOccurs="0"/>
-                <xsd:element ref="ns2:IntlLocPriority" minOccurs="0"/>
-                <xsd:element ref="ns2:LocProcessedForHandoffsLookup" minOccurs="0"/>
-                <xsd:element ref="ns2:LocProcessedForMarketsLookup" minOccurs="0"/>
-                <xsd:element ref="ns2:LocPublishedDependentAssetsLookup" minOccurs="0"/>
-                <xsd:element ref="ns2:LocPublishedLinkedAssetsLookup" minOccurs="0"/>
-                <xsd:element ref="ns2:LocRecommendedHandoff" minOccurs="0"/>
-                <xsd:element ref="ns2:LocalizationTagsTaxHTField0" minOccurs="0"/>
-                <xsd:element ref="ns2:MachineTranslated" minOccurs="0"/>
-                <xsd:element ref="ns2:Manager" minOccurs="0"/>
-                <xsd:element ref="ns2:Markets" minOccurs="0"/>
-                <xsd:element ref="ns2:Milestone" minOccurs="0"/>
-                <xsd:element ref="ns2:TPNamespace" minOccurs="0"/>
-                <xsd:element ref="ns2:NumericId" minOccurs="0"/>
-                <xsd:element ref="ns2:NumOfRatingsLookup" minOccurs="0"/>
-                <xsd:element ref="ns2:OOCacheId" minOccurs="0"/>
-                <xsd:element ref="ns2:OpenTemplate" minOccurs="0"/>
-                <xsd:element ref="ns2:OriginAsset" minOccurs="0"/>
-                <xsd:element ref="ns2:OriginalRelease" minOccurs="0"/>
-                <xsd:element ref="ns2:OriginalSourceMarket" minOccurs="0"/>
-                <xsd:element ref="ns2:OutputCachingOn" minOccurs="0"/>
-                <xsd:element ref="ns2:ParentAssetId" minOccurs="0"/>
-                <xsd:element ref="ns2:PlannedPubDate" minOccurs="0"/>
-                <xsd:element ref="ns2:PolicheckWords" minOccurs="0"/>
-                <xsd:element ref="ns2:BusinessGroup" minOccurs="0"/>
-                <xsd:element ref="ns2:UAProjectedTotalWords" minOccurs="0"/>
-                <xsd:element ref="ns2:Provider" minOccurs="0"/>
-                <xsd:element ref="ns2:Providers" minOccurs="0"/>
-                <xsd:element ref="ns2:PublishStatusLookup" minOccurs="0"/>
-                <xsd:element ref="ns2:PublishTargets" minOccurs="0"/>
-                <xsd:element ref="ns2:RecommendationsModifier" minOccurs="0"/>
-                <xsd:element ref="ns2:ArtSampleDocs" minOccurs="0"/>
-                <xsd:element ref="ns2:ScenarioTagsTaxHTField0" minOccurs="0"/>
-                <xsd:element ref="ns2:ShowIn" minOccurs="0"/>
-                <xsd:element ref="ns2:SourceTitle" minOccurs="0"/>
-                <xsd:element ref="ns2:CSXSubmissionDate" minOccurs="0"/>
-                <xsd:element ref="ns2:SubmitterId" minOccurs="0"/>
-                <xsd:element ref="ns2:TaxCatchAll" minOccurs="0"/>
-                <xsd:element ref="ns2:TaxCatchAllLabel" minOccurs="0"/>
-                <xsd:element ref="ns2:TemplateStatus" minOccurs="0"/>
-                <xsd:element ref="ns2:TemplateTemplateType" minOccurs="0"/>
-                <xsd:element ref="ns2:ThumbnailAssetId" minOccurs="0"/>
-                <xsd:element ref="ns2:TimesCloned" minOccurs="0"/>
-                <xsd:element ref="ns2:TrustLevel" minOccurs="0"/>
-                <xsd:element ref="ns2:UALocComments" minOccurs="0"/>
-                <xsd:element ref="ns2:UALocRecommendation" minOccurs="0"/>
-                <xsd:element ref="ns2:UANotes" minOccurs="0"/>
-                <xsd:element ref="ns2:TPAppVersion" minOccurs="0"/>
-                <xsd:element ref="ns2:VoteCount" minOccurs="0"/>
-              </xsd:all>
-            </xsd:complexType>
-          </xsd:element>
-        </xsd:sequence>
-      </xsd:complexType>
-    </xsd:element>
-  </xsd:schema>
-  <xsd:schema xmlns:xsd="http://www.w3.org/2001/XMLSchema" xmlns:xs="http://www.w3.org/2001/XMLSchema" xmlns:dms="http://schemas.microsoft.com/office/2006/documentManagement/types" xmlns:pc="http://schemas.microsoft.com/office/infopath/2007/PartnerControls" targetNamespace="4873beb7-5857-4685-be1f-d57550cc96cc" elementFormDefault="qualified">
-    <xsd:import namespace="http://schemas.microsoft.com/office/2006/documentManagement/types"/>
-    <xsd:import namespace="http://schemas.microsoft.com/office/infopath/2007/PartnerControls"/>
-    <xsd:element name="AcquiredFrom" ma:index="1" nillable="true" ma:displayName="Acquired From" ma:default="Internal MS" ma:internalName="AcquiredFrom" ma:readOnly="false">
-      <xsd:simpleType>
-        <xsd:restriction base="dms:Choice">
-          <xsd:enumeration value="Internal MS"/>
-          <xsd:enumeration value="Community"/>
-          <xsd:enumeration value="MVP"/>
-          <xsd:enumeration value="Publisher"/>
-          <xsd:enumeration value="Partner"/>
-          <xsd:enumeration value="None"/>
-        </xsd:restriction>
-      </xsd:simpleType>
-    </xsd:element>
-    <xsd:element name="UACurrentWords" ma:index="2" nillable="true" ma:displayName="Actual Word Count" ma:default="" ma:internalName="UACurrentWords" ma:readOnly="false">
-      <xsd:simpleType>
-        <xsd:restriction base="dms:Unknown"/>
-      </xsd:simpleType>
-    </xsd:element>
-    <xsd:element name="TPApplication" ma:index="3" nillable="true" ma:displayName="Application to Open Template With" ma:default="" ma:internalName="TPApplication">
-      <xsd:simpleType>
-        <xsd:restriction base="dms:Text"/>
-      </xsd:simpleType>
-    </xsd:element>
-    <xsd:element name="ApprovalLog" ma:index="4" nillable="true" ma:displayName="Approval Log" ma:default="" ma:hidden="true" ma:internalName="ApprovalLog" ma:readOnly="false">
-      <xsd:simpleType>
-        <xsd:restriction base="dms:Note"/>
-      </xsd:simpleType>
-    </xsd:element>
-    <xsd:element name="ApprovalStatus" ma:index="5" nillable="true" ma:displayName="Approval Status" ma:default="InProgress" ma:internalName="ApprovalStatus" ma:readOnly="false">
-      <xsd:simpleType>
-        <xsd:restriction base="dms:Choice">
-          <xsd:enumeration value="InProgress"/>
-          <xsd:enumeration value="Rejected"/>
-          <xsd:enumeration value="Questionable"/>
-          <xsd:enumeration value="ApprovedAutomatic"/>
-          <xsd:enumeration value="ApprovedManual"/>
-          <xsd:enumeration value="On Hold"/>
-          <xsd:enumeration value="Needs Review"/>
-          <xsd:enumeration value="A Violation"/>
-          <xsd:enumeration value="Unpublished Violation"/>
-        </xsd:restriction>
-      </xsd:simpleType>
-    </xsd:element>
-    <xsd:element name="AssetStart" ma:index="6" nillable="true" ma:displayName="Asset Begin Date" ma:default="[Today]" ma:internalName="AssetStart" ma:readOnly="false">
-      <xsd:simpleType>
-        <xsd:restriction base="dms:DateTime"/>
-      </xsd:simpleType>
-    </xsd:element>
-    <xsd:element name="AssetExpire" ma:index="7" nillable="true" ma:displayName="Asset End Date" ma:default="2029-01-01T08:00:00Z" ma:format="DateTime" ma:internalName="AssetExpire" ma:readOnly="false">
-      <xsd:simpleType>
-        <xsd:restriction base="dms:DateTime"/>
-      </xsd:simpleType>
-    </xsd:element>
-    <xsd:element name="AssetId" ma:index="8" nillable="true" ma:displayName="Asset ID" ma:default="" ma:indexed="true" ma:internalName="AssetId" ma:readOnly="false">
-      <xsd:simpleType>
-        <xsd:restriction base="dms:Text">
-          <xsd:maxLength value="255"/>
-        </xsd:restriction>
-      </xsd:simpleType>
-    </xsd:element>
-    <xsd:element name="IsSearchable" ma:index="9" nillable="true" ma:displayName="Asset Searchable?" ma:default="true" ma:internalName="IsSearchable" ma:readOnly="false">
-      <xsd:simpleType>
-        <xsd:restriction base="dms:Boolean"/>
-      </xsd:simpleType>
-    </xsd:element>
-    <xsd:element name="AssetType" ma:index="10" nillable="true" ma:displayName="Asset Type" ma:default="" ma:internalName="AssetType" ma:readOnly="false">
-      <xsd:simpleType>
-        <xsd:restriction base="dms:Unknown"/>
-      </xsd:simpleType>
-    </xsd:element>
-    <xsd:element name="APAuthor" ma:index="11" nillable="true" ma:displayName="Author" ma:default="" ma:list="UserInfo" ma:internalName="APAuthor" ma:readOnly="false">
-      <xsd:complexType>
-        <xsd:complexContent>
-          <xsd:extension base="dms:User">
-            <xsd:sequence>
-              <xsd:element name="UserInfo" minOccurs="0" maxOccurs="unbounded">
-                <xsd:complexType>
-                  <xsd:sequence>
-                    <xsd:element name="DisplayName" type="xsd:string" minOccurs="0"/>
-                    <xsd:element name="AccountId" type="dms:UserId" minOccurs="0" nillable="true"/>
-                    <xsd:element name="AccountType" type="xsd:string" minOccurs="0"/>
-                  </xsd:sequence>
-                </xsd:complexType>
-              </xsd:element>
-            </xsd:sequence>
-          </xsd:extension>
-        </xsd:complexContent>
-      </xsd:complexType>
-    </xsd:element>
-    <xsd:element name="AverageRating" ma:index="12" nillable="true" ma:displayName="Average Rating" ma:internalName="AverageRating" ma:readOnly="false">
-      <xsd:simpleType>
-        <xsd:restriction base="dms:Text"/>
-      </xsd:simpleType>
-    </xsd:element>
-    <xsd:element name="BlockPublish" ma:index="13" nillable="true" ma:displayName="Block from Publishing?" ma:default="" ma:internalName="BlockPublish" ma:readOnly="false">
-      <xsd:simpleType>
-        <xsd:restriction base="dms:Boolean"/>
-      </xsd:simpleType>
-    </xsd:element>
-    <xsd:element name="BugNumber" ma:index="14" nillable="true" ma:displayName="Bug Number" ma:default="" ma:internalName="BugNumber" ma:readOnly="false">
-      <xsd:simpleType>
-        <xsd:restriction base="dms:Text"/>
-      </xsd:simpleType>
-    </xsd:element>
-    <xsd:element name="CampaignTagsTaxHTField0" ma:index="16" nillable="true" ma:taxonomy="true" ma:internalName="CampaignTagsTaxHTField0" ma:taxonomyFieldName="CampaignTags" ma:displayName="Campaigns" ma:readOnly="false" ma:default="" ma:fieldId="{1df42cc3-2301-4f11-a52a-6ead923c29ed}" ma:taxonomyMulti="true" ma:sspId="8f79753a-75d3-41f5-8ca3-40b843941b4f" ma:termSetId="ca0e50d4-faa1-44ce-961e-bb1441c60e66" ma:anchorId="00000000-0000-0000-0000-000000000000" ma:open="false" ma:isKeyword="false">
-      <xsd:complexType>
-        <xsd:sequence>
-          <xsd:element ref="pc:Terms" minOccurs="0" maxOccurs="1"/>
-        </xsd:sequence>
-      </xsd:complexType>
-    </xsd:element>
-    <xsd:element name="TPClientViewer" ma:index="17" nillable="true" ma:displayName="Client Viewer" ma:default="" ma:internalName="TPClientViewer">
-      <xsd:simpleType>
-        <xsd:restriction base="dms:Text"/>
-      </xsd:simpleType>
-    </xsd:element>
-    <xsd:element name="ClipArtFilename" ma:index="18" nillable="true" ma:displayName="Clip Art Name" ma:default="" ma:internalName="ClipArtFilename" ma:readOnly="false">
-      <xsd:simpleType>
-        <xsd:restriction base="dms:Text"/>
-      </xsd:simpleType>
-    </xsd:element>
-    <xsd:element name="TPCommandLine" ma:index="19" nillable="true" ma:displayName="Command Line" ma:default="" ma:internalName="TPCommandLine">
-      <xsd:simpleType>
-        <xsd:restriction base="dms:Text"/>
-      </xsd:simpleType>
-    </xsd:element>
-    <xsd:element name="TPComponent" ma:index="20" nillable="true" ma:displayName="Component" ma:default="" ma:internalName="TPComponent">
-      <xsd:simpleType>
-        <xsd:restriction base="dms:Text"/>
-      </xsd:simpleType>
-    </xsd:element>
-    <xsd:element name="ContentItem" ma:index="21" nillable="true" ma:displayName="Content Item" ma:default="" ma:hidden="true" ma:internalName="ContentItem" ma:readOnly="false">
-      <xsd:simpleType>
-        <xsd:restriction base="dms:Unknown"/>
-      </xsd:simpleType>
-    </xsd:element>
-    <xsd:element name="CrawlForDependencies" ma:index="23" nillable="true" ma:displayName="Crawl for Dependencies?" ma:default="true" ma:internalName="CrawlForDependencies" ma:readOnly="false">
-      <xsd:simpleType>
-        <xsd:restriction base="dms:Boolean"/>
-      </xsd:simpleType>
-    </xsd:element>
-    <xsd:element name="CSXHash" ma:index="26" nillable="true" ma:displayName="CSX Hash" ma:default="" ma:indexed="true" ma:internalName="CSXHash" ma:readOnly="false">
-      <xsd:simpleType>
-        <xsd:restriction base="dms:Text"/>
-      </xsd:simpleType>
-    </xsd:element>
-    <xsd:element name="CSXSubmissionMarket" ma:index="27" nillable="true" ma:displayName="CSX Submission Market" ma:default="" ma:list="{2FBD1B11-2ACE-4FDC-B5A3-635D4ADF6F1B}" ma:internalName="CSXSubmissionMarket" ma:readOnly="false" ma:showField="MarketName" ma:web="4873beb7-5857-4685-be1f-d57550cc96cc">
-      <xsd:simpleType>
-        <xsd:restriction base="dms:Lookup"/>
-      </xsd:simpleType>
-    </xsd:element>
-    <xsd:element name="CSXUpdate" ma:index="28" nillable="true" ma:displayName="CSX Updated?" ma:default="false" ma:internalName="CSXUpdate" ma:readOnly="false">
-      <xsd:simpleType>
-        <xsd:restriction base="dms:Boolean"/>
-      </xsd:simpleType>
-    </xsd:element>
-    <xsd:element name="IntlLangReviewDate" ma:index="29" nillable="true" ma:displayName="Date to Complete Intl QA" ma:default="" ma:internalName="IntlLangReviewDate" ma:readOnly="false">
-      <xsd:simpleType>
-        <xsd:restriction base="dms:DateTime"/>
-      </xsd:simpleType>
-    </xsd:element>
-    <xsd:element name="IsDeleted" ma:index="30" nillable="true" ma:displayName="Deleted?" ma:default="" ma:internalName="IsDeleted" ma:readOnly="false">
-      <xsd:simpleType>
-        <xsd:restriction base="dms:Boolean"/>
-      </xsd:simpleType>
-    </xsd:element>
-    <xsd:element name="APDescription" ma:index="31" nillable="true" ma:displayName="Description" ma:default="" ma:internalName="APDescription" ma:readOnly="false">
-      <xsd:simpleType>
-        <xsd:restriction base="dms:Note"/>
-      </xsd:simpleType>
-    </xsd:element>
-    <xsd:element name="DirectSourceMarket" ma:index="32" nillable="true" ma:displayName="Direct Source Market Group" ma:default="" ma:internalName="DirectSourceMarket" ma:readOnly="false">
-      <xsd:simpleType>
-        <xsd:restriction base="dms:Text"/>
-      </xsd:simpleType>
-    </xsd:element>
-    <xsd:element name="Downloads" ma:index="33" nillable="true" ma:displayName="Downloads" ma:default="0" ma:hidden="true" ma:internalName="Downloads" ma:readOnly="false">
-      <xsd:simpleType>
-        <xsd:restriction base="dms:Unknown"/>
-      </xsd:simpleType>
-    </xsd:element>
-    <xsd:element name="DSATActionTaken" ma:index="34" nillable="true" ma:displayName="DSAT Action Taken" ma:default="" ma:internalName="DSATActionTaken" ma:readOnly="false">
-      <xsd:simpleType>
-        <xsd:restriction base="dms:Choice">
-          <xsd:enumeration value="Best Bets"/>
-          <xsd:enumeration value="Expire"/>
-          <xsd:enumeration value="Hide"/>
-          <xsd:enumeration value="None"/>
-        </xsd:restriction>
-      </xsd:simpleType>
-    </xsd:element>
-    <xsd:element name="APEditor" ma:index="35" nillable="true" ma:displayName="Editor" ma:default="" ma:list="UserInfo" ma:internalName="APEditor" ma:readOnly="false">
-      <xsd:complexType>
-        <xsd:complexContent>
-          <xsd:extension base="dms:User">
-            <xsd:sequence>
-              <xsd:element name="UserInfo" minOccurs="0" maxOccurs="unbounded">
-                <xsd:complexType>
-                  <xsd:sequence>
-                    <xsd:element name="DisplayName" type="xsd:string" minOccurs="0"/>
-                    <xsd:element name="AccountId" type="dms:UserId" minOccurs="0" nillable="true"/>
-                    <xsd:element name="AccountType" type="xsd:string" minOccurs="0"/>
-                  </xsd:sequence>
-                </xsd:complexType>
-              </xsd:element>
-            </xsd:sequence>
-          </xsd:extension>
-        </xsd:complexContent>
-      </xsd:complexType>
-    </xsd:element>
-    <xsd:element name="EditorialStatus" ma:index="36" nillable="true" ma:displayName="Editorial Status" ma:default="" ma:internalName="EditorialStatus" ma:readOnly="false">
-      <xsd:simpleType>
-        <xsd:restriction base="dms:Unknown"/>
-      </xsd:simpleType>
-    </xsd:element>
-    <xsd:element name="EditorialTags" ma:index="37" nillable="true" ma:displayName="Editorial Tags" ma:default="" ma:internalName="EditorialTags">
-      <xsd:simpleType>
-        <xsd:restriction base="dms:Unknown"/>
-      </xsd:simpleType>
-    </xsd:element>
-    <xsd:element name="TPExecutable" ma:index="38" nillable="true" ma:displayName="Executable" ma:default="" ma:internalName="TPExecutable">
-      <xsd:simpleType>
-        <xsd:restriction base="dms:Text"/>
-      </xsd:simpleType>
-    </xsd:element>
-    <xsd:element name="FeatureTagsTaxHTField0" ma:index="40" nillable="true" ma:taxonomy="true" ma:internalName="FeatureTagsTaxHTField0" ma:taxonomyFieldName="FeatureTags" ma:displayName="Features" ma:readOnly="false" ma:default="" ma:fieldId="{7fc0d542-15c6-4882-a8e3-13bca44403fb}" ma:taxonomyMulti="true" ma:sspId="8f79753a-75d3-41f5-8ca3-40b843941b4f" ma:termSetId="f1ab6845-967d-4854-a0ba-4ec07f0f8113" ma:anchorId="00000000-0000-0000-0000-000000000000" ma:open="false" ma:isKeyword="false">
-      <xsd:complexType>
-        <xsd:sequence>
-          <xsd:element ref="pc:Terms" minOccurs="0" maxOccurs="1"/>
-        </xsd:sequence>
-      </xsd:complexType>
-    </xsd:element>
-    <xsd:element name="TPFriendlyName" ma:index="41" nillable="true" ma:displayName="Friendly Name" ma:default="" ma:internalName="TPFriendlyName">
-      <xsd:simpleType>
-        <xsd:restriction base="dms:Text"/>
-      </xsd:simpleType>
-    </xsd:element>
-    <xsd:element name="FriendlyTitle" ma:index="42" nillable="true" ma:displayName="Friendly Title" ma:default="" ma:description="Shorter title to be used when displaying search results" ma:internalName="FriendlyTitle" ma:readOnly="false">
-      <xsd:simpleType>
-        <xsd:restriction base="dms:Text"/>
-      </xsd:simpleType>
-    </xsd:element>
-    <xsd:element name="PrimaryImageGen" ma:index="43" nillable="true" ma:displayName="Generate Images?" ma:default="true" ma:internalName="PrimaryImageGen">
-      <xsd:simpleType>
-        <xsd:restriction base="dms:Boolean"/>
-      </xsd:simpleType>
-    </xsd:element>
-    <xsd:element name="HandoffToMSDN" ma:index="44" nillable="true" ma:displayName="Handoff To MSDN Date" ma:default="" ma:internalName="HandoffToMSDN" ma:readOnly="false">
-      <xsd:simpleType>
-        <xsd:restriction base="dms:DateTime"/>
-      </xsd:simpleType>
-    </xsd:element>
-    <xsd:element name="InProjectListLookup" ma:index="45" nillable="true" ma:displayName="InProjectListLookup" ma:list="{9E343742-310B-4684-A24C-1D137CB4B230}" ma:internalName="InProjectListLookup" ma:readOnly="true" ma:showField="InProjectList" ma:web="4873beb7-5857-4685-be1f-d57550cc96cc">
-      <xsd:complexType>
-        <xsd:complexContent>
-          <xsd:extension base="dms:MultiChoiceLookup">
-            <xsd:sequence>
-              <xsd:element name="Value" type="dms:Lookup" maxOccurs="unbounded" minOccurs="0" nillable="true"/>
-            </xsd:sequence>
-          </xsd:extension>
-        </xsd:complexContent>
-      </xsd:complexType>
-    </xsd:element>
-    <xsd:element name="TPInstallLocation" ma:index="46" nillable="true" ma:displayName="Install Location" ma:default="" ma:internalName="TPInstallLocation">
-      <xsd:simpleType>
-        <xsd:restriction base="dms:Text"/>
-      </xsd:simpleType>
-    </xsd:element>
-    <xsd:element name="InternalTagsTaxHTField0" ma:index="48" nillable="true" ma:taxonomy="true" ma:internalName="InternalTagsTaxHTField0" ma:taxonomyFieldName="InternalTags" ma:displayName="Internal Tags" ma:readOnly="false" ma:default="" ma:fieldId="{1490b8a4-2706-41ec-b5e3-73176dccf34e}" ma:taxonomyMulti="true" ma:sspId="8f79753a-75d3-41f5-8ca3-40b843941b4f" ma:termSetId="82b6639e-f7fc-4c18-ad2d-003a6e707765" ma:anchorId="00000000-0000-0000-0000-000000000000" ma:open="false" ma:isKeyword="false">
-      <xsd:complexType>
-        <xsd:sequence>
-          <xsd:element ref="pc:Terms" minOccurs="0" maxOccurs="1"/>
-        </xsd:sequence>
-      </xsd:complexType>
-    </xsd:element>
-    <xsd:element name="IntlLangReview" ma:index="49" nillable="true" ma:displayName="Intl Lang QA Review Required?" ma:default="" ma:internalName="IntlLangReview" ma:readOnly="false">
-      <xsd:simpleType>
-        <xsd:restriction base="dms:Boolean"/>
-      </xsd:simpleType>
-    </xsd:element>
-    <xsd:element name="IntlLangReviewer" ma:index="50" nillable="true" ma:displayName="Intl Lang QA Reviewer" ma:default="" ma:internalName="IntlLangReviewer" ma:readOnly="false">
-      <xsd:simpleType>
-        <xsd:restriction base="dms:Text"/>
-      </xsd:simpleType>
-    </xsd:element>
-    <xsd:element name="MarketSpecific" ma:index="51" nillable="true" ma:displayName="Is Market Specific?" ma:default="" ma:internalName="MarketSpecific" ma:readOnly="false">
-      <xsd:simpleType>
-        <xsd:restriction base="dms:Boolean"/>
-      </xsd:simpleType>
-    </xsd:element>
-    <xsd:element name="LastCompleteVersionLookup" ma:index="52" nillable="true" ma:displayName="Last Complete Version Lookup" ma:default="" ma:list="{9E343742-310B-4684-A24C-1D137CB4B230}" ma:internalName="LastCompleteVersionLookup" ma:readOnly="true" ma:showField="LastCompleteVersion" ma:web="4873beb7-5857-4685-be1f-d57550cc96cc">
-      <xsd:complexType>
-        <xsd:complexContent>
-          <xsd:extension base="dms:MultiChoiceLookup">
-            <xsd:sequence>
-              <xsd:element name="Value" type="dms:Lookup" maxOccurs="unbounded" minOccurs="0" nillable="true"/>
-            </xsd:sequence>
-          </xsd:extension>
-        </xsd:complexContent>
-      </xsd:complexType>
-    </xsd:element>
-    <xsd:element name="LastHandOff" ma:index="53" nillable="true" ma:displayName="Last Hand-off" ma:default="" ma:internalName="LastHandOff" ma:readOnly="false">
-      <xsd:simpleType>
-        <xsd:restriction base="dms:DateTime"/>
-      </xsd:simpleType>
-    </xsd:element>
-    <xsd:element name="LastModifiedDateTime" ma:index="54" nillable="true" ma:displayName="Last Modified Date" ma:default="" ma:internalName="LastModifiedDateTime" ma:readOnly="false">
-      <xsd:simpleType>
-        <xsd:restriction base="dms:DateTime"/>
-      </xsd:simpleType>
-    </xsd:element>
-    <xsd:element name="LastPreviewErrorLookup" ma:index="55" nillable="true" ma:displayName="Last Preview Attempt Error" ma:default="" ma:list="{9E343742-310B-4684-A24C-1D137CB4B230}" ma:internalName="LastPreviewErrorLookup" ma:readOnly="true" ma:showField="LastPreviewError" ma:web="4873beb7-5857-4685-be1f-d57550cc96cc">
-      <xsd:complexType>
-        <xsd:complexContent>
-          <xsd:extension base="dms:MultiChoiceLookup">
-            <xsd:sequence>
-              <xsd:element name="Value" type="dms:Lookup" maxOccurs="unbounded" minOccurs="0" nillable="true"/>
-            </xsd:sequence>
-          </xsd:extension>
-        </xsd:complexContent>
-      </xsd:complexType>
-    </xsd:element>
-    <xsd:element name="LastPreviewResultLookup" ma:index="56" nillable="true" ma:displayName="Last Preview Attempt Result" ma:default="" ma:list="{9E343742-310B-4684-A24C-1D137CB4B230}" ma:internalName="LastPreviewResultLookup" ma:readOnly="true" ma:showField="LastPreviewResult" ma:web="4873beb7-5857-4685-be1f-d57550cc96cc">
-      <xsd:complexType>
-        <xsd:complexContent>
-          <xsd:extension base="dms:MultiChoiceLookup">
-            <xsd:sequence>
-              <xsd:element name="Value" type="dms:Lookup" maxOccurs="unbounded" minOccurs="0" nillable="true"/>
-            </xsd:sequence>
-          </xsd:extension>
-        </xsd:complexContent>
-      </xsd:complexType>
-    </xsd:element>
-    <xsd:element name="LastPreviewAttemptDateLookup" ma:index="57" nillable="true" ma:displayName="Last Preview Attempted On" ma:default="" ma:list="{9E343742-310B-4684-A24C-1D137CB4B230}" ma:internalName="LastPreviewAttemptDateLookup" ma:readOnly="true" ma:showField="LastPreviewAttemptDate" ma:web="4873beb7-5857-4685-be1f-d57550cc96cc">
-      <xsd:complexType>
-        <xsd:complexContent>
-          <xsd:extension base="dms:MultiChoiceLookup">
-            <xsd:sequence>
-              <xsd:element name="Value" type="dms:Lookup" maxOccurs="unbounded" minOccurs="0" nillable="true"/>
-            </xsd:sequence>
-          </xsd:extension>
-        </xsd:complexContent>
-      </xsd:complexType>
-    </xsd:element>
-    <xsd:element name="LastPreviewedByLookup" ma:index="58" nillable="true" ma:displayName="Last Previewed By" ma:default="" ma:list="{9E343742-310B-4684-A24C-1D137CB4B230}" ma:internalName="LastPreviewedByLookup" ma:readOnly="true" ma:showField="LastPreviewedBy" ma:web="4873beb7-5857-4685-be1f-d57550cc96cc">
-      <xsd:complexType>
-        <xsd:complexContent>
-          <xsd:extension base="dms:MultiChoiceLookup">
-            <xsd:sequence>
-              <xsd:element name="Value" type="dms:Lookup" maxOccurs="unbounded" minOccurs="0" nillable="true"/>
-            </xsd:sequence>
-          </xsd:extension>
-        </xsd:complexContent>
-      </xsd:complexType>
-    </xsd:element>
-    <xsd:element name="LastPreviewTimeLookup" ma:index="59" nillable="true" ma:displayName="Last Previewed Date" ma:default="" ma:list="{9E343742-310B-4684-A24C-1D137CB4B230}" ma:internalName="LastPreviewTimeLookup" ma:readOnly="true" ma:showField="LastPreviewTime" ma:web="4873beb7-5857-4685-be1f-d57550cc96cc">
-      <xsd:complexType>
-        <xsd:complexContent>
-          <xsd:extension base="dms:MultiChoiceLookup">
-            <xsd:sequence>
-              <xsd:element name="Value" type="dms:Lookup" maxOccurs="unbounded" minOccurs="0" nillable="true"/>
-            </xsd:sequence>
-          </xsd:extension>
-        </xsd:complexContent>
-      </xsd:complexType>
-    </xsd:element>
-    <xsd:element name="LastPreviewVersionLookup" ma:index="60" nillable="true" ma:displayName="Last Previewed Version" ma:default="" ma:list="{9E343742-310B-4684-A24C-1D137CB4B230}" ma:internalName="LastPreviewVersionLookup" ma:readOnly="true" ma:showField="LastPreviewVersion" ma:web="4873beb7-5857-4685-be1f-d57550cc96cc">
-      <xsd:complexType>
-        <xsd:complexContent>
-          <xsd:extension base="dms:MultiChoiceLookup">
-            <xsd:sequence>
-              <xsd:element name="Value" type="dms:Lookup" maxOccurs="unbounded" minOccurs="0" nillable="true"/>
-            </xsd:sequence>
-          </xsd:extension>
-        </xsd:complexContent>
-      </xsd:complexType>
-    </xsd:element>
-    <xsd:element name="LastPublishErrorLookup" ma:index="61" nillable="true" ma:displayName="Last Publish Attempt Error" ma:default="" ma:list="{9E343742-310B-4684-A24C-1D137CB4B230}" ma:internalName="LastPublishErrorLookup" ma:readOnly="true" ma:showField="LastPublishError" ma:web="4873beb7-5857-4685-be1f-d57550cc96cc">
-      <xsd:complexType>
-        <xsd:complexContent>
-          <xsd:extension base="dms:MultiChoiceLookup">
-            <xsd:sequence>
-              <xsd:element name="Value" type="dms:Lookup" maxOccurs="unbounded" minOccurs="0" nillable="true"/>
-            </xsd:sequence>
-          </xsd:extension>
-        </xsd:complexContent>
-      </xsd:complexType>
-    </xsd:element>
-    <xsd:element name="LastPublishResultLookup" ma:index="62" nillable="true" ma:displayName="Last Publish Attempt Result" ma:default="" ma:list="{9E343742-310B-4684-A24C-1D137CB4B230}" ma:internalName="LastPublishResultLookup" ma:readOnly="true" ma:showField="LastPublishResult" ma:web="4873beb7-5857-4685-be1f-d57550cc96cc">
-      <xsd:complexType>
-        <xsd:complexContent>
-          <xsd:extension base="dms:MultiChoiceLookup">
-            <xsd:sequence>
-              <xsd:element name="Value" type="dms:Lookup" maxOccurs="unbounded" minOccurs="0" nillable="true"/>
-            </xsd:sequence>
-          </xsd:extension>
-        </xsd:complexContent>
-      </xsd:complexType>
-    </xsd:element>
-    <xsd:element name="LastPublishAttemptDateLookup" ma:index="63" nillable="true" ma:displayName="Last Publish Attempted On" ma:default="" ma:list="{9E343742-310B-4684-A24C-1D137CB4B230}" ma:internalName="LastPublishAttemptDateLookup" ma:readOnly="true" ma:showField="LastPublishAttemptDate" ma:web="4873beb7-5857-4685-be1f-d57550cc96cc">
-      <xsd:complexType>
-        <xsd:complexContent>
-          <xsd:extension base="dms:MultiChoiceLookup">
-            <xsd:sequence>
-              <xsd:element name="Value" type="dms:Lookup" maxOccurs="unbounded" minOccurs="0" nillable="true"/>
-            </xsd:sequence>
-          </xsd:extension>
-        </xsd:complexContent>
-      </xsd:complexType>
-    </xsd:element>
-    <xsd:element name="LastPublishedByLookup" ma:index="64" nillable="true" ma:displayName="Last Published By" ma:default="" ma:list="{9E343742-310B-4684-A24C-1D137CB4B230}" ma:internalName="LastPublishedByLookup" ma:readOnly="true" ma:showField="LastPublishedBy" ma:web="4873beb7-5857-4685-be1f-d57550cc96cc">
-      <xsd:complexType>
-        <xsd:complexContent>
-          <xsd:extension base="dms:MultiChoiceLookup">
-            <xsd:sequence>
-              <xsd:element name="Value" type="dms:Lookup" maxOccurs="unbounded" minOccurs="0" nillable="true"/>
-            </xsd:sequence>
-          </xsd:extension>
-        </xsd:complexContent>
-      </xsd:complexType>
-    </xsd:element>
-    <xsd:element name="LastPublishTimeLookup" ma:index="65" nillable="true" ma:displayName="Last Published Date" ma:default="" ma:list="{9E343742-310B-4684-A24C-1D137CB4B230}" ma:internalName="LastPublishTimeLookup" ma:readOnly="true" ma:showField="LastPublishTime" ma:web="4873beb7-5857-4685-be1f-d57550cc96cc">
-      <xsd:complexType>
-        <xsd:complexContent>
-          <xsd:extension base="dms:MultiChoiceLookup">
-            <xsd:sequence>
-              <xsd:element name="Value" type="dms:Lookup" maxOccurs="unbounded" minOccurs="0" nillable="true"/>
-            </xsd:sequence>
-          </xsd:extension>
-        </xsd:complexContent>
-      </xsd:complexType>
-    </xsd:element>
-    <xsd:element name="LastPublishVersionLookup" ma:index="66" nillable="true" ma:displayName="Last Published Version" ma:default="" ma:list="{9E343742-310B-4684-A24C-1D137CB4B230}" ma:internalName="LastPublishVersionLookup" ma:readOnly="true" ma:showField="LastPublishVersion" ma:web="4873beb7-5857-4685-be1f-d57550cc96cc">
-      <xsd:complexType>
-        <xsd:complexContent>
-          <xsd:extension base="dms:MultiChoiceLookup">
-            <xsd:sequence>
-              <xsd:element name="Value" type="dms:Lookup" maxOccurs="unbounded" minOccurs="0" nillable="true"/>
-            </xsd:sequence>
-          </xsd:extension>
-        </xsd:complexContent>
-      </xsd:complexType>
-    </xsd:element>
-    <xsd:element name="TPLaunchHelpLinkType" ma:index="67" nillable="true" ma:displayName="Launch Help Link Type" ma:default="Template" ma:internalName="TPLaunchHelpLinkType">
-      <xsd:simpleType>
-        <xsd:restriction base="dms:Choice">
-          <xsd:enumeration value="Template"/>
-          <xsd:enumeration value="Training"/>
-          <xsd:enumeration value="URL"/>
-          <xsd:enumeration value="None"/>
-        </xsd:restriction>
-      </xsd:simpleType>
-    </xsd:element>
-    <xsd:element name="LegacyData" ma:index="68" nillable="true" ma:displayName="Legacy Data" ma:default="" ma:internalName="LegacyData" ma:readOnly="false">
-      <xsd:simpleType>
-        <xsd:restriction base="dms:Note"/>
-      </xsd:simpleType>
-    </xsd:element>
-    <xsd:element name="TPLaunchHelpLink" ma:index="69" nillable="true" ma:displayName="Link to Launch Help Topic" ma:default="" ma:internalName="TPLaunchHelpLink">
-      <xsd:simpleType>
-        <xsd:restriction base="dms:Text"/>
-      </xsd:simpleType>
-    </xsd:element>
-    <xsd:element name="LocComments" ma:index="70" nillable="true" ma:displayName="Loc Approval Comments" ma:default="" ma:internalName="LocComments" ma:readOnly="false">
-      <xsd:simpleType>
-        <xsd:restriction base="dms:Note"/>
-      </xsd:simpleType>
-    </xsd:element>
-    <xsd:element name="LocLastLocAttemptVersionLookup" ma:index="71" nillable="true" ma:displayName="Loc Last Loc Attempt Version" ma:default="" ma:list="{7DD1DCEC-E449-43D3-891F-7DC62F62AD21}" ma:internalName="LocLastLocAttemptVersionLookup" ma:readOnly="false" ma:showField="LastLocAttemptVersion" ma:web="4873beb7-5857-4685-be1f-d57550cc96cc">
-      <xsd:simpleType>
-        <xsd:restriction base="dms:Lookup"/>
-      </xsd:simpleType>
-    </xsd:element>
-    <xsd:element name="LocLastLocAttemptVersionTypeLookup" ma:index="72" nillable="true" ma:displayName="Loc Last Loc Attempt Version Type" ma:default="" ma:list="{7DD1DCEC-E449-43D3-891F-7DC62F62AD21}" ma:internalName="LocLastLocAttemptVersionTypeLookup" ma:readOnly="true" ma:showField="LastLocAttemptVersionType" ma:web="4873beb7-5857-4685-be1f-d57550cc96cc">
-      <xsd:simpleType>
-        <xsd:restriction base="dms:Lookup"/>
-      </xsd:simpleType>
-    </xsd:element>
-    <xsd:element name="LocManualTestRequired" ma:index="73" nillable="true" ma:displayName="Loc Manual Test Required" ma:default="" ma:internalName="LocManualTestRequired" ma:readOnly="false">
-      <xsd:simpleType>
-        <xsd:restriction base="dms:Boolean"/>
-      </xsd:simpleType>
-    </xsd:element>
-    <xsd:element name="LocMarketGroupTiers2" ma:index="74" nillable="true" ma:displayName="Loc Market Group Tiers" ma:internalName="LocMarketGroupTiers2" ma:readOnly="false">
-      <xsd:simpleType>
-        <xsd:restriction base="dms:Unknown"/>
-      </xsd:simpleType>
-    </xsd:element>
-    <xsd:element name="LocNewPublishedVersionLookup" ma:index="75" nillable="true" ma:displayName="Loc New Published Version Lookup" ma:default="" ma:list="{7DD1DCEC-E449-43D3-891F-7DC62F62AD21}" ma:internalName="LocNewPublishedVersionLookup" ma:readOnly="true" ma:showField="NewPublishedVersion" ma:web="4873beb7-5857-4685-be1f-d57550cc96cc">
-      <xsd:simpleType>
-        <xsd:restriction base="dms:Lookup"/>
-      </xsd:simpleType>
-    </xsd:element>
-    <xsd:element name="LocOverallHandbackStatusLookup" ma:index="76" nillable="true" ma:displayName="Loc Overall Handback Status" ma:default="" ma:list="{7DD1DCEC-E449-43D3-891F-7DC62F62AD21}" ma:internalName="LocOverallHandbackStatusLookup" ma:readOnly="true" ma:showField="OverallHandbackStatus" ma:web="4873beb7-5857-4685-be1f-d57550cc96cc">
-      <xsd:simpleType>
-        <xsd:restriction base="dms:Lookup"/>
-      </xsd:simpleType>
-    </xsd:element>
-    <xsd:element name="LocOverallLocStatusLookup" ma:index="77" nillable="true" ma:displayName="Loc Overall Localize Status" ma:default="" ma:list="{7DD1DCEC-E449-43D3-891F-7DC62F62AD21}" ma:internalName="LocOverallLocStatusLookup" ma:readOnly="true" ma:showField="OverallLocStatus" ma:web="4873beb7-5857-4685-be1f-d57550cc96cc">
-      <xsd:simpleType>
-        <xsd:restriction base="dms:Lookup"/>
-      </xsd:simpleType>
-    </xsd:element>
-    <xsd:element name="LocOverallPreviewStatusLookup" ma:index="78" nillable="true" ma:displayName="Loc Overall Preview Status" ma:default="" ma:list="{7DD1DCEC-E449-43D3-891F-7DC62F62AD21}" ma:internalName="LocOverallPreviewStatusLookup" ma:readOnly="true" ma:showField="OverallPreviewStatus" ma:web="4873beb7-5857-4685-be1f-d57550cc96cc">
-      <xsd:simpleType>
-        <xsd:restriction base="dms:Lookup"/>
-      </xsd:simpleType>
-    </xsd:element>
-    <xsd:element name="LocOverallPublishStatusLookup" ma:index="79" nillable="true" ma:displayName="Loc Overall Publish Status" ma:default="" ma:list="{7DD1DCEC-E449-43D3-891F-7DC62F62AD21}" ma:internalName="LocOverallPublishStatusLookup" ma:readOnly="true" ma:showField="OverallPublishStatus" ma:web="4873beb7-5857-4685-be1f-d57550cc96cc">
-      <xsd:simpleType>
-        <xsd:restriction base="dms:Lookup"/>
-      </xsd:simpleType>
-    </xsd:element>
-    <xsd:element name="IntlLocPriority" ma:index="80" nillable="true" ma:displayName="Loc Priority" ma:default="" ma:internalName="IntlLocPriority" ma:readOnly="false">
-      <xsd:simpleType>
-        <xsd:restriction base="dms:Unknown"/>
-      </xsd:simpleType>
-    </xsd:element>
-    <xsd:element name="LocProcessedForHandoffsLookup" ma:index="81" nillable="true" ma:displayName="Loc Processed For Handoffs" ma:default="" ma:list="{7DD1DCEC-E449-43D3-891F-7DC62F62AD21}" ma:internalName="LocProcessedForHandoffsLookup" ma:readOnly="true" ma:showField="ProcessedForHandoffs" ma:web="4873beb7-5857-4685-be1f-d57550cc96cc">
-      <xsd:simpleType>
-        <xsd:restriction base="dms:Lookup"/>
-      </xsd:simpleType>
-    </xsd:element>
-    <xsd:element name="LocProcessedForMarketsLookup" ma:index="82" nillable="true" ma:displayName="Loc Processed For Markets" ma:default="" ma:list="{7DD1DCEC-E449-43D3-891F-7DC62F62AD21}" ma:internalName="LocProcessedForMarketsLookup" ma:readOnly="true" ma:showField="ProcessedForMarkets" ma:web="4873beb7-5857-4685-be1f-d57550cc96cc">
-      <xsd:simpleType>
-        <xsd:restriction base="dms:Lookup"/>
-      </xsd:simpleType>
-    </xsd:element>
-    <xsd:element name="LocPublishedDependentAssetsLookup" ma:index="83" nillable="true" ma:displayName="Loc Published Dependent Assets" ma:default="" ma:list="{7DD1DCEC-E449-43D3-891F-7DC62F62AD21}" ma:internalName="LocPublishedDependentAssetsLookup" ma:readOnly="true" ma:showField="PublishedDependentAssets" ma:web="4873beb7-5857-4685-be1f-d57550cc96cc">
-      <xsd:simpleType>
-        <xsd:restriction base="dms:Lookup"/>
-      </xsd:simpleType>
-    </xsd:element>
-    <xsd:element name="LocPublishedLinkedAssetsLookup" ma:index="84" nillable="true" ma:displayName="Loc Published Linked Assets" ma:default="" ma:list="{7DD1DCEC-E449-43D3-891F-7DC62F62AD21}" ma:internalName="LocPublishedLinkedAssetsLookup" ma:readOnly="true" ma:showField="PublishedLinkedAssets" ma:web="4873beb7-5857-4685-be1f-d57550cc96cc">
-      <xsd:simpleType>
-        <xsd:restriction base="dms:Lookup"/>
-      </xsd:simpleType>
-    </xsd:element>
-    <xsd:element name="LocRecommendedHandoff" ma:index="85" nillable="true" ma:displayName="Loc Recommended Handoff" ma:default="" ma:indexed="true" ma:internalName="LocRecommendedHandoff" ma:readOnly="false">
-      <xsd:simpleType>
-        <xsd:restriction base="dms:Text"/>
-      </xsd:simpleType>
-    </xsd:element>
-    <xsd:element name="LocalizationTagsTaxHTField0" ma:index="87" nillable="true" ma:taxonomy="true" ma:internalName="LocalizationTagsTaxHTField0" ma:taxonomyFieldName="LocalizationTags" ma:displayName="Localization Tags" ma:readOnly="false" ma:default="" ma:fieldId="{00f02cb3-2c7c-424a-9c61-10e9b6878429}" ma:taxonomyMulti="true" ma:sspId="8f79753a-75d3-41f5-8ca3-40b843941b4f" ma:termSetId="5b7703a5-8e8b-4b58-8b31-1cea35331da3" ma:anchorId="00000000-0000-0000-0000-000000000000" ma:open="false" ma:isKeyword="false">
-      <xsd:complexType>
-        <xsd:sequence>
-          <xsd:element ref="pc:Terms" minOccurs="0" maxOccurs="1"/>
-        </xsd:sequence>
-      </xsd:complexType>
-    </xsd:element>
-    <xsd:element name="MachineTranslated" ma:index="88" nillable="true" ma:displayName="Machine Translated" ma:default="" ma:internalName="MachineTranslated" ma:readOnly="false">
-      <xsd:simpleType>
-        <xsd:restriction base="dms:Boolean"/>
-      </xsd:simpleType>
-    </xsd:element>
-    <xsd:element name="Manager" ma:index="89" nillable="true" ma:displayName="Manager" ma:hidden="true" ma:internalName="Manager" ma:readOnly="false">
-      <xsd:simpleType>
-        <xsd:restriction base="dms:Text"/>
-      </xsd:simpleType>
-    </xsd:element>
-    <xsd:element name="Markets" ma:index="90" nillable="true" ma:displayName="Markets" ma:default="" ma:description="Leave blank to show in all markets" ma:list="{2FBD1B11-2ACE-4FDC-B5A3-635D4ADF6F1B}" ma:internalName="Markets" ma:readOnly="false" ma:showField="MarketName" ma:web="4873beb7-5857-4685-be1f-d57550cc96cc">
-      <xsd:complexType>
-        <xsd:complexContent>
-          <xsd:extension base="dms:MultiChoiceLookup">
-            <xsd:sequence>
-              <xsd:element name="Value" type="dms:Lookup" maxOccurs="unbounded" minOccurs="0" nillable="true"/>
-            </xsd:sequence>
-          </xsd:extension>
-        </xsd:complexContent>
-      </xsd:complexType>
-    </xsd:element>
-    <xsd:element name="Milestone" ma:index="91" nillable="true" ma:displayName="Milestone" ma:default="" ma:internalName="Milestone" ma:readOnly="false">
-      <xsd:simpleType>
-        <xsd:restriction base="dms:Unknown"/>
-      </xsd:simpleType>
-    </xsd:element>
-    <xsd:element name="TPNamespace" ma:index="94" nillable="true" ma:displayName="Namespace" ma:default="" ma:internalName="TPNamespace">
-      <xsd:simpleType>
-        <xsd:restriction base="dms:Text"/>
-      </xsd:simpleType>
-    </xsd:element>
-    <xsd:element name="NumericId" ma:index="95" nillable="true" ma:displayName="Numeric ID" ma:default="" ma:indexed="true" ma:internalName="NumericId" ma:readOnly="false">
-      <xsd:simpleType>
-        <xsd:restriction base="dms:Number"/>
-      </xsd:simpleType>
-    </xsd:element>
-    <xsd:element name="NumOfRatingsLookup" ma:index="96" nillable="true" ma:displayName="NumOfRatings" ma:default="" ma:list="{9E343742-310B-4684-A24C-1D137CB4B230}" ma:internalName="NumOfRatingsLookup" ma:readOnly="true" ma:showField="NumOfRatings" ma:web="4873beb7-5857-4685-be1f-d57550cc96cc">
-      <xsd:complexType>
-        <xsd:complexContent>
-          <xsd:extension base="dms:MultiChoiceLookup">
-            <xsd:sequence>
-              <xsd:element name="Value" type="dms:Lookup" maxOccurs="unbounded" minOccurs="0" nillable="true"/>
-            </xsd:sequence>
-          </xsd:extension>
-        </xsd:complexContent>
-      </xsd:complexType>
-    </xsd:element>
-    <xsd:element name="OOCacheId" ma:index="97" nillable="true" ma:displayName="OOCacheId" ma:internalName="OOCacheId" ma:readOnly="false">
-      <xsd:simpleType>
-        <xsd:restriction base="dms:Text"/>
-      </xsd:simpleType>
-    </xsd:element>
-    <xsd:element name="OpenTemplate" ma:index="98" nillable="true" ma:displayName="Open Template" ma:default="true" ma:internalName="OpenTemplate">
-      <xsd:simpleType>
-        <xsd:restriction base="dms:Boolean"/>
-      </xsd:simpleType>
-    </xsd:element>
-    <xsd:element name="OriginAsset" ma:index="99" nillable="true" ma:displayName="Origin Asset" ma:default="" ma:internalName="OriginAsset" ma:readOnly="false">
-      <xsd:simpleType>
-        <xsd:restriction base="dms:Text"/>
-      </xsd:simpleType>
-    </xsd:element>
-    <xsd:element name="OriginalRelease" ma:index="100" nillable="true" ma:displayName="Original Release" ma:default="15" ma:internalName="OriginalRelease" ma:readOnly="false">
-      <xsd:simpleType>
-        <xsd:restriction base="dms:Choice">
-          <xsd:enumeration value="14"/>
-          <xsd:enumeration value="15"/>
-          <xsd:enumeration value="16"/>
-        </xsd:restriction>
-      </xsd:simpleType>
-    </xsd:element>
-    <xsd:element name="OriginalSourceMarket" ma:index="101" nillable="true" ma:displayName="Original Source Market Group" ma:default="" ma:internalName="OriginalSourceMarket" ma:readOnly="false">
-      <xsd:simpleType>
-        <xsd:restriction base="dms:Text"/>
-      </xsd:simpleType>
-    </xsd:element>
-    <xsd:element name="OutputCachingOn" ma:index="102" nillable="true" ma:displayName="Output Caching" ma:default="true" ma:hidden="true" ma:internalName="OutputCachingOn" ma:readOnly="false">
-      <xsd:simpleType>
-        <xsd:restriction base="dms:Boolean"/>
-      </xsd:simpleType>
-    </xsd:element>
-    <xsd:element name="ParentAssetId" ma:index="103" nillable="true" ma:displayName="Parent Asset Id" ma:default="" ma:internalName="ParentAssetId" ma:readOnly="false">
-      <xsd:simpleType>
-        <xsd:restriction base="dms:Text"/>
-      </xsd:simpleType>
-    </xsd:element>
-    <xsd:element name="PlannedPubDate" ma:index="104" nillable="true" ma:displayName="Planned Publish Date" ma:default="" ma:indexed="true" ma:internalName="PlannedPubDate" ma:readOnly="false">
-      <xsd:simpleType>
-        <xsd:restriction base="dms:DateTime"/>
-      </xsd:simpleType>
-    </xsd:element>
-    <xsd:element name="PolicheckWords" ma:index="105" nillable="true" ma:displayName="Policheck Words" ma:default="" ma:internalName="PolicheckWords" ma:readOnly="false">
-      <xsd:simpleType>
-        <xsd:restriction base="dms:Text"/>
-      </xsd:simpleType>
-    </xsd:element>
-    <xsd:element name="BusinessGroup" ma:index="106" nillable="true" ma:displayName="Product Division Owner" ma:default="" ma:internalName="BusinessGroup" ma:readOnly="false">
-      <xsd:simpleType>
-        <xsd:restriction base="dms:Unknown"/>
-      </xsd:simpleType>
-    </xsd:element>
-    <xsd:element name="UAProjectedTotalWords" ma:index="107" nillable="true" ma:displayName="Projected Word Count" ma:default="" ma:internalName="UAProjectedTotalWords" ma:readOnly="false">
-      <xsd:simpleType>
-        <xsd:restriction base="dms:Unknown"/>
-      </xsd:simpleType>
-    </xsd:element>
-    <xsd:element name="Provider" ma:index="108" nillable="true" ma:displayName="Provider" ma:default="" ma:internalName="Provider" ma:readOnly="false">
-      <xsd:simpleType>
-        <xsd:restriction base="dms:Unknown"/>
-      </xsd:simpleType>
-    </xsd:element>
-    <xsd:element name="Providers" ma:index="109" nillable="true" ma:displayName="Providers" ma:default="" ma:internalName="Providers">
-      <xsd:simpleType>
-        <xsd:restriction base="dms:Unknown"/>
-      </xsd:simpleType>
-    </xsd:element>
-    <xsd:element name="PublishStatusLookup" ma:index="110" nillable="true" ma:displayName="Publish Status" ma:default="" ma:list="{9E343742-310B-4684-A24C-1D137CB4B230}" ma:internalName="PublishStatusLookup" ma:readOnly="false" ma:showField="PublishStatus" ma:web="4873beb7-5857-4685-be1f-d57550cc96cc">
-      <xsd:complexType>
-        <xsd:complexContent>
-          <xsd:extension base="dms:MultiChoiceLookup">
-            <xsd:sequence>
-              <xsd:element name="Value" type="dms:Lookup" maxOccurs="unbounded" minOccurs="0" nillable="true"/>
-            </xsd:sequence>
-          </xsd:extension>
-        </xsd:complexContent>
-      </xsd:complexType>
-    </xsd:element>
-    <xsd:element name="PublishTargets" ma:index="111" nillable="true" ma:displayName="Publish Target" ma:default="OfficeOnlineVNext" ma:internalName="PublishTargets" ma:readOnly="false">
-      <xsd:simpleType>
-        <xsd:restriction base="dms:Unknown"/>
-      </xsd:simpleType>
-    </xsd:element>
-    <xsd:element name="RecommendationsModifier" ma:index="112" nillable="true" ma:displayName="Recommendations Modifier" ma:default="" ma:internalName="RecommendationsModifier" ma:readOnly="false">
-      <xsd:simpleType>
-        <xsd:restriction base="dms:Number"/>
-      </xsd:simpleType>
-    </xsd:element>
-    <xsd:element name="ArtSampleDocs" ma:index="113" nillable="true" ma:displayName="Sample Docs" ma:default="" ma:hidden="true" ma:internalName="ArtSampleDocs" ma:readOnly="false">
-      <xsd:simpleType>
-        <xsd:restriction base="dms:Text"/>
-      </xsd:simpleType>
-    </xsd:element>
-    <xsd:element name="ScenarioTagsTaxHTField0" ma:index="115" nillable="true" ma:taxonomy="true" ma:internalName="ScenarioTagsTaxHTField0" ma:taxonomyFieldName="ScenarioTags" ma:displayName="Scenarios" ma:readOnly="false" ma:default="" ma:fieldId="{93aef74d-6c78-4815-8310-51477dceeccc}" ma:taxonomyMulti="true" ma:sspId="8f79753a-75d3-41f5-8ca3-40b843941b4f" ma:termSetId="4b7d5f16-e2f2-4fc0-bab3-6e8b931e57d6" ma:anchorId="00000000-0000-0000-0000-000000000000" ma:open="false" ma:isKeyword="false">
-      <xsd:complexType>
-        <xsd:sequence>
-          <xsd:element ref="pc:Terms" minOccurs="0" maxOccurs="1"/>
-        </xsd:sequence>
-      </xsd:complexType>
-    </xsd:element>
-    <xsd:element name="ShowIn" ma:index="117" nillable="true" ma:displayName="Show In" ma:default="Show everywhere" ma:internalName="ShowIn" ma:readOnly="false">
-      <xsd:simpleType>
-        <xsd:restriction base="dms:Choice">
-          <xsd:enumeration value="Hide on web"/>
-          <xsd:enumeration value="On Web no search"/>
-          <xsd:enumeration value="Show everywhere"/>
-          <xsd:enumeration value="Special use only"/>
-        </xsd:restriction>
-      </xsd:simpleType>
-    </xsd:element>
-    <xsd:element name="SourceTitle" ma:index="118" nillable="true" ma:displayName="Source Title" ma:default="" ma:indexed="true" ma:internalName="SourceTitle" ma:readOnly="false">
-      <xsd:simpleType>
-        <xsd:restriction base="dms:Text"/>
-      </xsd:simpleType>
-    </xsd:element>
-    <xsd:element name="CSXSubmissionDate" ma:index="119" nillable="true" ma:displayName="Submission Date" ma:default="" ma:internalName="CSXSubmissionDate" ma:readOnly="false">
-      <xsd:simpleType>
-        <xsd:restriction base="dms:DateTime"/>
-      </xsd:simpleType>
-    </xsd:element>
-    <xsd:element name="SubmitterId" ma:index="120" nillable="true" ma:displayName="Submitter ID" ma:default="" ma:internalName="SubmitterId" ma:readOnly="false">
-      <xsd:simpleType>
-        <xsd:restriction base="dms:Text"/>
-      </xsd:simpleType>
-    </xsd:element>
-    <xsd:element name="TaxCatchAll" ma:index="121" nillable="true" ma:displayName="Taxonomy Catch All Column" ma:hidden="true" ma:list="{530f955b-6704-4601-bd83-f81d87f1e440}" ma:internalName="TaxCatchAll" ma:showField="CatchAllData" ma:web="4873beb7-5857-4685-be1f-d57550cc96cc">
-      <xsd:complexType>
-        <xsd:complexContent>
-          <xsd:extension base="dms:MultiChoiceLookup">
-            <xsd:sequence>
-              <xsd:element name="Value" type="dms:Lookup" maxOccurs="unbounded" minOccurs="0" nillable="true"/>
-            </xsd:sequence>
-          </xsd:extension>
-        </xsd:complexContent>
-      </xsd:complexType>
-    </xsd:element>
-    <xsd:element name="TaxCatchAllLabel" ma:index="122" nillable="true" ma:displayName="Taxonomy Catch All Column1" ma:hidden="true" ma:list="{530f955b-6704-4601-bd83-f81d87f1e440}" ma:internalName="TaxCatchAllLabel" ma:readOnly="true" ma:showField="CatchAllDataLabel" ma:web="4873beb7-5857-4685-be1f-d57550cc96cc">
-      <xsd:complexType>
-        <xsd:complexContent>
-          <xsd:extension base="dms:MultiChoiceLookup">
-            <xsd:sequence>
-              <xsd:element name="Value" type="dms:Lookup" maxOccurs="unbounded" minOccurs="0" nillable="true"/>
-            </xsd:sequence>
-          </xsd:extension>
-        </xsd:complexContent>
-      </xsd:complexType>
-    </xsd:element>
-    <xsd:element name="TemplateStatus" ma:index="123" nillable="true" ma:displayName="Template Status" ma:default="" ma:internalName="TemplateStatus">
-      <xsd:simpleType>
-        <xsd:restriction base="dms:Unknown"/>
-      </xsd:simpleType>
-    </xsd:element>
-    <xsd:element name="TemplateTemplateType" ma:index="124" nillable="true" ma:displayName="Template Type" ma:default="" ma:internalName="TemplateTemplateType">
-      <xsd:simpleType>
-        <xsd:restriction base="dms:Unknown"/>
-      </xsd:simpleType>
-    </xsd:element>
-    <xsd:element name="ThumbnailAssetId" ma:index="125" nillable="true" ma:displayName="Thumbnail Image Asset" ma:default="" ma:internalName="ThumbnailAssetId" ma:readOnly="false">
-      <xsd:simpleType>
-        <xsd:restriction base="dms:Text"/>
-      </xsd:simpleType>
-    </xsd:element>
-    <xsd:element name="TimesCloned" ma:index="126" nillable="true" ma:displayName="Times Cloned" ma:default="" ma:internalName="TimesCloned" ma:readOnly="false">
-      <xsd:simpleType>
-        <xsd:restriction base="dms:Number"/>
-      </xsd:simpleType>
-    </xsd:element>
-    <xsd:element name="TrustLevel" ma:index="128" nillable="true" ma:displayName="Trust Level" ma:default="1 Microsoft Managed Content" ma:internalName="TrustLevel" ma:readOnly="false">
-      <xsd:simpleType>
-        <xsd:restriction base="dms:Unknown"/>
-      </xsd:simpleType>
-    </xsd:element>
-    <xsd:element name="UALocComments" ma:index="129" nillable="true" ma:displayName="UA Loc Comments" ma:default="" ma:internalName="UALocComments" ma:readOnly="false">
-      <xsd:simpleType>
-        <xsd:restriction base="dms:Note"/>
-      </xsd:simpleType>
-    </xsd:element>
-    <xsd:element name="UALocRecommendation" ma:index="130" nillable="true" ma:displayName="UA Loc Recommendation" ma:default="Localize" ma:internalName="UALocRecommendation" ma:readOnly="false">
-      <xsd:simpleType>
-        <xsd:restriction base="dms:Choice">
-          <xsd:enumeration value="Localize"/>
-          <xsd:enumeration value="Never Localize"/>
-          <xsd:enumeration value="Priority Localize"/>
-        </xsd:restriction>
-      </xsd:simpleType>
-    </xsd:element>
-    <xsd:element name="UANotes" ma:index="131" nillable="true" ma:displayName="UA Notes" ma:default="" ma:internalName="UANotes" ma:readOnly="false">
-      <xsd:simpleType>
-        <xsd:restriction base="dms:Note"/>
-      </xsd:simpleType>
-    </xsd:element>
-    <xsd:element name="TPAppVersion" ma:index="132" nillable="true" ma:displayName="Version" ma:default="" ma:internalName="TPAppVersion">
-      <xsd:simpleType>
-        <xsd:restriction base="dms:Text"/>
-      </xsd:simpleType>
-    </xsd:element>
-    <xsd:element name="VoteCount" ma:index="133" nillable="true" ma:displayName="Vote Count" ma:default="" ma:internalName="VoteCount" ma:readOnly="false">
-      <xsd:simpleType>
-        <xsd:restriction base="dms:Unknown"/>
-      </xsd:simpleType>
-    </xsd:element>
-  </xsd:schema>
-  <xsd:schema xmlns="http://schemas.openxmlformats.org/package/2006/metadata/core-properties" xmlns:xsd="http://www.w3.org/2001/XMLSchema" xmlns:xsi="http://www.w3.org/2001/XMLSchema-instance" xmlns:dc="http://purl.org/dc/elements/1.1/" xmlns:dcterms="http://purl.org/dc/terms/" xmlns:odoc="http://schemas.microsoft.com/internal/obd" targetNamespace="http://schemas.openxmlformats.org/package/2006/metadata/core-properties" elementFormDefault="qualified" attributeFormDefault="unqualified" blockDefault="#all">
-    <xsd:import namespace="http://purl.org/dc/elements/1.1/" schemaLocation="http://dublincore.org/schemas/xmls/qdc/2003/04/02/dc.xsd"/>
-    <xsd:import namespace="http://purl.org/dc/terms/" schemaLocation="http://dublincore.org/schemas/xmls/qdc/2003/04/02/dcterms.xsd"/>
-    <xsd:element name="coreProperties" type="CT_coreProperties"/>
-    <xsd:complexType name="CT_coreProperties">
-      <xsd:all>
-        <xsd:element ref="dc:creator" minOccurs="0" maxOccurs="1"/>
-        <xsd:element ref="dcterms:created" minOccurs="0" maxOccurs="1"/>
-        <xsd:element ref="dc:identifier" minOccurs="0" maxOccurs="1"/>
-        <xsd:element name="contentType" minOccurs="0" maxOccurs="1" type="xsd:string" ma:index="22" ma:displayName="Content Type"/>
-        <xsd:element ref="dc:title" minOccurs="0" maxOccurs="1" ma:index="127" ma:displayName="Title"/>
-        <xsd:element ref="dc:subject" minOccurs="0" maxOccurs="1"/>
-        <xsd:element ref="dc:description" minOccurs="0" maxOccurs="1"/>
-        <xsd:element name="keywords" minOccurs="0" maxOccurs="1" type="xsd:string"/>
-        <xsd:element ref="dc:language" minOccurs="0" maxOccurs="1"/>
-        <xsd:element name="category" minOccurs="0" maxOccurs="1" type="xsd:string"/>
-        <xsd:element name="version" minOccurs="0" maxOccurs="1" type="xsd:string"/>
-        <xsd:element name="revision" minOccurs="0" maxOccurs="1" type="xsd:string">
-          <xsd:annotation>
-            <xsd:documentation>
-                        This value indicates the number of saves or revisions. The application is responsible for updating this value after each revision.
-                    </xsd:documentation>
-          </xsd:annotation>
-        </xsd:element>
-        <xsd:element name="lastModifiedBy" minOccurs="0" maxOccurs="1" type="xsd:string"/>
-        <xsd:element ref="dcterms:modified" minOccurs="0" maxOccurs="1"/>
-        <xsd:element name="contentStatus" minOccurs="0" maxOccurs="1" type="xsd:string"/>
-      </xsd:all>
-    </xsd:complexType>
-  </xsd:schema>
-  <xs:schema xmlns:pc="http://schemas.microsoft.com/office/infopath/2007/PartnerControls" xmlns:xs="http://www.w3.org/2001/XMLSchema" targetNamespace="http://schemas.microsoft.com/office/infopath/2007/PartnerControls" elementFormDefault="qualified" attributeFormDefault="unqualified">
-    <xs:element name="Person">
-      <xs:complexType>
-        <xs:sequence>
-          <xs:element ref="pc:DisplayName" minOccurs="0"/>
-          <xs:element ref="pc:AccountId" minOccurs="0"/>
-          <xs:element ref="pc:AccountType" minOccurs="0"/>
-        </xs:sequence>
-      </xs:complexType>
-    </xs:element>
-    <xs:element name="DisplayName" type="xs:string"/>
-    <xs:element name="AccountId" type="xs:string"/>
-    <xs:element name="AccountType" type="xs:string"/>
-    <xs:element name="BDCAssociatedEntity">
-      <xs:complexType>
-        <xs:sequence>
-          <xs:element ref="pc:BDCEntity" minOccurs="0" maxOccurs="unbounded"/>
-        </xs:sequence>
-        <xs:attribute ref="pc:EntityNamespace"/>
-        <xs:attribute ref="pc:EntityName"/>
-        <xs:attribute ref="pc:SystemInstanceName"/>
-        <xs:attribute ref="pc:AssociationName"/>
-      </xs:complexType>
-    </xs:element>
-    <xs:attribute name="EntityNamespace" type="xs:string"/>
-    <xs:attribute name="EntityName" type="xs:string"/>
-    <xs:attribute name="SystemInstanceName" type="xs:string"/>
-    <xs:attribute name="AssociationName" type="xs:string"/>
-    <xs:element name="BDCEntity">
-      <xs:complexType>
-        <xs:sequence>
-          <xs:element ref="pc:EntityDisplayName" minOccurs="0"/>
-          <xs:element ref="pc:EntityInstanceReference" minOccurs="0"/>
-          <xs:element ref="pc:EntityId1" minOccurs="0"/>
-          <xs:element ref="pc:EntityId2" minOccurs="0"/>
-          <xs:element ref="pc:EntityId3" minOccurs="0"/>
-          <xs:element ref="pc:EntityId4" minOccurs="0"/>
-          <xs:element ref="pc:EntityId5" minOccurs="0"/>
-        </xs:sequence>
-      </xs:complexType>
-    </xs:element>
-    <xs:element name="EntityDisplayName" type="xs:string"/>
-    <xs:element name="EntityInstanceReference" type="xs:string"/>
-    <xs:element name="EntityId1" type="xs:string"/>
-    <xs:element name="EntityId2" type="xs:string"/>
-    <xs:element name="EntityId3" type="xs:string"/>
-    <xs:element name="EntityId4" type="xs:string"/>
-    <xs:element name="EntityId5" type="xs:string"/>
-    <xs:element name="Terms">
-      <xs:complexType>
-        <xs:sequence>
-          <xs:element ref="pc:TermInfo" minOccurs="0" maxOccurs="unbounded"/>
-        </xs:sequence>
-      </xs:complexType>
-    </xs:element>
-    <xs:element name="TermInfo">
-      <xs:complexType>
-        <xs:sequence>
-          <xs:element ref="pc:TermName" minOccurs="0"/>
-          <xs:element ref="pc:TermId" minOccurs="0"/>
-        </xs:sequence>
-      </xs:complexType>
-    </xs:element>
-    <xs:element name="TermName" type="xs:string"/>
-    <xs:element name="TermId" type="xs:string"/>
-  </xs:schema>
-</ct:contentTypeSchema>
-</file>
-
-<file path=customXml/item2.xml><?xml version="1.0" encoding="utf-8"?>
-<p:properties xmlns:p="http://schemas.microsoft.com/office/2006/metadata/properties" xmlns:xsi="http://www.w3.org/2001/XMLSchema-instance" xmlns:pc="http://schemas.microsoft.com/office/infopath/2007/PartnerControls">
-  <documentManagement>
-    <APDescription xmlns="4873beb7-5857-4685-be1f-d57550cc96cc" xsi:nil="true"/>
-    <AssetExpire xmlns="4873beb7-5857-4685-be1f-d57550cc96cc">2029-01-01T08:00:00+00:00</AssetExpire>
-    <CampaignTagsTaxHTField0 xmlns="4873beb7-5857-4685-be1f-d57550cc96cc">
-      <Terms xmlns="http://schemas.microsoft.com/office/infopath/2007/PartnerControls"/>
-    </CampaignTagsTaxHTField0>
-    <IntlLangReviewDate xmlns="4873beb7-5857-4685-be1f-d57550cc96cc" xsi:nil="true"/>
-    <TPFriendlyName xmlns="4873beb7-5857-4685-be1f-d57550cc96cc" xsi:nil="true"/>
-    <IntlLangReview xmlns="4873beb7-5857-4685-be1f-d57550cc96cc">false</IntlLangReview>
-    <LocLastLocAttemptVersionLookup xmlns="4873beb7-5857-4685-be1f-d57550cc96cc">855024</LocLastLocAttemptVersionLookup>
-    <PolicheckWords xmlns="4873beb7-5857-4685-be1f-d57550cc96cc" xsi:nil="true"/>
-    <SubmitterId xmlns="4873beb7-5857-4685-be1f-d57550cc96cc" xsi:nil="true"/>
-    <AcquiredFrom xmlns="4873beb7-5857-4685-be1f-d57550cc96cc">Internal MS</AcquiredFrom>
-    <EditorialStatus xmlns="4873beb7-5857-4685-be1f-d57550cc96cc">Complete</EditorialStatus>
-    <Markets xmlns="4873beb7-5857-4685-be1f-d57550cc96cc"/>
-    <OriginAsset xmlns="4873beb7-5857-4685-be1f-d57550cc96cc" xsi:nil="true"/>
-    <AssetStart xmlns="4873beb7-5857-4685-be1f-d57550cc96cc">2012-08-31T08:50:00+00:00</AssetStart>
-    <FriendlyTitle xmlns="4873beb7-5857-4685-be1f-d57550cc96cc" xsi:nil="true"/>
-    <MarketSpecific xmlns="4873beb7-5857-4685-be1f-d57550cc96cc">false</MarketSpecific>
-    <TPNamespace xmlns="4873beb7-5857-4685-be1f-d57550cc96cc" xsi:nil="true"/>
-    <PublishStatusLookup xmlns="4873beb7-5857-4685-be1f-d57550cc96cc">
-      <Value>1616423</Value>
-    </PublishStatusLookup>
-    <APAuthor xmlns="4873beb7-5857-4685-be1f-d57550cc96cc">
-      <UserInfo>
-        <DisplayName>REDMOND\kristaa</DisplayName>
-        <AccountId>136</AccountId>
-        <AccountType/>
-      </UserInfo>
-    </APAuthor>
-    <TPCommandLine xmlns="4873beb7-5857-4685-be1f-d57550cc96cc" xsi:nil="true"/>
-    <IntlLangReviewer xmlns="4873beb7-5857-4685-be1f-d57550cc96cc" xsi:nil="true"/>
-    <OpenTemplate xmlns="4873beb7-5857-4685-be1f-d57550cc96cc">true</OpenTemplate>
-    <CSXSubmissionDate xmlns="4873beb7-5857-4685-be1f-d57550cc96cc" xsi:nil="true"/>
-    <TaxCatchAll xmlns="4873beb7-5857-4685-be1f-d57550cc96cc"/>
-    <Manager xmlns="4873beb7-5857-4685-be1f-d57550cc96cc" xsi:nil="true"/>
-    <NumericId xmlns="4873beb7-5857-4685-be1f-d57550cc96cc" xsi:nil="true"/>
-    <ParentAssetId xmlns="4873beb7-5857-4685-be1f-d57550cc96cc" xsi:nil="true"/>
-    <OriginalSourceMarket xmlns="4873beb7-5857-4685-be1f-d57550cc96cc" xsi:nil="true"/>
-    <ApprovalStatus xmlns="4873beb7-5857-4685-be1f-d57550cc96cc">InProgress</ApprovalStatus>
-    <TPComponent xmlns="4873beb7-5857-4685-be1f-d57550cc96cc" xsi:nil="true"/>
-    <EditorialTags xmlns="4873beb7-5857-4685-be1f-d57550cc96cc" xsi:nil="true"/>
-    <TPExecutable xmlns="4873beb7-5857-4685-be1f-d57550cc96cc" xsi:nil="true"/>
-    <TPLaunchHelpLink xmlns="4873beb7-5857-4685-be1f-d57550cc96cc" xsi:nil="true"/>
-    <LocComments xmlns="4873beb7-5857-4685-be1f-d57550cc96cc" xsi:nil="true"/>
-    <LocRecommendedHandoff xmlns="4873beb7-5857-4685-be1f-d57550cc96cc" xsi:nil="true"/>
-    <SourceTitle xmlns="4873beb7-5857-4685-be1f-d57550cc96cc" xsi:nil="true"/>
-    <CSXUpdate xmlns="4873beb7-5857-4685-be1f-d57550cc96cc">false</CSXUpdate>
-    <IntlLocPriority xmlns="4873beb7-5857-4685-be1f-d57550cc96cc" xsi:nil="true"/>
-    <UAProjectedTotalWords xmlns="4873beb7-5857-4685-be1f-d57550cc96cc" xsi:nil="true"/>
-    <AssetType xmlns="4873beb7-5857-4685-be1f-d57550cc96cc">TP</AssetType>
-    <MachineTranslated xmlns="4873beb7-5857-4685-be1f-d57550cc96cc">false</MachineTranslated>
-    <OutputCachingOn xmlns="4873beb7-5857-4685-be1f-d57550cc96cc">false</OutputCachingOn>
-    <TemplateStatus xmlns="4873beb7-5857-4685-be1f-d57550cc96cc">Complete</TemplateStatus>
-    <IsSearchable xmlns="4873beb7-5857-4685-be1f-d57550cc96cc">true</IsSearchable>
-    <ContentItem xmlns="4873beb7-5857-4685-be1f-d57550cc96cc" xsi:nil="true"/>
-    <HandoffToMSDN xmlns="4873beb7-5857-4685-be1f-d57550cc96cc" xsi:nil="true"/>
-    <ShowIn xmlns="4873beb7-5857-4685-be1f-d57550cc96cc">Show everywhere</ShowIn>
-    <ThumbnailAssetId xmlns="4873beb7-5857-4685-be1f-d57550cc96cc" xsi:nil="true"/>
-    <UALocComments xmlns="4873beb7-5857-4685-be1f-d57550cc96cc" xsi:nil="true"/>
-    <UALocRecommendation xmlns="4873beb7-5857-4685-be1f-d57550cc96cc">Localize</UALocRecommendation>
-    <LastModifiedDateTime xmlns="4873beb7-5857-4685-be1f-d57550cc96cc" xsi:nil="true"/>
-    <LegacyData xmlns="4873beb7-5857-4685-be1f-d57550cc96cc" xsi:nil="true"/>
-    <LocManualTestRequired xmlns="4873beb7-5857-4685-be1f-d57550cc96cc">false</LocManualTestRequired>
-    <LocMarketGroupTiers2 xmlns="4873beb7-5857-4685-be1f-d57550cc96cc" xsi:nil="true"/>
-    <ClipArtFilename xmlns="4873beb7-5857-4685-be1f-d57550cc96cc" xsi:nil="true"/>
-    <TPApplication xmlns="4873beb7-5857-4685-be1f-d57550cc96cc" xsi:nil="true"/>
-    <CSXHash xmlns="4873beb7-5857-4685-be1f-d57550cc96cc" xsi:nil="true"/>
-    <DirectSourceMarket xmlns="4873beb7-5857-4685-be1f-d57550cc96cc" xsi:nil="true"/>
-    <PrimaryImageGen xmlns="4873beb7-5857-4685-be1f-d57550cc96cc">true</PrimaryImageGen>
-    <PlannedPubDate xmlns="4873beb7-5857-4685-be1f-d57550cc96cc" xsi:nil="true"/>
-    <CSXSubmissionMarket xmlns="4873beb7-5857-4685-be1f-d57550cc96cc" xsi:nil="true"/>
-    <Downloads xmlns="4873beb7-5857-4685-be1f-d57550cc96cc">0</Downloads>
-    <ArtSampleDocs xmlns="4873beb7-5857-4685-be1f-d57550cc96cc" xsi:nil="true"/>
-    <TrustLevel xmlns="4873beb7-5857-4685-be1f-d57550cc96cc">1 Microsoft Managed Content</TrustLevel>
-    <BlockPublish xmlns="4873beb7-5857-4685-be1f-d57550cc96cc">false</BlockPublish>
-    <TPLaunchHelpLinkType xmlns="4873beb7-5857-4685-be1f-d57550cc96cc">Template</TPLaunchHelpLinkType>
-    <LocalizationTagsTaxHTField0 xmlns="4873beb7-5857-4685-be1f-d57550cc96cc">
-      <Terms xmlns="http://schemas.microsoft.com/office/infopath/2007/PartnerControls"/>
-    </LocalizationTagsTaxHTField0>
-    <BusinessGroup xmlns="4873beb7-5857-4685-be1f-d57550cc96cc" xsi:nil="true"/>
-    <Providers xmlns="4873beb7-5857-4685-be1f-d57550cc96cc" xsi:nil="true"/>
-    <TemplateTemplateType xmlns="4873beb7-5857-4685-be1f-d57550cc96cc">PowerPoint Presentation Template</TemplateTemplateType>
-    <TimesCloned xmlns="4873beb7-5857-4685-be1f-d57550cc96cc" xsi:nil="true"/>
-    <TPAppVersion xmlns="4873beb7-5857-4685-be1f-d57550cc96cc" xsi:nil="true"/>
-    <VoteCount xmlns="4873beb7-5857-4685-be1f-d57550cc96cc" xsi:nil="true"/>
-    <AverageRating xmlns="4873beb7-5857-4685-be1f-d57550cc96cc" xsi:nil="true"/>
-    <FeatureTagsTaxHTField0 xmlns="4873beb7-5857-4685-be1f-d57550cc96cc">
-      <Terms xmlns="http://schemas.microsoft.com/office/infopath/2007/PartnerControls"/>
-    </FeatureTagsTaxHTField0>
-    <Provider xmlns="4873beb7-5857-4685-be1f-d57550cc96cc" xsi:nil="true"/>
-    <UACurrentWords xmlns="4873beb7-5857-4685-be1f-d57550cc96cc" xsi:nil="true"/>
-    <AssetId xmlns="4873beb7-5857-4685-be1f-d57550cc96cc">TP103431361</AssetId>
-    <TPClientViewer xmlns="4873beb7-5857-4685-be1f-d57550cc96cc" xsi:nil="true"/>
-    <DSATActionTaken xmlns="4873beb7-5857-4685-be1f-d57550cc96cc" xsi:nil="true"/>
-    <APEditor xmlns="4873beb7-5857-4685-be1f-d57550cc96cc">
-      <UserInfo>
-        <DisplayName/>
-        <AccountId xsi:nil="true"/>
-        <AccountType/>
-      </UserInfo>
-    </APEditor>
-    <TPInstallLocation xmlns="4873beb7-5857-4685-be1f-d57550cc96cc" xsi:nil="true"/>
-    <OOCacheId xmlns="4873beb7-5857-4685-be1f-d57550cc96cc" xsi:nil="true"/>
-    <IsDeleted xmlns="4873beb7-5857-4685-be1f-d57550cc96cc">false</IsDeleted>
-    <PublishTargets xmlns="4873beb7-5857-4685-be1f-d57550cc96cc">OfficeOnlineVNext</PublishTargets>
-    <ApprovalLog xmlns="4873beb7-5857-4685-be1f-d57550cc96cc" xsi:nil="true"/>
-    <BugNumber xmlns="4873beb7-5857-4685-be1f-d57550cc96cc" xsi:nil="true"/>
-    <CrawlForDependencies xmlns="4873beb7-5857-4685-be1f-d57550cc96cc">false</CrawlForDependencies>
-    <InternalTagsTaxHTField0 xmlns="4873beb7-5857-4685-be1f-d57550cc96cc">
-      <Terms xmlns="http://schemas.microsoft.com/office/infopath/2007/PartnerControls"/>
-    </InternalTagsTaxHTField0>
-    <LastHandOff xmlns="4873beb7-5857-4685-be1f-d57550cc96cc" xsi:nil="true"/>
-    <Milestone xmlns="4873beb7-5857-4685-be1f-d57550cc96cc" xsi:nil="true"/>
-    <OriginalRelease xmlns="4873beb7-5857-4685-be1f-d57550cc96cc">15</OriginalRelease>
-    <RecommendationsModifier xmlns="4873beb7-5857-4685-be1f-d57550cc96cc" xsi:nil="true"/>
-    <ScenarioTagsTaxHTField0 xmlns="4873beb7-5857-4685-be1f-d57550cc96cc">
-      <Terms xmlns="http://schemas.microsoft.com/office/infopath/2007/PartnerControls"/>
-    </ScenarioTagsTaxHTField0>
-    <UANotes xmlns="4873beb7-5857-4685-be1f-d57550cc96cc" xsi:nil="true"/>
-  </documentManagement>
-</p:properties>
-</file>
-
-<file path=customXml/item3.xml><?xml version="1.0" encoding="utf-8"?>
-<?mso-contentType ?>
-<FormTemplates xmlns="http://schemas.microsoft.com/sharepoint/v3/contenttype/forms">
-  <Display>DocumentLibraryForm</Display>
-  <Edit>AssetEditForm</Edit>
-  <New>DocumentLibraryForm</New>
-</FormTemplates>
-</file>
-
-<file path=customXml/itemProps1.xml><?xml version="1.0" encoding="utf-8"?>
-<ds:datastoreItem xmlns:ds="http://schemas.openxmlformats.org/officeDocument/2006/customXml" ds:itemID="{28C8B9CA-0273-4370-889A-FC05DA5C2FA5}">
-  <ds:schemaRefs>
-    <ds:schemaRef ds:uri="http://schemas.microsoft.com/office/2006/metadata/contentType"/>
-    <ds:schemaRef ds:uri="http://schemas.microsoft.com/office/2006/metadata/properties/metaAttributes"/>
-    <ds:schemaRef ds:uri="http://www.w3.org/2001/XMLSchema"/>
-    <ds:schemaRef ds:uri="http://schemas.microsoft.com/office/2006/metadata/properties"/>
-    <ds:schemaRef ds:uri="4873beb7-5857-4685-be1f-d57550cc96cc"/>
-    <ds:schemaRef ds:uri="http://schemas.microsoft.com/office/2006/documentManagement/types"/>
-    <ds:schemaRef ds:uri="http://schemas.microsoft.com/office/infopath/2007/PartnerControls"/>
-    <ds:schemaRef ds:uri="http://schemas.openxmlformats.org/package/2006/metadata/core-properties"/>
-    <ds:schemaRef ds:uri="http://purl.org/dc/elements/1.1/"/>
-    <ds:schemaRef ds:uri="http://purl.org/dc/terms/"/>
-    <ds:schemaRef ds:uri="http://schemas.microsoft.com/internal/obd"/>
-  </ds:schemaRefs>
-</ds:datastoreItem>
-</file>
-
-<file path=customXml/itemProps2.xml><?xml version="1.0" encoding="utf-8"?>
-<ds:datastoreItem xmlns:ds="http://schemas.openxmlformats.org/officeDocument/2006/customXml" ds:itemID="{8CDDBB83-77C1-4099-A0AA-289882E745E2}">
-  <ds:schemaRefs>
-    <ds:schemaRef ds:uri="http://purl.org/dc/elements/1.1/"/>
-    <ds:schemaRef ds:uri="http://schemas.microsoft.com/office/2006/metadata/properties"/>
-    <ds:schemaRef ds:uri="4873beb7-5857-4685-be1f-d57550cc96cc"/>
-    <ds:schemaRef ds:uri="http://purl.org/dc/terms/"/>
-    <ds:schemaRef ds:uri="http://schemas.microsoft.com/office/2006/documentManagement/types"/>
-    <ds:schemaRef ds:uri="http://schemas.microsoft.com/office/infopath/2007/PartnerControls"/>
-    <ds:schemaRef ds:uri="http://schemas.openxmlformats.org/package/2006/metadata/core-properties"/>
-    <ds:schemaRef ds:uri="http://www.w3.org/XML/1998/namespace"/>
-    <ds:schemaRef ds:uri="http://purl.org/dc/dcmitype/"/>
-  </ds:schemaRefs>
-</ds:datastoreItem>
-</file>
-
-<file path=customXml/itemProps3.xml><?xml version="1.0" encoding="utf-8"?>
-<ds:datastoreItem xmlns:ds="http://schemas.openxmlformats.org/officeDocument/2006/customXml" ds:itemID="{561E720F-F05D-4536-9C34-0CFCED65D3B7}">
-  <ds:schemaRefs>
-    <ds:schemaRef ds:uri="http://schemas.microsoft.com/sharepoint/v3/contenttype/forms"/>
-  </ds:schemaRefs>
-</ds:datastoreItem>
 </file>
--- a/preview/在线考试系统答辩PPT.pptx
+++ b/preview/在线考试系统答辩PPT.pptx
@@ -5410,7 +5410,7 @@
             </a:pPr>
             <a:r>
               <a:rPr lang="zh-CN" altLang="en-US" sz="2300" dirty="0"/>
-              <a:t>答辩人：曾庆熙</a:t>
+              <a:t>答辩人：方孝勇</a:t>
             </a:r>
             <a:endParaRPr lang="en-US" altLang="zh-CN" sz="2300" dirty="0"/>
           </a:p>
@@ -5422,11 +5422,11 @@
             </a:pPr>
             <a:r>
               <a:rPr lang="zh-CN" altLang="en-US" sz="2300" dirty="0"/>
-              <a:t>班级：软件工程</a:t>
+              <a:t>班级：软件工</a:t>
             </a:r>
             <a:r>
               <a:rPr lang="en-US" altLang="zh-CN" sz="2300" dirty="0"/>
-              <a:t>2</a:t>
+              <a:t>7</a:t>
             </a:r>
             <a:r>
               <a:rPr lang="zh-CN" altLang="en-US" sz="2300" dirty="0"/>
@@ -5446,7 +5446,7 @@
             </a:r>
             <a:r>
               <a:rPr lang="en-US" altLang="zh-CN" sz="2300" dirty="0"/>
-              <a:t>14251104208</a:t>
+              <a:t>15101027702</a:t>
             </a:r>
             <a:endParaRPr lang="en-US" altLang="zh-CN" sz="2300" dirty="0"/>
           </a:p>
@@ -5461,15 +5461,8 @@
                 <a:latin typeface="微软雅黑" panose="020B0503020204020204" pitchFamily="34" charset="-122"/>
                 <a:ea typeface="微软雅黑" panose="020B0503020204020204" pitchFamily="34" charset="-122"/>
               </a:rPr>
-              <a:t>指导老师：袁志斌</a:t>
-            </a:r>
-            <a:endParaRPr lang="en-US" altLang="zh-CN" sz="2300" dirty="0">
-              <a:latin typeface="微软雅黑" panose="020B0503020204020204" pitchFamily="34" charset="-122"/>
-              <a:ea typeface="微软雅黑" panose="020B0503020204020204" pitchFamily="34" charset="-122"/>
-            </a:endParaRPr>
-          </a:p>
-          <a:p>
-            <a:pPr rtl="0"/>
+              <a:t>指导老师：方孝勇</a:t>
+            </a:r>
             <a:endParaRPr lang="en-US" dirty="0">
               <a:latin typeface="微软雅黑" panose="020B0503020204020204" pitchFamily="34" charset="-122"/>
               <a:ea typeface="微软雅黑" panose="020B0503020204020204" pitchFamily="34" charset="-122"/>
@@ -5689,7 +5682,7 @@
             </a:r>
             <a:r>
               <a:rPr lang="zh-CN" altLang="en-US">
-                <a:hlinkClick r:id="rId1"/>
+                <a:hlinkClick r:id="rId1" tooltip="" action="ppaction://hlinkfile"/>
               </a:rPr>
               <a:t>项目入口</a:t>
             </a:r>
@@ -6074,7 +6067,7 @@
           <a:p>
             <a:r>
               <a:rPr lang="zh-CN" altLang="en-US" b="1" dirty="0">
-                <a:hlinkClick r:id="rId1"/>
+                <a:hlinkClick r:id="rId1" tooltip=""/>
               </a:rPr>
               <a:t>在线考试系统入口</a:t>
             </a:r>
@@ -6603,11 +6596,20 @@
             <a:r>
               <a:rPr lang="zh-CN" altLang="en-US" b="1" dirty="0">
                 <a:solidFill>
+                  <a:srgbClr val="00B050"/>
+                </a:solidFill>
+                <a:sym typeface="Wingdings 2" panose="05020102010507070707" pitchFamily="18" charset="2"/>
+              </a:rPr>
+              <a:t></a:t>
+            </a:r>
+            <a:r>
+              <a:rPr lang="zh-CN" altLang="en-US" b="1" dirty="0">
+                <a:solidFill>
                   <a:srgbClr val="FF0000"/>
                 </a:solidFill>
                 <a:sym typeface="Wingdings 2" panose="05020102010507070707" pitchFamily="18" charset="2"/>
               </a:rPr>
-              <a:t> </a:t>
+              <a:t> </a:t>
             </a:r>
             <a:r>
               <a:rPr lang="zh-CN" altLang="en-US" dirty="0"/>
@@ -7090,26 +7092,12 @@
             <a:r>
               <a:rPr lang="zh-CN" altLang="en-US" b="1" dirty="0">
                 <a:solidFill>
-                  <a:srgbClr val="FF0000"/>
+                  <a:srgbClr val="00B050"/>
                 </a:solidFill>
                 <a:sym typeface="Wingdings 2" panose="05020102010507070707" pitchFamily="18" charset="2"/>
               </a:rPr>
-              <a:t> </a:t>
-            </a:r>
-            <a:r>
-              <a:rPr lang="zh-CN" altLang="en-US" dirty="0">
-                <a:sym typeface="Wingdings 2" panose="05020102010507070707" pitchFamily="18" charset="2"/>
-              </a:rPr>
-              <a:t>帖子分类</a:t>
-            </a:r>
-            <a:endParaRPr lang="en-US" altLang="zh-CN" dirty="0">
-              <a:sym typeface="Wingdings 2" panose="05020102010507070707" pitchFamily="18" charset="2"/>
-            </a:endParaRPr>
-          </a:p>
-          <a:p>
-            <a:pPr marL="0" indent="0">
-              <a:buNone/>
-            </a:pPr>
+              <a:t></a:t>
+            </a:r>
             <a:r>
               <a:rPr lang="zh-CN" altLang="en-US" b="1" dirty="0">
                 <a:solidFill>
@@ -7117,7 +7105,48 @@
                 </a:solidFill>
                 <a:sym typeface="Wingdings 2" panose="05020102010507070707" pitchFamily="18" charset="2"/>
               </a:rPr>
-              <a:t>  </a:t>
+              <a:t> </a:t>
+            </a:r>
+            <a:r>
+              <a:rPr lang="zh-CN" altLang="en-US" dirty="0">
+                <a:sym typeface="Wingdings 2" panose="05020102010507070707" pitchFamily="18" charset="2"/>
+              </a:rPr>
+              <a:t>帖子分类</a:t>
+            </a:r>
+            <a:endParaRPr lang="en-US" altLang="zh-CN" dirty="0">
+              <a:sym typeface="Wingdings 2" panose="05020102010507070707" pitchFamily="18" charset="2"/>
+            </a:endParaRPr>
+          </a:p>
+          <a:p>
+            <a:pPr marL="0" indent="0">
+              <a:buNone/>
+            </a:pPr>
+            <a:r>
+              <a:rPr lang="zh-CN" altLang="en-US" b="1" dirty="0">
+                <a:solidFill>
+                  <a:srgbClr val="FF0000"/>
+                </a:solidFill>
+                <a:sym typeface="Wingdings 2" panose="05020102010507070707" pitchFamily="18" charset="2"/>
+              </a:rPr>
+              <a:t> </a:t>
+            </a:r>
+            <a:r>
+              <a:rPr lang="zh-CN" altLang="en-US" b="1" dirty="0">
+                <a:solidFill>
+                  <a:srgbClr val="00B050"/>
+                </a:solidFill>
+                <a:sym typeface="Wingdings 2" panose="05020102010507070707" pitchFamily="18" charset="2"/>
+              </a:rPr>
+              <a:t></a:t>
+            </a:r>
+            <a:r>
+              <a:rPr lang="zh-CN" altLang="en-US" b="1" dirty="0">
+                <a:solidFill>
+                  <a:srgbClr val="FF0000"/>
+                </a:solidFill>
+                <a:sym typeface="Wingdings 2" panose="05020102010507070707" pitchFamily="18" charset="2"/>
+              </a:rPr>
+              <a:t> </a:t>
             </a:r>
             <a:r>
               <a:rPr lang="zh-CN" altLang="en-US" dirty="0">
@@ -7337,11 +7366,17 @@
             <a:r>
               <a:rPr lang="zh-CN" altLang="en-US" b="1" dirty="0">
                 <a:solidFill>
-                  <a:srgbClr val="FF0000"/>
+                  <a:srgbClr val="00B050"/>
                 </a:solidFill>
                 <a:sym typeface="Wingdings 2" panose="05020102010507070707" pitchFamily="18" charset="2"/>
               </a:rPr>
-              <a:t></a:t>
+              <a:t></a:t>
+            </a:r>
+            <a:r>
+              <a:rPr lang="zh-CN" altLang="en-US" dirty="0">
+                <a:sym typeface="Wingdings 2" panose="05020102010507070707" pitchFamily="18" charset="2"/>
+              </a:rPr>
+              <a:t> </a:t>
             </a:r>
             <a:r>
               <a:rPr lang="zh-CN" altLang="en-US" dirty="0">
@@ -7598,7 +7633,55 @@
             <a:pPr marL="0" indent="0">
               <a:buNone/>
             </a:pPr>
-            <a:endParaRPr lang="en-US" altLang="zh-CN" dirty="0">
+            <a:r>
+              <a:rPr lang="zh-CN" altLang="en-US" b="1" dirty="0">
+                <a:solidFill>
+                  <a:srgbClr val="00B050"/>
+                </a:solidFill>
+                <a:sym typeface="Wingdings 2" panose="05020102010507070707" pitchFamily="18" charset="2"/>
+              </a:rPr>
+              <a:t> </a:t>
+            </a:r>
+            <a:r>
+              <a:rPr lang="zh-CN" altLang="en-US" dirty="0">
+                <a:sym typeface="Wingdings 2" panose="05020102010507070707" pitchFamily="18" charset="2"/>
+              </a:rPr>
+              <a:t>投诉</a:t>
+            </a:r>
+            <a:r>
+              <a:rPr lang="zh-CN" altLang="en-US" dirty="0">
+                <a:sym typeface="+mn-ea"/>
+              </a:rPr>
+              <a:t>管理</a:t>
+            </a:r>
+            <a:endParaRPr lang="zh-CN" altLang="en-US" dirty="0"/>
+          </a:p>
+          <a:p>
+            <a:pPr marL="0" algn="l">
+              <a:buNone/>
+            </a:pPr>
+            <a:r>
+              <a:rPr lang="zh-CN" altLang="en-US" b="1" dirty="0">
+                <a:solidFill>
+                  <a:srgbClr val="00B050"/>
+                </a:solidFill>
+                <a:sym typeface="Wingdings 2" panose="05020102010507070707" pitchFamily="18" charset="2"/>
+              </a:rPr>
+              <a:t> </a:t>
+            </a:r>
+            <a:r>
+              <a:rPr lang="zh-CN" altLang="en-US" dirty="0">
+                <a:sym typeface="Wingdings 2" panose="05020102010507070707" pitchFamily="18" charset="2"/>
+              </a:rPr>
+              <a:t>公告</a:t>
+            </a:r>
+            <a:r>
+              <a:rPr lang="zh-CN" altLang="en-US" dirty="0">
+                <a:sym typeface="+mn-ea"/>
+              </a:rPr>
+              <a:t>管理</a:t>
+            </a:r>
+            <a:endParaRPr lang="zh-CN" altLang="en-US" dirty="0">
               <a:sym typeface="Wingdings 2" panose="05020102010507070707" pitchFamily="18" charset="2"/>
             </a:endParaRPr>
           </a:p>

--- a/preview/在线考试系统答辩PPT.pptx
+++ b/preview/在线考试系统答辩PPT.pptx
@@ -5461,7 +5461,7 @@
                 <a:latin typeface="微软雅黑" panose="020B0503020204020204" pitchFamily="34" charset="-122"/>
                 <a:ea typeface="微软雅黑" panose="020B0503020204020204" pitchFamily="34" charset="-122"/>
               </a:rPr>
-              <a:t>指导老师：方孝勇</a:t>
+              <a:t>指导老师：张立人</a:t>
             </a:r>
             <a:endParaRPr lang="en-US" dirty="0">
               <a:latin typeface="微软雅黑" panose="020B0503020204020204" pitchFamily="34" charset="-122"/>
@@ -5682,7 +5682,7 @@
             </a:r>
             <a:r>
               <a:rPr lang="zh-CN" altLang="en-US">
-                <a:hlinkClick r:id="rId1" tooltip="" action="ppaction://hlinkfile"/>
+                <a:hlinkClick r:id="rId1" action="ppaction://hlinkfile"/>
               </a:rPr>
               <a:t>项目入口</a:t>
             </a:r>
@@ -6067,7 +6067,7 @@
           <a:p>
             <a:r>
               <a:rPr lang="zh-CN" altLang="en-US" b="1" dirty="0">
-                <a:hlinkClick r:id="rId1" tooltip=""/>
+                <a:hlinkClick r:id="rId1"/>
               </a:rPr>
               <a:t>在线考试系统入口</a:t>
             </a:r>
@@ -7361,28 +7361,13 @@
                 </a:solidFill>
                 <a:sym typeface="Wingdings 2" panose="05020102010507070707" pitchFamily="18" charset="2"/>
               </a:rPr>
-              <a:t> </a:t>
-            </a:r>
-            <a:r>
-              <a:rPr lang="zh-CN" altLang="en-US" b="1" dirty="0">
-                <a:solidFill>
-                  <a:srgbClr val="00B050"/>
-                </a:solidFill>
-                <a:sym typeface="Wingdings 2" panose="05020102010507070707" pitchFamily="18" charset="2"/>
-              </a:rPr>
-              <a:t></a:t>
+              <a:t> </a:t>
             </a:r>
             <a:r>
               <a:rPr lang="zh-CN" altLang="en-US" dirty="0">
                 <a:sym typeface="Wingdings 2" panose="05020102010507070707" pitchFamily="18" charset="2"/>
               </a:rPr>
-              <a:t> </a:t>
-            </a:r>
-            <a:r>
-              <a:rPr lang="zh-CN" altLang="en-US" dirty="0">
-                <a:sym typeface="Wingdings 2" panose="05020102010507070707" pitchFamily="18" charset="2"/>
-              </a:rPr>
-              <a:t> 考试成绩统计分析</a:t>
+              <a:t>  考试成绩统计分析</a:t>
             </a:r>
             <a:endParaRPr lang="en-US" altLang="zh-CN" dirty="0">
               <a:sym typeface="Wingdings 2" panose="05020102010507070707" pitchFamily="18" charset="2"/>
